--- a/08. Presentaciones/Presentación 9 - 31.08.18.pptx
+++ b/08. Presentaciones/Presentación 9 - 31.08.18.pptx
@@ -223,7 +223,7 @@
             <a:fld id="{47F7A525-2E97-4D11-852B-BF2E493721D5}" type="datetimeFigureOut">
               <a:rPr lang="es-AR" smtClean="0"/>
               <a:pPr/>
-              <a:t>27/08/2018</a:t>
+              <a:t>29/08/2018</a:t>
             </a:fld>
             <a:endParaRPr lang="es-AR"/>
           </a:p>
@@ -394,7 +394,7 @@
             <a:fld id="{0E639192-A93D-48A4-B281-8DA3B2AD5F46}" type="datetimeFigureOut">
               <a:rPr lang="es-AR" smtClean="0"/>
               <a:pPr/>
-              <a:t>27/08/2018</a:t>
+              <a:t>29/08/2018</a:t>
             </a:fld>
             <a:endParaRPr lang="es-AR"/>
           </a:p>
@@ -1293,7 +1293,7 @@
             <a:fld id="{7E513DC4-B591-40FB-B153-CBE442BAA60B}" type="datetime1">
               <a:rPr lang="es-AR" smtClean="0"/>
               <a:pPr/>
-              <a:t>27/08/2018</a:t>
+              <a:t>29/08/2018</a:t>
             </a:fld>
             <a:endParaRPr lang="es-AR"/>
           </a:p>
@@ -1579,7 +1579,7 @@
             <a:fld id="{BC50A678-796C-47FE-8727-A3AAF49E2D10}" type="datetime1">
               <a:rPr lang="es-AR" smtClean="0"/>
               <a:pPr/>
-              <a:t>27/08/2018</a:t>
+              <a:t>29/08/2018</a:t>
             </a:fld>
             <a:endParaRPr lang="es-AR"/>
           </a:p>
@@ -1776,7 +1776,7 @@
             <a:fld id="{A7AFFB43-0057-44A6-B675-62CD4F9F4EB1}" type="datetime1">
               <a:rPr lang="es-AR" smtClean="0"/>
               <a:pPr/>
-              <a:t>27/08/2018</a:t>
+              <a:t>29/08/2018</a:t>
             </a:fld>
             <a:endParaRPr lang="es-AR"/>
           </a:p>
@@ -2042,7 +2042,7 @@
             <a:fld id="{5107EDD2-3A41-45F7-9798-5F0A42B67A10}" type="datetime1">
               <a:rPr lang="es-AR" smtClean="0"/>
               <a:pPr/>
-              <a:t>27/08/2018</a:t>
+              <a:t>29/08/2018</a:t>
             </a:fld>
             <a:endParaRPr lang="es-AR"/>
           </a:p>
@@ -2473,7 +2473,7 @@
             <a:fld id="{81A405EA-7F97-484B-BB35-211055BB771A}" type="datetime1">
               <a:rPr lang="es-AR" smtClean="0"/>
               <a:pPr/>
-              <a:t>27/08/2018</a:t>
+              <a:t>29/08/2018</a:t>
             </a:fld>
             <a:endParaRPr lang="es-AR"/>
           </a:p>
@@ -3024,7 +3024,7 @@
             <a:fld id="{F7023107-FE31-4245-9D9D-4DAB5BB365BD}" type="datetime1">
               <a:rPr lang="es-AR" smtClean="0"/>
               <a:pPr/>
-              <a:t>27/08/2018</a:t>
+              <a:t>29/08/2018</a:t>
             </a:fld>
             <a:endParaRPr lang="es-AR"/>
           </a:p>
@@ -3860,7 +3860,7 @@
             <a:fld id="{081FCDBA-D78B-4D74-B477-EFCB1BCA6C42}" type="datetime1">
               <a:rPr lang="es-AR" smtClean="0"/>
               <a:pPr/>
-              <a:t>27/08/2018</a:t>
+              <a:t>29/08/2018</a:t>
             </a:fld>
             <a:endParaRPr lang="es-AR"/>
           </a:p>
@@ -4035,7 +4035,7 @@
             <a:fld id="{20EA1D54-2625-4090-9DAD-29AF83AD3B36}" type="datetime1">
               <a:rPr lang="es-AR" smtClean="0"/>
               <a:pPr/>
-              <a:t>27/08/2018</a:t>
+              <a:t>29/08/2018</a:t>
             </a:fld>
             <a:endParaRPr lang="es-AR"/>
           </a:p>
@@ -4220,7 +4220,7 @@
             <a:fld id="{FCD0E364-B94A-4338-BC1C-A73E1F081813}" type="datetime1">
               <a:rPr lang="es-AR" smtClean="0"/>
               <a:pPr/>
-              <a:t>27/08/2018</a:t>
+              <a:t>29/08/2018</a:t>
             </a:fld>
             <a:endParaRPr lang="es-AR"/>
           </a:p>
@@ -4926,7 +4926,7 @@
             <a:fld id="{0FF6B326-0FEE-47B3-9F77-2568F820D807}" type="datetime1">
               <a:rPr lang="es-AR" smtClean="0"/>
               <a:pPr/>
-              <a:t>27/08/2018</a:t>
+              <a:t>29/08/2018</a:t>
             </a:fld>
             <a:endParaRPr lang="es-AR"/>
           </a:p>
@@ -5163,7 +5163,7 @@
             <a:fld id="{913DAB84-C826-40B0-8ED0-39F2ECE4A200}" type="datetime1">
               <a:rPr lang="es-AR" smtClean="0"/>
               <a:pPr/>
-              <a:t>27/08/2018</a:t>
+              <a:t>29/08/2018</a:t>
             </a:fld>
             <a:endParaRPr lang="es-AR"/>
           </a:p>
@@ -5561,7 +5561,7 @@
             <a:fld id="{8C0226C2-DAEC-4136-9DE8-09FC5E3E671E}" type="datetime1">
               <a:rPr lang="es-AR" smtClean="0"/>
               <a:pPr/>
-              <a:t>27/08/2018</a:t>
+              <a:t>29/08/2018</a:t>
             </a:fld>
             <a:endParaRPr lang="es-AR"/>
           </a:p>
@@ -5684,7 +5684,7 @@
             <a:fld id="{53EE9993-8E0B-4913-A57B-F99EBF98A309}" type="datetime1">
               <a:rPr lang="es-AR" smtClean="0"/>
               <a:pPr/>
-              <a:t>27/08/2018</a:t>
+              <a:t>29/08/2018</a:t>
             </a:fld>
             <a:endParaRPr lang="es-AR"/>
           </a:p>
@@ -5784,7 +5784,7 @@
             <a:fld id="{7FC65BA5-BE01-42C7-88A0-5D66E4C25C69}" type="datetime1">
               <a:rPr lang="es-AR" smtClean="0"/>
               <a:pPr/>
-              <a:t>27/08/2018</a:t>
+              <a:t>29/08/2018</a:t>
             </a:fld>
             <a:endParaRPr lang="es-AR"/>
           </a:p>
@@ -6062,7 +6062,7 @@
             <a:fld id="{E3D3AADB-2F64-4CF7-83E3-78E84AD4D110}" type="datetime1">
               <a:rPr lang="es-AR" smtClean="0"/>
               <a:pPr/>
-              <a:t>27/08/2018</a:t>
+              <a:t>29/08/2018</a:t>
             </a:fld>
             <a:endParaRPr lang="es-AR"/>
           </a:p>
@@ -6348,7 +6348,7 @@
             <a:fld id="{C77D2D86-4208-4F35-BB55-BE3504C41488}" type="datetime1">
               <a:rPr lang="es-AR" smtClean="0"/>
               <a:pPr/>
-              <a:t>27/08/2018</a:t>
+              <a:t>29/08/2018</a:t>
             </a:fld>
             <a:endParaRPr lang="es-AR"/>
           </a:p>
@@ -6589,7 +6589,7 @@
             <a:fld id="{1EA277BA-E2F3-4C3D-9E58-E2E890DB98B1}" type="datetime1">
               <a:rPr lang="es-AR" smtClean="0"/>
               <a:pPr/>
-              <a:t>27/08/2018</a:t>
+              <a:t>29/08/2018</a:t>
             </a:fld>
             <a:endParaRPr lang="es-AR"/>
           </a:p>
@@ -7242,17 +7242,8 @@
               <a:rPr lang="es-AR" sz="3200" b="1" dirty="0" smtClean="0">
                 <a:latin typeface="Calibri Light" pitchFamily="34" charset="0"/>
               </a:rPr>
-              <a:t>PRESENTACIÓN </a:t>
-            </a:r>
-            <a:r>
-              <a:rPr lang="es-AR" sz="3200" b="1" dirty="0" smtClean="0">
-                <a:latin typeface="Calibri Light" pitchFamily="34" charset="0"/>
-              </a:rPr>
-              <a:t>SOBRE LA DEL CONTINUIDAD PROYECTO</a:t>
-            </a:r>
-            <a:endParaRPr lang="es-AR" sz="3200" b="1" dirty="0" smtClean="0">
-              <a:latin typeface="Calibri Light" pitchFamily="34" charset="0"/>
-            </a:endParaRPr>
+              <a:t>PRESENTACIÓN SOBRE LA DEL CONTINUIDAD PROYECTO</a:t>
+            </a:r>
           </a:p>
           <a:p>
             <a:pPr algn="ctr"/>
@@ -7464,7 +7455,6 @@
               <a:rPr lang="es-ES" dirty="0" smtClean="0"/>
               <a:t>:</a:t>
             </a:r>
-            <a:endParaRPr lang="es-ES" dirty="0" smtClean="0"/>
           </a:p>
           <a:p>
             <a:pPr marL="514350" indent="-514350">
@@ -7479,11 +7469,7 @@
             </a:pPr>
             <a:r>
               <a:rPr lang="es-ES" dirty="0" smtClean="0"/>
-              <a:t>Descripción general del proyecto</a:t>
-            </a:r>
-            <a:r>
-              <a:rPr lang="es-ES" dirty="0" smtClean="0"/>
-              <a:t>.</a:t>
+              <a:t>Descripción general del proyecto.</a:t>
             </a:r>
           </a:p>
           <a:p>
@@ -7515,7 +7501,27 @@
             </a:pPr>
             <a:r>
               <a:rPr lang="es-ES" dirty="0" smtClean="0"/>
-              <a:t>Planificación.</a:t>
+              <a:t>Planificación</a:t>
+            </a:r>
+            <a:r>
+              <a:rPr lang="es-ES" dirty="0" smtClean="0"/>
+              <a:t>.</a:t>
+            </a:r>
+          </a:p>
+          <a:p>
+            <a:pPr marL="514350" indent="-514350">
+              <a:spcBef>
+                <a:spcPts val="600"/>
+              </a:spcBef>
+              <a:spcAft>
+                <a:spcPts val="600"/>
+              </a:spcAft>
+              <a:buFont typeface="+mj-lt"/>
+              <a:buAutoNum type="arabicPeriod"/>
+            </a:pPr>
+            <a:r>
+              <a:rPr lang="es-ES" dirty="0" smtClean="0"/>
+              <a:t>Consultas sobre notificaciones y favoritos.</a:t>
             </a:r>
             <a:endParaRPr lang="es-ES" dirty="0" smtClean="0"/>
           </a:p>
@@ -7708,7 +7714,6 @@
               <a:rPr lang="es-ES" dirty="0" smtClean="0"/>
               <a:t>.” [ERS]</a:t>
             </a:r>
-            <a:endParaRPr lang="es-ES" dirty="0" smtClean="0"/>
           </a:p>
           <a:p>
             <a:pPr marL="0" indent="0">
@@ -8145,7 +8150,6 @@
                         <a:rPr lang="es-AR" sz="2200" dirty="0" smtClean="0"/>
                         <a:t>Construcción</a:t>
                       </a:r>
-                      <a:endParaRPr lang="es-AR" sz="2200" dirty="0" smtClean="0"/>
                     </a:p>
                   </a:txBody>
                   <a:tcPr marL="109930" marR="109930" marT="54965" marB="54965"/>
@@ -8229,7 +8233,6 @@
                         <a:rPr lang="es-AR" sz="2200" dirty="0" smtClean="0"/>
                         <a:t>Ultima revisión del repositorio</a:t>
                       </a:r>
-                      <a:endParaRPr lang="es-AR" sz="2200" dirty="0" smtClean="0"/>
                     </a:p>
                   </a:txBody>
                   <a:tcPr marL="109930" marR="109930" marT="54965" marB="54965"/>
@@ -8297,7 +8300,6 @@
                         <a:rPr lang="es-AR" sz="2200" dirty="0" smtClean="0"/>
                         <a:t>Reanudación del proyecto</a:t>
                       </a:r>
-                      <a:endParaRPr lang="es-AR" sz="2200" dirty="0" smtClean="0"/>
                     </a:p>
                   </a:txBody>
                   <a:tcPr marL="109930" marR="109930" marT="54965" marB="54965"/>
@@ -8328,7 +8330,6 @@
                         <a:rPr lang="es-AR" sz="2200" dirty="0" smtClean="0"/>
                         <a:t>17-Ago-18</a:t>
                       </a:r>
-                      <a:endParaRPr lang="es-AR" sz="2200" dirty="0" smtClean="0"/>
                     </a:p>
                   </a:txBody>
                   <a:tcPr marL="109930" marR="109930" marT="54965" marB="54965"/>
@@ -8421,11 +8422,7 @@
             </a:pPr>
             <a:r>
               <a:rPr lang="es-ES" dirty="0" smtClean="0"/>
-              <a:t>Se tomó la decisión de realizar una reunión con el objetivo de reanudar el proyecto Tempus. </a:t>
-            </a:r>
-            <a:r>
-              <a:rPr lang="es-ES" dirty="0" smtClean="0"/>
-              <a:t>Durante la misma se decidió:</a:t>
+              <a:t>Se tomó la decisión de realizar una reunión con el objetivo de reanudar el proyecto Tempus. Durante la misma se decidió:</a:t>
             </a:r>
           </a:p>
           <a:p>
@@ -8443,7 +8440,15 @@
           <a:p>
             <a:r>
               <a:rPr lang="es-ES" dirty="0" smtClean="0"/>
-              <a:t>Determinar estado de la documentación.</a:t>
+              <a:t>Determinar </a:t>
+            </a:r>
+            <a:r>
+              <a:rPr lang="es-ES" dirty="0" smtClean="0"/>
+              <a:t>el estado </a:t>
+            </a:r>
+            <a:r>
+              <a:rPr lang="es-ES" dirty="0" smtClean="0"/>
+              <a:t>de la documentación.</a:t>
             </a:r>
           </a:p>
           <a:p>
@@ -9110,27 +9115,8 @@
                   </a:schemeClr>
                 </a:solidFill>
               </a:rPr>
-              <a:t>Estimación del trabajo </a:t>
-            </a:r>
-            <a:r>
-              <a:rPr lang="es-AR" sz="2800" dirty="0" smtClean="0">
-                <a:solidFill>
-                  <a:schemeClr val="bg1">
-                    <a:lumMod val="75000"/>
-                    <a:lumOff val="25000"/>
-                  </a:schemeClr>
-                </a:solidFill>
-              </a:rPr>
-              <a:t>restante (Realizada en Noviembre de 2017):</a:t>
-            </a:r>
-            <a:endParaRPr lang="es-AR" sz="2800" dirty="0" smtClean="0">
-              <a:solidFill>
-                <a:schemeClr val="bg1">
-                  <a:lumMod val="75000"/>
-                  <a:lumOff val="25000"/>
-                </a:schemeClr>
-              </a:solidFill>
-            </a:endParaRPr>
+              <a:t>Estimación del trabajo restante (Realizada en Noviembre de 2017):</a:t>
+            </a:r>
           </a:p>
         </p:txBody>
       </p:sp>
@@ -9533,7 +9519,11 @@
             </a:pPr>
             <a:r>
               <a:rPr lang="es-AR" dirty="0" smtClean="0"/>
-              <a:t>Documentación restante</a:t>
+              <a:t>Documentación </a:t>
+            </a:r>
+            <a:r>
+              <a:rPr lang="es-AR" dirty="0" smtClean="0"/>
+              <a:t>restante:</a:t>
             </a:r>
             <a:endParaRPr lang="es-AR" dirty="0"/>
           </a:p>
@@ -9878,11 +9868,7 @@
             </a:pPr>
             <a:r>
               <a:rPr lang="es-AR" sz="2400" dirty="0" smtClean="0"/>
-              <a:t>Se considera actualizaciones a los documentos actuales ante eventuales modificaciones. </a:t>
-            </a:r>
-            <a:r>
-              <a:rPr lang="es-AR" sz="2400" dirty="0" smtClean="0"/>
-              <a:t>Abarca documentos como: Especificaciones de casos de uso, Modelos (De datos, de casos de uso, de diseño) o base de datos.</a:t>
+              <a:t>Se considera actualizaciones a los documentos actuales ante eventuales modificaciones. Abarca documentos como: Especificaciones de casos de uso, Modelos (De datos, de casos de uso, de diseño) o base de datos.</a:t>
             </a:r>
             <a:endParaRPr lang="es-AR" sz="2400" dirty="0"/>
           </a:p>
@@ -10024,15 +10010,21 @@
           </a:xfrm>
         </p:spPr>
         <p:txBody>
-          <a:bodyPr/>
+          <a:bodyPr>
+            <a:normAutofit fontScale="92500"/>
+          </a:bodyPr>
           <a:lstStyle/>
           <a:p>
             <a:pPr marL="0" indent="0">
               <a:buNone/>
             </a:pPr>
             <a:r>
-              <a:rPr lang="es-AR" dirty="0" smtClean="0"/>
-              <a:t>Implementación restante</a:t>
+              <a:rPr lang="es-AR" smtClean="0"/>
+              <a:t>Implementación </a:t>
+            </a:r>
+            <a:r>
+              <a:rPr lang="es-AR" smtClean="0"/>
+              <a:t>restante:</a:t>
             </a:r>
             <a:endParaRPr lang="es-AR" dirty="0"/>
           </a:p>

--- a/08. Presentaciones/Presentación 9 - 31.08.18.pptx
+++ b/08. Presentaciones/Presentación 9 - 31.08.18.pptx
@@ -5,21 +5,27 @@
     <p:sldMasterId id="2147483696" r:id="rId1"/>
   </p:sldMasterIdLst>
   <p:notesMasterIdLst>
-    <p:notesMasterId r:id="rId11"/>
+    <p:notesMasterId r:id="rId17"/>
   </p:notesMasterIdLst>
   <p:handoutMasterIdLst>
-    <p:handoutMasterId r:id="rId12"/>
+    <p:handoutMasterId r:id="rId18"/>
   </p:handoutMasterIdLst>
   <p:sldIdLst>
     <p:sldId id="277" r:id="rId2"/>
     <p:sldId id="289" r:id="rId3"/>
-    <p:sldId id="314" r:id="rId4"/>
-    <p:sldId id="318" r:id="rId5"/>
-    <p:sldId id="340" r:id="rId6"/>
-    <p:sldId id="316" r:id="rId7"/>
+    <p:sldId id="340" r:id="rId4"/>
+    <p:sldId id="314" r:id="rId5"/>
+    <p:sldId id="344" r:id="rId6"/>
+    <p:sldId id="318" r:id="rId7"/>
     <p:sldId id="334" r:id="rId8"/>
     <p:sldId id="343" r:id="rId9"/>
-    <p:sldId id="302" r:id="rId10"/>
+    <p:sldId id="345" r:id="rId10"/>
+    <p:sldId id="346" r:id="rId11"/>
+    <p:sldId id="347" r:id="rId12"/>
+    <p:sldId id="348" r:id="rId13"/>
+    <p:sldId id="349" r:id="rId14"/>
+    <p:sldId id="350" r:id="rId15"/>
+    <p:sldId id="302" r:id="rId16"/>
   </p:sldIdLst>
   <p:sldSz cx="12192000" cy="6858000"/>
   <p:notesSz cx="6858000" cy="9144000"/>
@@ -223,7 +229,7 @@
             <a:fld id="{47F7A525-2E97-4D11-852B-BF2E493721D5}" type="datetimeFigureOut">
               <a:rPr lang="es-AR" smtClean="0"/>
               <a:pPr/>
-              <a:t>29/08/2018</a:t>
+              <a:t>30/08/2018</a:t>
             </a:fld>
             <a:endParaRPr lang="es-AR"/>
           </a:p>
@@ -394,7 +400,7 @@
             <a:fld id="{0E639192-A93D-48A4-B281-8DA3B2AD5F46}" type="datetimeFigureOut">
               <a:rPr lang="es-AR" smtClean="0"/>
               <a:pPr/>
-              <a:t>29/08/2018</a:t>
+              <a:t>30/08/2018</a:t>
             </a:fld>
             <a:endParaRPr lang="es-AR"/>
           </a:p>
@@ -762,7 +768,7 @@
     </p:spTree>
     <p:extLst>
       <p:ext uri="{BB962C8B-B14F-4D97-AF65-F5344CB8AC3E}">
-        <p14:creationId xmlns:p14="http://schemas.microsoft.com/office/powerpoint/2010/main" val="3143320932"/>
+        <p14:creationId xmlns:p14="http://schemas.microsoft.com/office/powerpoint/2010/main" val="4053849653"/>
       </p:ext>
     </p:extLst>
   </p:cSld>
@@ -870,7 +876,7 @@
     </p:spTree>
     <p:extLst>
       <p:ext uri="{BB962C8B-B14F-4D97-AF65-F5344CB8AC3E}">
-        <p14:creationId xmlns:p14="http://schemas.microsoft.com/office/powerpoint/2010/main" val="3010317648"/>
+        <p14:creationId xmlns:p14="http://schemas.microsoft.com/office/powerpoint/2010/main" val="3143320932"/>
       </p:ext>
     </p:extLst>
   </p:cSld>
@@ -978,7 +984,7 @@
     </p:spTree>
     <p:extLst>
       <p:ext uri="{BB962C8B-B14F-4D97-AF65-F5344CB8AC3E}">
-        <p14:creationId xmlns:p14="http://schemas.microsoft.com/office/powerpoint/2010/main" val="4053849653"/>
+        <p14:creationId xmlns:p14="http://schemas.microsoft.com/office/powerpoint/2010/main" val="1634895838"/>
       </p:ext>
     </p:extLst>
   </p:cSld>
@@ -1086,7 +1092,7 @@
     </p:spTree>
     <p:extLst>
       <p:ext uri="{BB962C8B-B14F-4D97-AF65-F5344CB8AC3E}">
-        <p14:creationId xmlns:p14="http://schemas.microsoft.com/office/powerpoint/2010/main" val="590088189"/>
+        <p14:creationId xmlns:p14="http://schemas.microsoft.com/office/powerpoint/2010/main" val="3010317648"/>
       </p:ext>
     </p:extLst>
   </p:cSld>
@@ -1293,7 +1299,7 @@
             <a:fld id="{7E513DC4-B591-40FB-B153-CBE442BAA60B}" type="datetime1">
               <a:rPr lang="es-AR" smtClean="0"/>
               <a:pPr/>
-              <a:t>29/08/2018</a:t>
+              <a:t>30/08/2018</a:t>
             </a:fld>
             <a:endParaRPr lang="es-AR"/>
           </a:p>
@@ -1579,7 +1585,7 @@
             <a:fld id="{BC50A678-796C-47FE-8727-A3AAF49E2D10}" type="datetime1">
               <a:rPr lang="es-AR" smtClean="0"/>
               <a:pPr/>
-              <a:t>29/08/2018</a:t>
+              <a:t>30/08/2018</a:t>
             </a:fld>
             <a:endParaRPr lang="es-AR"/>
           </a:p>
@@ -1776,7 +1782,7 @@
             <a:fld id="{A7AFFB43-0057-44A6-B675-62CD4F9F4EB1}" type="datetime1">
               <a:rPr lang="es-AR" smtClean="0"/>
               <a:pPr/>
-              <a:t>29/08/2018</a:t>
+              <a:t>30/08/2018</a:t>
             </a:fld>
             <a:endParaRPr lang="es-AR"/>
           </a:p>
@@ -2042,7 +2048,7 @@
             <a:fld id="{5107EDD2-3A41-45F7-9798-5F0A42B67A10}" type="datetime1">
               <a:rPr lang="es-AR" smtClean="0"/>
               <a:pPr/>
-              <a:t>29/08/2018</a:t>
+              <a:t>30/08/2018</a:t>
             </a:fld>
             <a:endParaRPr lang="es-AR"/>
           </a:p>
@@ -2473,7 +2479,7 @@
             <a:fld id="{81A405EA-7F97-484B-BB35-211055BB771A}" type="datetime1">
               <a:rPr lang="es-AR" smtClean="0"/>
               <a:pPr/>
-              <a:t>29/08/2018</a:t>
+              <a:t>30/08/2018</a:t>
             </a:fld>
             <a:endParaRPr lang="es-AR"/>
           </a:p>
@@ -3024,7 +3030,7 @@
             <a:fld id="{F7023107-FE31-4245-9D9D-4DAB5BB365BD}" type="datetime1">
               <a:rPr lang="es-AR" smtClean="0"/>
               <a:pPr/>
-              <a:t>29/08/2018</a:t>
+              <a:t>30/08/2018</a:t>
             </a:fld>
             <a:endParaRPr lang="es-AR"/>
           </a:p>
@@ -3860,7 +3866,7 @@
             <a:fld id="{081FCDBA-D78B-4D74-B477-EFCB1BCA6C42}" type="datetime1">
               <a:rPr lang="es-AR" smtClean="0"/>
               <a:pPr/>
-              <a:t>29/08/2018</a:t>
+              <a:t>30/08/2018</a:t>
             </a:fld>
             <a:endParaRPr lang="es-AR"/>
           </a:p>
@@ -4035,7 +4041,7 @@
             <a:fld id="{20EA1D54-2625-4090-9DAD-29AF83AD3B36}" type="datetime1">
               <a:rPr lang="es-AR" smtClean="0"/>
               <a:pPr/>
-              <a:t>29/08/2018</a:t>
+              <a:t>30/08/2018</a:t>
             </a:fld>
             <a:endParaRPr lang="es-AR"/>
           </a:p>
@@ -4220,7 +4226,7 @@
             <a:fld id="{FCD0E364-B94A-4338-BC1C-A73E1F081813}" type="datetime1">
               <a:rPr lang="es-AR" smtClean="0"/>
               <a:pPr/>
-              <a:t>29/08/2018</a:t>
+              <a:t>30/08/2018</a:t>
             </a:fld>
             <a:endParaRPr lang="es-AR"/>
           </a:p>
@@ -4926,7 +4932,7 @@
             <a:fld id="{0FF6B326-0FEE-47B3-9F77-2568F820D807}" type="datetime1">
               <a:rPr lang="es-AR" smtClean="0"/>
               <a:pPr/>
-              <a:t>29/08/2018</a:t>
+              <a:t>30/08/2018</a:t>
             </a:fld>
             <a:endParaRPr lang="es-AR"/>
           </a:p>
@@ -5163,7 +5169,7 @@
             <a:fld id="{913DAB84-C826-40B0-8ED0-39F2ECE4A200}" type="datetime1">
               <a:rPr lang="es-AR" smtClean="0"/>
               <a:pPr/>
-              <a:t>29/08/2018</a:t>
+              <a:t>30/08/2018</a:t>
             </a:fld>
             <a:endParaRPr lang="es-AR"/>
           </a:p>
@@ -5561,7 +5567,7 @@
             <a:fld id="{8C0226C2-DAEC-4136-9DE8-09FC5E3E671E}" type="datetime1">
               <a:rPr lang="es-AR" smtClean="0"/>
               <a:pPr/>
-              <a:t>29/08/2018</a:t>
+              <a:t>30/08/2018</a:t>
             </a:fld>
             <a:endParaRPr lang="es-AR"/>
           </a:p>
@@ -5684,7 +5690,7 @@
             <a:fld id="{53EE9993-8E0B-4913-A57B-F99EBF98A309}" type="datetime1">
               <a:rPr lang="es-AR" smtClean="0"/>
               <a:pPr/>
-              <a:t>29/08/2018</a:t>
+              <a:t>30/08/2018</a:t>
             </a:fld>
             <a:endParaRPr lang="es-AR"/>
           </a:p>
@@ -5784,7 +5790,7 @@
             <a:fld id="{7FC65BA5-BE01-42C7-88A0-5D66E4C25C69}" type="datetime1">
               <a:rPr lang="es-AR" smtClean="0"/>
               <a:pPr/>
-              <a:t>29/08/2018</a:t>
+              <a:t>30/08/2018</a:t>
             </a:fld>
             <a:endParaRPr lang="es-AR"/>
           </a:p>
@@ -6062,7 +6068,7 @@
             <a:fld id="{E3D3AADB-2F64-4CF7-83E3-78E84AD4D110}" type="datetime1">
               <a:rPr lang="es-AR" smtClean="0"/>
               <a:pPr/>
-              <a:t>29/08/2018</a:t>
+              <a:t>30/08/2018</a:t>
             </a:fld>
             <a:endParaRPr lang="es-AR"/>
           </a:p>
@@ -6348,7 +6354,7 @@
             <a:fld id="{C77D2D86-4208-4F35-BB55-BE3504C41488}" type="datetime1">
               <a:rPr lang="es-AR" smtClean="0"/>
               <a:pPr/>
-              <a:t>29/08/2018</a:t>
+              <a:t>30/08/2018</a:t>
             </a:fld>
             <a:endParaRPr lang="es-AR"/>
           </a:p>
@@ -6589,7 +6595,7 @@
             <a:fld id="{1EA277BA-E2F3-4C3D-9E58-E2E890DB98B1}" type="datetime1">
               <a:rPr lang="es-AR" smtClean="0"/>
               <a:pPr/>
-              <a:t>29/08/2018</a:t>
+              <a:t>30/08/2018</a:t>
             </a:fld>
             <a:endParaRPr lang="es-AR"/>
           </a:p>
@@ -7409,6 +7415,3462 @@
 </p:sld>
 </file>
 
+<file path=ppt/slides/slide10.xml><?xml version="1.0" encoding="utf-8"?>
+<p:sld xmlns:a="http://schemas.openxmlformats.org/drawingml/2006/main" xmlns:r="http://schemas.openxmlformats.org/officeDocument/2006/relationships" xmlns:p="http://schemas.openxmlformats.org/presentationml/2006/main">
+  <p:cSld>
+    <p:spTree>
+      <p:nvGrpSpPr>
+        <p:cNvPr id="1" name=""/>
+        <p:cNvGrpSpPr/>
+        <p:nvPr/>
+      </p:nvGrpSpPr>
+      <p:grpSpPr>
+        <a:xfrm>
+          <a:off x="0" y="0"/>
+          <a:ext cx="0" cy="0"/>
+          <a:chOff x="0" y="0"/>
+          <a:chExt cx="0" cy="0"/>
+        </a:xfrm>
+      </p:grpSpPr>
+      <p:sp>
+        <p:nvSpPr>
+          <p:cNvPr id="3" name="Título 2"/>
+          <p:cNvSpPr>
+            <a:spLocks noGrp="1"/>
+          </p:cNvSpPr>
+          <p:nvPr>
+            <p:ph type="title"/>
+          </p:nvPr>
+        </p:nvSpPr>
+        <p:spPr/>
+        <p:txBody>
+          <a:bodyPr/>
+          <a:lstStyle/>
+          <a:p>
+            <a:r>
+              <a:rPr lang="es-AR" dirty="0" smtClean="0"/>
+              <a:t>Planificación Iteración 4</a:t>
+            </a:r>
+            <a:endParaRPr lang="es-AR" dirty="0"/>
+          </a:p>
+        </p:txBody>
+      </p:sp>
+      <p:sp>
+        <p:nvSpPr>
+          <p:cNvPr id="4" name="Marcador de pie de página 3"/>
+          <p:cNvSpPr>
+            <a:spLocks noGrp="1"/>
+          </p:cNvSpPr>
+          <p:nvPr>
+            <p:ph type="ftr" sz="quarter" idx="11"/>
+          </p:nvPr>
+        </p:nvSpPr>
+        <p:spPr/>
+        <p:txBody>
+          <a:bodyPr/>
+          <a:lstStyle/>
+          <a:p>
+            <a:r>
+              <a:rPr lang="es-AR" smtClean="0"/>
+              <a:t>OYARZO Mariela – QUIROGA Sandra – MÁRQUEZ EMANUEL</a:t>
+            </a:r>
+            <a:endParaRPr lang="es-AR" dirty="0"/>
+          </a:p>
+        </p:txBody>
+      </p:sp>
+      <p:sp>
+        <p:nvSpPr>
+          <p:cNvPr id="5" name="Marcador de número de diapositiva 4"/>
+          <p:cNvSpPr>
+            <a:spLocks noGrp="1"/>
+          </p:cNvSpPr>
+          <p:nvPr>
+            <p:ph type="sldNum" sz="quarter" idx="12"/>
+          </p:nvPr>
+        </p:nvSpPr>
+        <p:spPr/>
+        <p:txBody>
+          <a:bodyPr/>
+          <a:lstStyle/>
+          <a:p>
+            <a:fld id="{779E3280-5C43-43EF-BE7D-8C553A58A779}" type="slidenum">
+              <a:rPr lang="es-AR" smtClean="0"/>
+              <a:pPr/>
+              <a:t>10</a:t>
+            </a:fld>
+            <a:endParaRPr lang="es-AR" dirty="0"/>
+          </a:p>
+        </p:txBody>
+      </p:sp>
+      <p:graphicFrame>
+        <p:nvGraphicFramePr>
+          <p:cNvPr id="7" name="Tabla 6"/>
+          <p:cNvGraphicFramePr>
+            <a:graphicFrameLocks noGrp="1"/>
+          </p:cNvGraphicFramePr>
+          <p:nvPr>
+            <p:extLst>
+              <p:ext uri="{D42A27DB-BD31-4B8C-83A1-F6EECF244321}">
+                <p14:modId xmlns:p14="http://schemas.microsoft.com/office/powerpoint/2010/main" val="3600879462"/>
+              </p:ext>
+            </p:extLst>
+          </p:nvPr>
+        </p:nvGraphicFramePr>
+        <p:xfrm>
+          <a:off x="1288321" y="2374711"/>
+          <a:ext cx="9609136" cy="3385200"/>
+        </p:xfrm>
+        <a:graphic>
+          <a:graphicData uri="http://schemas.openxmlformats.org/drawingml/2006/table">
+            <a:tbl>
+              <a:tblPr firstRow="1" bandRow="1">
+                <a:tableStyleId>{6E25E649-3F16-4E02-A733-19D2CDBF48F0}</a:tableStyleId>
+              </a:tblPr>
+              <a:tblGrid>
+                <a:gridCol w="5630354"/>
+                <a:gridCol w="1301237"/>
+                <a:gridCol w="1050999"/>
+                <a:gridCol w="1626546"/>
+              </a:tblGrid>
+              <a:tr h="483600">
+                <a:tc>
+                  <a:txBody>
+                    <a:bodyPr/>
+                    <a:lstStyle/>
+                    <a:p>
+                      <a:pPr algn="ctr"/>
+                      <a:r>
+                        <a:rPr lang="es-AR" dirty="0" smtClean="0">
+                          <a:solidFill>
+                            <a:schemeClr val="bg1"/>
+                          </a:solidFill>
+                        </a:rPr>
+                        <a:t>Nombre de la tarea</a:t>
+                      </a:r>
+                      <a:endParaRPr lang="es-AR" dirty="0">
+                        <a:solidFill>
+                          <a:schemeClr val="bg1"/>
+                        </a:solidFill>
+                      </a:endParaRPr>
+                    </a:p>
+                  </a:txBody>
+                  <a:tcPr/>
+                </a:tc>
+                <a:tc>
+                  <a:txBody>
+                    <a:bodyPr/>
+                    <a:lstStyle/>
+                    <a:p>
+                      <a:pPr algn="ctr"/>
+                      <a:r>
+                        <a:rPr lang="es-AR" dirty="0" smtClean="0">
+                          <a:solidFill>
+                            <a:schemeClr val="bg1"/>
+                          </a:solidFill>
+                        </a:rPr>
+                        <a:t>Inicio</a:t>
+                      </a:r>
+                      <a:endParaRPr lang="es-AR" dirty="0">
+                        <a:solidFill>
+                          <a:schemeClr val="bg1"/>
+                        </a:solidFill>
+                      </a:endParaRPr>
+                    </a:p>
+                  </a:txBody>
+                  <a:tcPr/>
+                </a:tc>
+                <a:tc>
+                  <a:txBody>
+                    <a:bodyPr/>
+                    <a:lstStyle/>
+                    <a:p>
+                      <a:pPr algn="ctr"/>
+                      <a:r>
+                        <a:rPr lang="es-AR" dirty="0" smtClean="0">
+                          <a:solidFill>
+                            <a:schemeClr val="bg1"/>
+                          </a:solidFill>
+                        </a:rPr>
+                        <a:t>Fin</a:t>
+                      </a:r>
+                      <a:endParaRPr lang="es-AR" dirty="0">
+                        <a:solidFill>
+                          <a:schemeClr val="bg1"/>
+                        </a:solidFill>
+                      </a:endParaRPr>
+                    </a:p>
+                  </a:txBody>
+                  <a:tcPr/>
+                </a:tc>
+                <a:tc>
+                  <a:txBody>
+                    <a:bodyPr/>
+                    <a:lstStyle/>
+                    <a:p>
+                      <a:pPr algn="ctr"/>
+                      <a:r>
+                        <a:rPr lang="es-AR" dirty="0" smtClean="0">
+                          <a:solidFill>
+                            <a:schemeClr val="bg1"/>
+                          </a:solidFill>
+                        </a:rPr>
+                        <a:t>Prioridad</a:t>
+                      </a:r>
+                      <a:endParaRPr lang="es-AR" dirty="0">
+                        <a:solidFill>
+                          <a:schemeClr val="bg1"/>
+                        </a:solidFill>
+                      </a:endParaRPr>
+                    </a:p>
+                  </a:txBody>
+                  <a:tcPr/>
+                </a:tc>
+              </a:tr>
+              <a:tr h="483600">
+                <a:tc>
+                  <a:txBody>
+                    <a:bodyPr/>
+                    <a:lstStyle/>
+                    <a:p>
+                      <a:r>
+                        <a:rPr lang="es-AR" dirty="0" smtClean="0"/>
+                        <a:t>Continuar glosario.</a:t>
+                      </a:r>
+                      <a:endParaRPr lang="es-AR" dirty="0"/>
+                    </a:p>
+                  </a:txBody>
+                  <a:tcPr/>
+                </a:tc>
+                <a:tc>
+                  <a:txBody>
+                    <a:bodyPr/>
+                    <a:lstStyle/>
+                    <a:p>
+                      <a:pPr algn="ctr"/>
+                      <a:r>
+                        <a:rPr lang="es-AR" dirty="0" smtClean="0"/>
+                        <a:t>01-Sep</a:t>
+                      </a:r>
+                      <a:endParaRPr lang="es-AR" dirty="0"/>
+                    </a:p>
+                  </a:txBody>
+                  <a:tcPr/>
+                </a:tc>
+                <a:tc>
+                  <a:txBody>
+                    <a:bodyPr/>
+                    <a:lstStyle/>
+                    <a:p>
+                      <a:pPr algn="ctr"/>
+                      <a:r>
+                        <a:rPr lang="es-AR" dirty="0" smtClean="0"/>
+                        <a:t>16-Sep</a:t>
+                      </a:r>
+                      <a:endParaRPr lang="es-AR" dirty="0"/>
+                    </a:p>
+                  </a:txBody>
+                  <a:tcPr/>
+                </a:tc>
+                <a:tc>
+                  <a:txBody>
+                    <a:bodyPr/>
+                    <a:lstStyle/>
+                    <a:p>
+                      <a:pPr algn="ctr"/>
+                      <a:r>
+                        <a:rPr lang="es-AR" dirty="0" smtClean="0"/>
+                        <a:t>Baja</a:t>
+                      </a:r>
+                      <a:endParaRPr lang="es-AR" dirty="0"/>
+                    </a:p>
+                  </a:txBody>
+                  <a:tcPr/>
+                </a:tc>
+              </a:tr>
+              <a:tr h="483600">
+                <a:tc>
+                  <a:txBody>
+                    <a:bodyPr/>
+                    <a:lstStyle/>
+                    <a:p>
+                      <a:r>
+                        <a:rPr lang="es-AR" dirty="0" smtClean="0"/>
+                        <a:t>Descargar archivos</a:t>
+                      </a:r>
+                      <a:r>
+                        <a:rPr lang="es-AR" baseline="0" dirty="0" smtClean="0"/>
+                        <a:t> Excel del corriente año.</a:t>
+                      </a:r>
+                      <a:endParaRPr lang="es-AR" dirty="0"/>
+                    </a:p>
+                  </a:txBody>
+                  <a:tcPr/>
+                </a:tc>
+                <a:tc>
+                  <a:txBody>
+                    <a:bodyPr/>
+                    <a:lstStyle/>
+                    <a:p>
+                      <a:pPr marL="0" marR="0" lvl="0" indent="0" algn="ctr" defTabSz="914400" rtl="0" eaLnBrk="1" fontAlgn="auto" latinLnBrk="0" hangingPunct="1">
+                        <a:lnSpc>
+                          <a:spcPct val="100000"/>
+                        </a:lnSpc>
+                        <a:spcBef>
+                          <a:spcPts val="0"/>
+                        </a:spcBef>
+                        <a:spcAft>
+                          <a:spcPts val="0"/>
+                        </a:spcAft>
+                        <a:buClrTx/>
+                        <a:buSzTx/>
+                        <a:buFontTx/>
+                        <a:buNone/>
+                        <a:tabLst/>
+                        <a:defRPr/>
+                      </a:pPr>
+                      <a:r>
+                        <a:rPr lang="es-AR" dirty="0" smtClean="0"/>
+                        <a:t>01-Sep</a:t>
+                      </a:r>
+                      <a:endParaRPr lang="es-AR" dirty="0" smtClean="0"/>
+                    </a:p>
+                  </a:txBody>
+                  <a:tcPr/>
+                </a:tc>
+                <a:tc>
+                  <a:txBody>
+                    <a:bodyPr/>
+                    <a:lstStyle/>
+                    <a:p>
+                      <a:pPr marL="0" marR="0" lvl="0" indent="0" algn="ctr" defTabSz="914400" rtl="0" eaLnBrk="1" fontAlgn="auto" latinLnBrk="0" hangingPunct="1">
+                        <a:lnSpc>
+                          <a:spcPct val="100000"/>
+                        </a:lnSpc>
+                        <a:spcBef>
+                          <a:spcPts val="0"/>
+                        </a:spcBef>
+                        <a:spcAft>
+                          <a:spcPts val="0"/>
+                        </a:spcAft>
+                        <a:buClrTx/>
+                        <a:buSzTx/>
+                        <a:buFontTx/>
+                        <a:buNone/>
+                        <a:tabLst/>
+                        <a:defRPr/>
+                      </a:pPr>
+                      <a:r>
+                        <a:rPr lang="es-AR" dirty="0" smtClean="0"/>
+                        <a:t>16-Sep</a:t>
+                      </a:r>
+                      <a:endParaRPr lang="es-AR" dirty="0" smtClean="0"/>
+                    </a:p>
+                  </a:txBody>
+                  <a:tcPr/>
+                </a:tc>
+                <a:tc>
+                  <a:txBody>
+                    <a:bodyPr/>
+                    <a:lstStyle/>
+                    <a:p>
+                      <a:pPr algn="ctr"/>
+                      <a:r>
+                        <a:rPr lang="es-AR" dirty="0" smtClean="0"/>
+                        <a:t>Media</a:t>
+                      </a:r>
+                      <a:endParaRPr lang="es-AR" dirty="0"/>
+                    </a:p>
+                  </a:txBody>
+                  <a:tcPr/>
+                </a:tc>
+              </a:tr>
+              <a:tr h="483600">
+                <a:tc>
+                  <a:txBody>
+                    <a:bodyPr/>
+                    <a:lstStyle/>
+                    <a:p>
+                      <a:r>
+                        <a:rPr lang="es-AR" dirty="0" smtClean="0"/>
+                        <a:t>Completar CP</a:t>
+                      </a:r>
+                      <a:r>
+                        <a:rPr lang="es-AR" baseline="0" dirty="0" smtClean="0"/>
+                        <a:t> para CU02 – Importar horarios de cursada.</a:t>
+                      </a:r>
+                      <a:endParaRPr lang="es-AR" dirty="0"/>
+                    </a:p>
+                  </a:txBody>
+                  <a:tcPr/>
+                </a:tc>
+                <a:tc>
+                  <a:txBody>
+                    <a:bodyPr/>
+                    <a:lstStyle/>
+                    <a:p>
+                      <a:pPr marL="0" marR="0" lvl="0" indent="0" algn="ctr" defTabSz="914400" rtl="0" eaLnBrk="1" fontAlgn="auto" latinLnBrk="0" hangingPunct="1">
+                        <a:lnSpc>
+                          <a:spcPct val="100000"/>
+                        </a:lnSpc>
+                        <a:spcBef>
+                          <a:spcPts val="0"/>
+                        </a:spcBef>
+                        <a:spcAft>
+                          <a:spcPts val="0"/>
+                        </a:spcAft>
+                        <a:buClrTx/>
+                        <a:buSzTx/>
+                        <a:buFontTx/>
+                        <a:buNone/>
+                        <a:tabLst/>
+                        <a:defRPr/>
+                      </a:pPr>
+                      <a:r>
+                        <a:rPr lang="es-AR" dirty="0" smtClean="0"/>
+                        <a:t>01-Sep</a:t>
+                      </a:r>
+                      <a:endParaRPr lang="es-AR" dirty="0" smtClean="0"/>
+                    </a:p>
+                  </a:txBody>
+                  <a:tcPr/>
+                </a:tc>
+                <a:tc>
+                  <a:txBody>
+                    <a:bodyPr/>
+                    <a:lstStyle/>
+                    <a:p>
+                      <a:pPr marL="0" marR="0" lvl="0" indent="0" algn="ctr" defTabSz="914400" rtl="0" eaLnBrk="1" fontAlgn="auto" latinLnBrk="0" hangingPunct="1">
+                        <a:lnSpc>
+                          <a:spcPct val="100000"/>
+                        </a:lnSpc>
+                        <a:spcBef>
+                          <a:spcPts val="0"/>
+                        </a:spcBef>
+                        <a:spcAft>
+                          <a:spcPts val="0"/>
+                        </a:spcAft>
+                        <a:buClrTx/>
+                        <a:buSzTx/>
+                        <a:buFontTx/>
+                        <a:buNone/>
+                        <a:tabLst/>
+                        <a:defRPr/>
+                      </a:pPr>
+                      <a:r>
+                        <a:rPr lang="es-AR" dirty="0" smtClean="0"/>
+                        <a:t>16-Sep</a:t>
+                      </a:r>
+                      <a:endParaRPr lang="es-AR" dirty="0" smtClean="0"/>
+                    </a:p>
+                  </a:txBody>
+                  <a:tcPr/>
+                </a:tc>
+                <a:tc>
+                  <a:txBody>
+                    <a:bodyPr/>
+                    <a:lstStyle/>
+                    <a:p>
+                      <a:pPr algn="ctr"/>
+                      <a:r>
+                        <a:rPr lang="es-AR" dirty="0" smtClean="0"/>
+                        <a:t>Alta</a:t>
+                      </a:r>
+                      <a:endParaRPr lang="es-AR" dirty="0"/>
+                    </a:p>
+                  </a:txBody>
+                  <a:tcPr/>
+                </a:tc>
+              </a:tr>
+              <a:tr h="483600">
+                <a:tc>
+                  <a:txBody>
+                    <a:bodyPr/>
+                    <a:lstStyle/>
+                    <a:p>
+                      <a:pPr marL="0" marR="0" lvl="0" indent="0" algn="l" defTabSz="914400" rtl="0" eaLnBrk="1" fontAlgn="auto" latinLnBrk="0" hangingPunct="1">
+                        <a:lnSpc>
+                          <a:spcPct val="100000"/>
+                        </a:lnSpc>
+                        <a:spcBef>
+                          <a:spcPts val="0"/>
+                        </a:spcBef>
+                        <a:spcAft>
+                          <a:spcPts val="0"/>
+                        </a:spcAft>
+                        <a:buClrTx/>
+                        <a:buSzTx/>
+                        <a:buFontTx/>
+                        <a:buNone/>
+                        <a:tabLst/>
+                        <a:defRPr/>
+                      </a:pPr>
+                      <a:r>
+                        <a:rPr lang="es-AR" dirty="0" smtClean="0"/>
+                        <a:t>Completar CP</a:t>
+                      </a:r>
+                      <a:r>
+                        <a:rPr lang="es-AR" baseline="0" dirty="0" smtClean="0"/>
+                        <a:t> para CU03 – Importar mesas de examen.</a:t>
+                      </a:r>
+                      <a:endParaRPr lang="es-AR" dirty="0" smtClean="0"/>
+                    </a:p>
+                  </a:txBody>
+                  <a:tcPr/>
+                </a:tc>
+                <a:tc>
+                  <a:txBody>
+                    <a:bodyPr/>
+                    <a:lstStyle/>
+                    <a:p>
+                      <a:pPr marL="0" marR="0" lvl="0" indent="0" algn="ctr" defTabSz="914400" rtl="0" eaLnBrk="1" fontAlgn="auto" latinLnBrk="0" hangingPunct="1">
+                        <a:lnSpc>
+                          <a:spcPct val="100000"/>
+                        </a:lnSpc>
+                        <a:spcBef>
+                          <a:spcPts val="0"/>
+                        </a:spcBef>
+                        <a:spcAft>
+                          <a:spcPts val="0"/>
+                        </a:spcAft>
+                        <a:buClrTx/>
+                        <a:buSzTx/>
+                        <a:buFontTx/>
+                        <a:buNone/>
+                        <a:tabLst/>
+                        <a:defRPr/>
+                      </a:pPr>
+                      <a:r>
+                        <a:rPr lang="es-AR" dirty="0" smtClean="0"/>
+                        <a:t>01-Sep</a:t>
+                      </a:r>
+                      <a:endParaRPr lang="es-AR" dirty="0" smtClean="0"/>
+                    </a:p>
+                  </a:txBody>
+                  <a:tcPr/>
+                </a:tc>
+                <a:tc>
+                  <a:txBody>
+                    <a:bodyPr/>
+                    <a:lstStyle/>
+                    <a:p>
+                      <a:pPr marL="0" marR="0" lvl="0" indent="0" algn="ctr" defTabSz="914400" rtl="0" eaLnBrk="1" fontAlgn="auto" latinLnBrk="0" hangingPunct="1">
+                        <a:lnSpc>
+                          <a:spcPct val="100000"/>
+                        </a:lnSpc>
+                        <a:spcBef>
+                          <a:spcPts val="0"/>
+                        </a:spcBef>
+                        <a:spcAft>
+                          <a:spcPts val="0"/>
+                        </a:spcAft>
+                        <a:buClrTx/>
+                        <a:buSzTx/>
+                        <a:buFontTx/>
+                        <a:buNone/>
+                        <a:tabLst/>
+                        <a:defRPr/>
+                      </a:pPr>
+                      <a:r>
+                        <a:rPr lang="es-AR" dirty="0" smtClean="0"/>
+                        <a:t>16-Sep</a:t>
+                      </a:r>
+                      <a:endParaRPr lang="es-AR" dirty="0" smtClean="0"/>
+                    </a:p>
+                  </a:txBody>
+                  <a:tcPr/>
+                </a:tc>
+                <a:tc>
+                  <a:txBody>
+                    <a:bodyPr/>
+                    <a:lstStyle/>
+                    <a:p>
+                      <a:pPr algn="ctr"/>
+                      <a:r>
+                        <a:rPr lang="es-AR" dirty="0" smtClean="0"/>
+                        <a:t>Alta</a:t>
+                      </a:r>
+                      <a:endParaRPr lang="es-AR" dirty="0"/>
+                    </a:p>
+                  </a:txBody>
+                  <a:tcPr/>
+                </a:tc>
+              </a:tr>
+              <a:tr h="483600">
+                <a:tc>
+                  <a:txBody>
+                    <a:bodyPr/>
+                    <a:lstStyle/>
+                    <a:p>
+                      <a:pPr marL="0" marR="0" lvl="0" indent="0" algn="l" defTabSz="914400" rtl="0" eaLnBrk="1" fontAlgn="auto" latinLnBrk="0" hangingPunct="1">
+                        <a:lnSpc>
+                          <a:spcPct val="100000"/>
+                        </a:lnSpc>
+                        <a:spcBef>
+                          <a:spcPts val="0"/>
+                        </a:spcBef>
+                        <a:spcAft>
+                          <a:spcPts val="0"/>
+                        </a:spcAft>
+                        <a:buClrTx/>
+                        <a:buSzTx/>
+                        <a:buFontTx/>
+                        <a:buNone/>
+                        <a:tabLst/>
+                        <a:defRPr/>
+                      </a:pPr>
+                      <a:r>
+                        <a:rPr lang="es-AR" dirty="0" smtClean="0"/>
+                        <a:t>Completar</a:t>
+                      </a:r>
+                      <a:r>
+                        <a:rPr lang="es-AR" baseline="0" dirty="0" smtClean="0"/>
+                        <a:t> CU11 – Informe mesa de examen</a:t>
+                      </a:r>
+                      <a:endParaRPr lang="es-AR" dirty="0" smtClean="0"/>
+                    </a:p>
+                  </a:txBody>
+                  <a:tcPr/>
+                </a:tc>
+                <a:tc>
+                  <a:txBody>
+                    <a:bodyPr/>
+                    <a:lstStyle/>
+                    <a:p>
+                      <a:pPr marL="0" marR="0" lvl="0" indent="0" algn="ctr" defTabSz="914400" rtl="0" eaLnBrk="1" fontAlgn="auto" latinLnBrk="0" hangingPunct="1">
+                        <a:lnSpc>
+                          <a:spcPct val="100000"/>
+                        </a:lnSpc>
+                        <a:spcBef>
+                          <a:spcPts val="0"/>
+                        </a:spcBef>
+                        <a:spcAft>
+                          <a:spcPts val="0"/>
+                        </a:spcAft>
+                        <a:buClrTx/>
+                        <a:buSzTx/>
+                        <a:buFontTx/>
+                        <a:buNone/>
+                        <a:tabLst/>
+                        <a:defRPr/>
+                      </a:pPr>
+                      <a:r>
+                        <a:rPr lang="es-AR" dirty="0" smtClean="0"/>
+                        <a:t>01-Sep</a:t>
+                      </a:r>
+                    </a:p>
+                  </a:txBody>
+                  <a:tcPr/>
+                </a:tc>
+                <a:tc>
+                  <a:txBody>
+                    <a:bodyPr/>
+                    <a:lstStyle/>
+                    <a:p>
+                      <a:pPr marL="0" marR="0" lvl="0" indent="0" algn="ctr" defTabSz="914400" rtl="0" eaLnBrk="1" fontAlgn="auto" latinLnBrk="0" hangingPunct="1">
+                        <a:lnSpc>
+                          <a:spcPct val="100000"/>
+                        </a:lnSpc>
+                        <a:spcBef>
+                          <a:spcPts val="0"/>
+                        </a:spcBef>
+                        <a:spcAft>
+                          <a:spcPts val="0"/>
+                        </a:spcAft>
+                        <a:buClrTx/>
+                        <a:buSzTx/>
+                        <a:buFontTx/>
+                        <a:buNone/>
+                        <a:tabLst/>
+                        <a:defRPr/>
+                      </a:pPr>
+                      <a:r>
+                        <a:rPr lang="es-AR" dirty="0" smtClean="0"/>
+                        <a:t>16-Sep</a:t>
+                      </a:r>
+                    </a:p>
+                  </a:txBody>
+                  <a:tcPr/>
+                </a:tc>
+                <a:tc>
+                  <a:txBody>
+                    <a:bodyPr/>
+                    <a:lstStyle/>
+                    <a:p>
+                      <a:pPr algn="ctr"/>
+                      <a:r>
+                        <a:rPr lang="es-AR" dirty="0" smtClean="0"/>
+                        <a:t>Alta</a:t>
+                      </a:r>
+                      <a:endParaRPr lang="es-AR" dirty="0"/>
+                    </a:p>
+                  </a:txBody>
+                  <a:tcPr/>
+                </a:tc>
+              </a:tr>
+              <a:tr h="483600">
+                <a:tc>
+                  <a:txBody>
+                    <a:bodyPr/>
+                    <a:lstStyle/>
+                    <a:p>
+                      <a:pPr marL="0" marR="0" lvl="0" indent="0" algn="l" defTabSz="914400" rtl="0" eaLnBrk="1" fontAlgn="auto" latinLnBrk="0" hangingPunct="1">
+                        <a:lnSpc>
+                          <a:spcPct val="100000"/>
+                        </a:lnSpc>
+                        <a:spcBef>
+                          <a:spcPts val="0"/>
+                        </a:spcBef>
+                        <a:spcAft>
+                          <a:spcPts val="0"/>
+                        </a:spcAft>
+                        <a:buClrTx/>
+                        <a:buSzTx/>
+                        <a:buFontTx/>
+                        <a:buNone/>
+                        <a:tabLst/>
+                        <a:defRPr/>
+                      </a:pPr>
+                      <a:r>
+                        <a:rPr lang="es-AR" dirty="0" smtClean="0"/>
+                        <a:t>Iniciar</a:t>
+                      </a:r>
+                      <a:r>
+                        <a:rPr lang="es-AR" baseline="0" dirty="0" smtClean="0"/>
+                        <a:t> manual de usuario (APP)</a:t>
+                      </a:r>
+                      <a:endParaRPr lang="es-AR" dirty="0" smtClean="0"/>
+                    </a:p>
+                  </a:txBody>
+                  <a:tcPr/>
+                </a:tc>
+                <a:tc>
+                  <a:txBody>
+                    <a:bodyPr/>
+                    <a:lstStyle/>
+                    <a:p>
+                      <a:pPr marL="0" marR="0" lvl="0" indent="0" algn="ctr" defTabSz="914400" rtl="0" eaLnBrk="1" fontAlgn="auto" latinLnBrk="0" hangingPunct="1">
+                        <a:lnSpc>
+                          <a:spcPct val="100000"/>
+                        </a:lnSpc>
+                        <a:spcBef>
+                          <a:spcPts val="0"/>
+                        </a:spcBef>
+                        <a:spcAft>
+                          <a:spcPts val="0"/>
+                        </a:spcAft>
+                        <a:buClrTx/>
+                        <a:buSzTx/>
+                        <a:buFontTx/>
+                        <a:buNone/>
+                        <a:tabLst/>
+                        <a:defRPr/>
+                      </a:pPr>
+                      <a:r>
+                        <a:rPr lang="es-AR" dirty="0" smtClean="0"/>
+                        <a:t>01-Sep</a:t>
+                      </a:r>
+                      <a:endParaRPr lang="es-AR" dirty="0" smtClean="0"/>
+                    </a:p>
+                  </a:txBody>
+                  <a:tcPr/>
+                </a:tc>
+                <a:tc>
+                  <a:txBody>
+                    <a:bodyPr/>
+                    <a:lstStyle/>
+                    <a:p>
+                      <a:pPr marL="0" marR="0" lvl="0" indent="0" algn="ctr" defTabSz="914400" rtl="0" eaLnBrk="1" fontAlgn="auto" latinLnBrk="0" hangingPunct="1">
+                        <a:lnSpc>
+                          <a:spcPct val="100000"/>
+                        </a:lnSpc>
+                        <a:spcBef>
+                          <a:spcPts val="0"/>
+                        </a:spcBef>
+                        <a:spcAft>
+                          <a:spcPts val="0"/>
+                        </a:spcAft>
+                        <a:buClrTx/>
+                        <a:buSzTx/>
+                        <a:buFontTx/>
+                        <a:buNone/>
+                        <a:tabLst/>
+                        <a:defRPr/>
+                      </a:pPr>
+                      <a:r>
+                        <a:rPr lang="es-AR" dirty="0" smtClean="0"/>
+                        <a:t>16-Sep</a:t>
+                      </a:r>
+                    </a:p>
+                  </a:txBody>
+                  <a:tcPr/>
+                </a:tc>
+                <a:tc>
+                  <a:txBody>
+                    <a:bodyPr/>
+                    <a:lstStyle/>
+                    <a:p>
+                      <a:pPr algn="ctr"/>
+                      <a:r>
+                        <a:rPr lang="es-AR" dirty="0" smtClean="0"/>
+                        <a:t>Media</a:t>
+                      </a:r>
+                      <a:endParaRPr lang="es-AR" dirty="0"/>
+                    </a:p>
+                  </a:txBody>
+                  <a:tcPr/>
+                </a:tc>
+              </a:tr>
+            </a:tbl>
+          </a:graphicData>
+        </a:graphic>
+      </p:graphicFrame>
+      <p:sp>
+        <p:nvSpPr>
+          <p:cNvPr id="8" name="Marcador de contenido 1"/>
+          <p:cNvSpPr>
+            <a:spLocks noGrp="1"/>
+          </p:cNvSpPr>
+          <p:nvPr>
+            <p:ph idx="1"/>
+          </p:nvPr>
+        </p:nvSpPr>
+        <p:spPr>
+          <a:xfrm>
+            <a:off x="168970" y="1633161"/>
+            <a:ext cx="11847838" cy="509538"/>
+          </a:xfrm>
+        </p:spPr>
+        <p:txBody>
+          <a:bodyPr>
+            <a:normAutofit/>
+          </a:bodyPr>
+          <a:lstStyle/>
+          <a:p>
+            <a:pPr marL="0" indent="0" algn="ctr">
+              <a:spcBef>
+                <a:spcPts val="1200"/>
+              </a:spcBef>
+              <a:spcAft>
+                <a:spcPts val="600"/>
+              </a:spcAft>
+              <a:buNone/>
+            </a:pPr>
+            <a:r>
+              <a:rPr lang="es-AR" dirty="0" smtClean="0"/>
+              <a:t>Oyarzo Mariela</a:t>
+            </a:r>
+            <a:endParaRPr lang="es-AR" dirty="0" smtClean="0"/>
+          </a:p>
+        </p:txBody>
+      </p:sp>
+    </p:spTree>
+    <p:extLst>
+      <p:ext uri="{BB962C8B-B14F-4D97-AF65-F5344CB8AC3E}">
+        <p14:creationId xmlns:p14="http://schemas.microsoft.com/office/powerpoint/2010/main" val="3837480749"/>
+      </p:ext>
+    </p:extLst>
+  </p:cSld>
+  <p:clrMapOvr>
+    <a:masterClrMapping/>
+  </p:clrMapOvr>
+  <mc:AlternateContent xmlns:mc="http://schemas.openxmlformats.org/markup-compatibility/2006" xmlns:p14="http://schemas.microsoft.com/office/powerpoint/2010/main">
+    <mc:Choice Requires="p14">
+      <p:transition spd="slow">
+        <p14:reveal/>
+      </p:transition>
+    </mc:Choice>
+    <mc:Fallback xmlns="">
+      <p:transition spd="slow">
+        <p:fade/>
+      </p:transition>
+    </mc:Fallback>
+  </mc:AlternateContent>
+  <p:timing>
+    <p:tnLst>
+      <p:par>
+        <p:cTn id="1" dur="indefinite" restart="never" nodeType="tmRoot"/>
+      </p:par>
+    </p:tnLst>
+  </p:timing>
+</p:sld>
+</file>
+
+<file path=ppt/slides/slide11.xml><?xml version="1.0" encoding="utf-8"?>
+<p:sld xmlns:a="http://schemas.openxmlformats.org/drawingml/2006/main" xmlns:r="http://schemas.openxmlformats.org/officeDocument/2006/relationships" xmlns:p="http://schemas.openxmlformats.org/presentationml/2006/main">
+  <p:cSld>
+    <p:spTree>
+      <p:nvGrpSpPr>
+        <p:cNvPr id="1" name=""/>
+        <p:cNvGrpSpPr/>
+        <p:nvPr/>
+      </p:nvGrpSpPr>
+      <p:grpSpPr>
+        <a:xfrm>
+          <a:off x="0" y="0"/>
+          <a:ext cx="0" cy="0"/>
+          <a:chOff x="0" y="0"/>
+          <a:chExt cx="0" cy="0"/>
+        </a:xfrm>
+      </p:grpSpPr>
+      <p:sp>
+        <p:nvSpPr>
+          <p:cNvPr id="3" name="Título 2"/>
+          <p:cNvSpPr>
+            <a:spLocks noGrp="1"/>
+          </p:cNvSpPr>
+          <p:nvPr>
+            <p:ph type="title"/>
+          </p:nvPr>
+        </p:nvSpPr>
+        <p:spPr/>
+        <p:txBody>
+          <a:bodyPr/>
+          <a:lstStyle/>
+          <a:p>
+            <a:r>
+              <a:rPr lang="es-AR" dirty="0" smtClean="0"/>
+              <a:t>Planificación Iteración 4</a:t>
+            </a:r>
+            <a:endParaRPr lang="es-AR" dirty="0"/>
+          </a:p>
+        </p:txBody>
+      </p:sp>
+      <p:sp>
+        <p:nvSpPr>
+          <p:cNvPr id="4" name="Marcador de pie de página 3"/>
+          <p:cNvSpPr>
+            <a:spLocks noGrp="1"/>
+          </p:cNvSpPr>
+          <p:nvPr>
+            <p:ph type="ftr" sz="quarter" idx="11"/>
+          </p:nvPr>
+        </p:nvSpPr>
+        <p:spPr/>
+        <p:txBody>
+          <a:bodyPr/>
+          <a:lstStyle/>
+          <a:p>
+            <a:r>
+              <a:rPr lang="es-AR" smtClean="0"/>
+              <a:t>OYARZO Mariela – QUIROGA Sandra – MÁRQUEZ EMANUEL</a:t>
+            </a:r>
+            <a:endParaRPr lang="es-AR" dirty="0"/>
+          </a:p>
+        </p:txBody>
+      </p:sp>
+      <p:sp>
+        <p:nvSpPr>
+          <p:cNvPr id="5" name="Marcador de número de diapositiva 4"/>
+          <p:cNvSpPr>
+            <a:spLocks noGrp="1"/>
+          </p:cNvSpPr>
+          <p:nvPr>
+            <p:ph type="sldNum" sz="quarter" idx="12"/>
+          </p:nvPr>
+        </p:nvSpPr>
+        <p:spPr/>
+        <p:txBody>
+          <a:bodyPr/>
+          <a:lstStyle/>
+          <a:p>
+            <a:fld id="{779E3280-5C43-43EF-BE7D-8C553A58A779}" type="slidenum">
+              <a:rPr lang="es-AR" smtClean="0"/>
+              <a:pPr/>
+              <a:t>11</a:t>
+            </a:fld>
+            <a:endParaRPr lang="es-AR" dirty="0"/>
+          </a:p>
+        </p:txBody>
+      </p:sp>
+      <p:graphicFrame>
+        <p:nvGraphicFramePr>
+          <p:cNvPr id="7" name="Tabla 6"/>
+          <p:cNvGraphicFramePr>
+            <a:graphicFrameLocks noGrp="1"/>
+          </p:cNvGraphicFramePr>
+          <p:nvPr>
+            <p:extLst>
+              <p:ext uri="{D42A27DB-BD31-4B8C-83A1-F6EECF244321}">
+                <p14:modId xmlns:p14="http://schemas.microsoft.com/office/powerpoint/2010/main" val="3192109016"/>
+              </p:ext>
+            </p:extLst>
+          </p:nvPr>
+        </p:nvGraphicFramePr>
+        <p:xfrm>
+          <a:off x="1288321" y="2374711"/>
+          <a:ext cx="9609136" cy="3385200"/>
+        </p:xfrm>
+        <a:graphic>
+          <a:graphicData uri="http://schemas.openxmlformats.org/drawingml/2006/table">
+            <a:tbl>
+              <a:tblPr firstRow="1" bandRow="1">
+                <a:tableStyleId>{6E25E649-3F16-4E02-A733-19D2CDBF48F0}</a:tableStyleId>
+              </a:tblPr>
+              <a:tblGrid>
+                <a:gridCol w="5630354"/>
+                <a:gridCol w="1301237"/>
+                <a:gridCol w="1050999"/>
+                <a:gridCol w="1626546"/>
+              </a:tblGrid>
+              <a:tr h="483600">
+                <a:tc>
+                  <a:txBody>
+                    <a:bodyPr/>
+                    <a:lstStyle/>
+                    <a:p>
+                      <a:pPr algn="ctr"/>
+                      <a:r>
+                        <a:rPr lang="es-AR" dirty="0" smtClean="0">
+                          <a:solidFill>
+                            <a:schemeClr val="bg1"/>
+                          </a:solidFill>
+                        </a:rPr>
+                        <a:t>Nombre de la tarea</a:t>
+                      </a:r>
+                      <a:endParaRPr lang="es-AR" dirty="0">
+                        <a:solidFill>
+                          <a:schemeClr val="bg1"/>
+                        </a:solidFill>
+                      </a:endParaRPr>
+                    </a:p>
+                  </a:txBody>
+                  <a:tcPr/>
+                </a:tc>
+                <a:tc>
+                  <a:txBody>
+                    <a:bodyPr/>
+                    <a:lstStyle/>
+                    <a:p>
+                      <a:pPr algn="ctr"/>
+                      <a:r>
+                        <a:rPr lang="es-AR" dirty="0" smtClean="0">
+                          <a:solidFill>
+                            <a:schemeClr val="bg1"/>
+                          </a:solidFill>
+                        </a:rPr>
+                        <a:t>Inicio</a:t>
+                      </a:r>
+                      <a:endParaRPr lang="es-AR" dirty="0">
+                        <a:solidFill>
+                          <a:schemeClr val="bg1"/>
+                        </a:solidFill>
+                      </a:endParaRPr>
+                    </a:p>
+                  </a:txBody>
+                  <a:tcPr/>
+                </a:tc>
+                <a:tc>
+                  <a:txBody>
+                    <a:bodyPr/>
+                    <a:lstStyle/>
+                    <a:p>
+                      <a:pPr algn="ctr"/>
+                      <a:r>
+                        <a:rPr lang="es-AR" dirty="0" smtClean="0">
+                          <a:solidFill>
+                            <a:schemeClr val="bg1"/>
+                          </a:solidFill>
+                        </a:rPr>
+                        <a:t>Fin</a:t>
+                      </a:r>
+                      <a:endParaRPr lang="es-AR" dirty="0">
+                        <a:solidFill>
+                          <a:schemeClr val="bg1"/>
+                        </a:solidFill>
+                      </a:endParaRPr>
+                    </a:p>
+                  </a:txBody>
+                  <a:tcPr/>
+                </a:tc>
+                <a:tc>
+                  <a:txBody>
+                    <a:bodyPr/>
+                    <a:lstStyle/>
+                    <a:p>
+                      <a:pPr algn="ctr"/>
+                      <a:r>
+                        <a:rPr lang="es-AR" dirty="0" smtClean="0">
+                          <a:solidFill>
+                            <a:schemeClr val="bg1"/>
+                          </a:solidFill>
+                        </a:rPr>
+                        <a:t>Prioridad</a:t>
+                      </a:r>
+                      <a:endParaRPr lang="es-AR" dirty="0">
+                        <a:solidFill>
+                          <a:schemeClr val="bg1"/>
+                        </a:solidFill>
+                      </a:endParaRPr>
+                    </a:p>
+                  </a:txBody>
+                  <a:tcPr/>
+                </a:tc>
+              </a:tr>
+              <a:tr h="483600">
+                <a:tc>
+                  <a:txBody>
+                    <a:bodyPr/>
+                    <a:lstStyle/>
+                    <a:p>
+                      <a:r>
+                        <a:rPr lang="es-AR" dirty="0" smtClean="0"/>
+                        <a:t>Modificar</a:t>
+                      </a:r>
+                      <a:r>
+                        <a:rPr lang="es-AR" baseline="0" dirty="0" smtClean="0"/>
+                        <a:t> CU10 – Notificar.</a:t>
+                      </a:r>
+                      <a:endParaRPr lang="es-AR" dirty="0"/>
+                    </a:p>
+                  </a:txBody>
+                  <a:tcPr/>
+                </a:tc>
+                <a:tc>
+                  <a:txBody>
+                    <a:bodyPr/>
+                    <a:lstStyle/>
+                    <a:p>
+                      <a:pPr algn="ctr"/>
+                      <a:r>
+                        <a:rPr lang="es-AR" dirty="0" smtClean="0"/>
+                        <a:t>01-Sep</a:t>
+                      </a:r>
+                      <a:endParaRPr lang="es-AR" dirty="0"/>
+                    </a:p>
+                  </a:txBody>
+                  <a:tcPr/>
+                </a:tc>
+                <a:tc>
+                  <a:txBody>
+                    <a:bodyPr/>
+                    <a:lstStyle/>
+                    <a:p>
+                      <a:pPr algn="ctr"/>
+                      <a:r>
+                        <a:rPr lang="es-AR" dirty="0" smtClean="0"/>
+                        <a:t>16-Sep</a:t>
+                      </a:r>
+                      <a:endParaRPr lang="es-AR" dirty="0"/>
+                    </a:p>
+                  </a:txBody>
+                  <a:tcPr/>
+                </a:tc>
+                <a:tc>
+                  <a:txBody>
+                    <a:bodyPr/>
+                    <a:lstStyle/>
+                    <a:p>
+                      <a:pPr algn="ctr"/>
+                      <a:r>
+                        <a:rPr lang="es-AR" dirty="0" smtClean="0"/>
+                        <a:t>Media</a:t>
+                      </a:r>
+                      <a:endParaRPr lang="es-AR" dirty="0"/>
+                    </a:p>
+                  </a:txBody>
+                  <a:tcPr/>
+                </a:tc>
+              </a:tr>
+              <a:tr h="483600">
+                <a:tc>
+                  <a:txBody>
+                    <a:bodyPr/>
+                    <a:lstStyle/>
+                    <a:p>
+                      <a:r>
+                        <a:rPr lang="es-AR" dirty="0" smtClean="0"/>
+                        <a:t>Modificar Modelo de Casos de Uso.</a:t>
+                      </a:r>
+                      <a:endParaRPr lang="es-AR" dirty="0"/>
+                    </a:p>
+                  </a:txBody>
+                  <a:tcPr/>
+                </a:tc>
+                <a:tc>
+                  <a:txBody>
+                    <a:bodyPr/>
+                    <a:lstStyle/>
+                    <a:p>
+                      <a:pPr marL="0" marR="0" lvl="0" indent="0" algn="ctr" defTabSz="914400" rtl="0" eaLnBrk="1" fontAlgn="auto" latinLnBrk="0" hangingPunct="1">
+                        <a:lnSpc>
+                          <a:spcPct val="100000"/>
+                        </a:lnSpc>
+                        <a:spcBef>
+                          <a:spcPts val="0"/>
+                        </a:spcBef>
+                        <a:spcAft>
+                          <a:spcPts val="0"/>
+                        </a:spcAft>
+                        <a:buClrTx/>
+                        <a:buSzTx/>
+                        <a:buFontTx/>
+                        <a:buNone/>
+                        <a:tabLst/>
+                        <a:defRPr/>
+                      </a:pPr>
+                      <a:r>
+                        <a:rPr lang="es-AR" dirty="0" smtClean="0"/>
+                        <a:t>01-Sep</a:t>
+                      </a:r>
+                      <a:endParaRPr lang="es-AR" dirty="0" smtClean="0"/>
+                    </a:p>
+                  </a:txBody>
+                  <a:tcPr/>
+                </a:tc>
+                <a:tc>
+                  <a:txBody>
+                    <a:bodyPr/>
+                    <a:lstStyle/>
+                    <a:p>
+                      <a:pPr marL="0" marR="0" lvl="0" indent="0" algn="ctr" defTabSz="914400" rtl="0" eaLnBrk="1" fontAlgn="auto" latinLnBrk="0" hangingPunct="1">
+                        <a:lnSpc>
+                          <a:spcPct val="100000"/>
+                        </a:lnSpc>
+                        <a:spcBef>
+                          <a:spcPts val="0"/>
+                        </a:spcBef>
+                        <a:spcAft>
+                          <a:spcPts val="0"/>
+                        </a:spcAft>
+                        <a:buClrTx/>
+                        <a:buSzTx/>
+                        <a:buFontTx/>
+                        <a:buNone/>
+                        <a:tabLst/>
+                        <a:defRPr/>
+                      </a:pPr>
+                      <a:r>
+                        <a:rPr lang="es-AR" dirty="0" smtClean="0"/>
+                        <a:t>16-Sep</a:t>
+                      </a:r>
+                      <a:endParaRPr lang="es-AR" dirty="0" smtClean="0"/>
+                    </a:p>
+                  </a:txBody>
+                  <a:tcPr/>
+                </a:tc>
+                <a:tc>
+                  <a:txBody>
+                    <a:bodyPr/>
+                    <a:lstStyle/>
+                    <a:p>
+                      <a:pPr algn="ctr"/>
+                      <a:r>
+                        <a:rPr lang="es-AR" dirty="0" smtClean="0"/>
+                        <a:t>Media</a:t>
+                      </a:r>
+                      <a:endParaRPr lang="es-AR" dirty="0"/>
+                    </a:p>
+                  </a:txBody>
+                  <a:tcPr/>
+                </a:tc>
+              </a:tr>
+              <a:tr h="483600">
+                <a:tc>
+                  <a:txBody>
+                    <a:bodyPr/>
+                    <a:lstStyle/>
+                    <a:p>
+                      <a:r>
+                        <a:rPr lang="es-AR" dirty="0" smtClean="0"/>
+                        <a:t>Continuar Arquitectura</a:t>
+                      </a:r>
+                      <a:r>
+                        <a:rPr lang="es-AR" baseline="0" dirty="0" smtClean="0"/>
+                        <a:t> del Sistema.</a:t>
+                      </a:r>
+                      <a:endParaRPr lang="es-AR" dirty="0"/>
+                    </a:p>
+                  </a:txBody>
+                  <a:tcPr/>
+                </a:tc>
+                <a:tc>
+                  <a:txBody>
+                    <a:bodyPr/>
+                    <a:lstStyle/>
+                    <a:p>
+                      <a:pPr marL="0" marR="0" lvl="0" indent="0" algn="ctr" defTabSz="914400" rtl="0" eaLnBrk="1" fontAlgn="auto" latinLnBrk="0" hangingPunct="1">
+                        <a:lnSpc>
+                          <a:spcPct val="100000"/>
+                        </a:lnSpc>
+                        <a:spcBef>
+                          <a:spcPts val="0"/>
+                        </a:spcBef>
+                        <a:spcAft>
+                          <a:spcPts val="0"/>
+                        </a:spcAft>
+                        <a:buClrTx/>
+                        <a:buSzTx/>
+                        <a:buFontTx/>
+                        <a:buNone/>
+                        <a:tabLst/>
+                        <a:defRPr/>
+                      </a:pPr>
+                      <a:r>
+                        <a:rPr lang="es-AR" dirty="0" smtClean="0"/>
+                        <a:t>01-Sep</a:t>
+                      </a:r>
+                      <a:endParaRPr lang="es-AR" dirty="0" smtClean="0"/>
+                    </a:p>
+                  </a:txBody>
+                  <a:tcPr/>
+                </a:tc>
+                <a:tc>
+                  <a:txBody>
+                    <a:bodyPr/>
+                    <a:lstStyle/>
+                    <a:p>
+                      <a:pPr marL="0" marR="0" lvl="0" indent="0" algn="ctr" defTabSz="914400" rtl="0" eaLnBrk="1" fontAlgn="auto" latinLnBrk="0" hangingPunct="1">
+                        <a:lnSpc>
+                          <a:spcPct val="100000"/>
+                        </a:lnSpc>
+                        <a:spcBef>
+                          <a:spcPts val="0"/>
+                        </a:spcBef>
+                        <a:spcAft>
+                          <a:spcPts val="0"/>
+                        </a:spcAft>
+                        <a:buClrTx/>
+                        <a:buSzTx/>
+                        <a:buFontTx/>
+                        <a:buNone/>
+                        <a:tabLst/>
+                        <a:defRPr/>
+                      </a:pPr>
+                      <a:r>
+                        <a:rPr lang="es-AR" dirty="0" smtClean="0"/>
+                        <a:t>16-Sep</a:t>
+                      </a:r>
+                      <a:endParaRPr lang="es-AR" dirty="0" smtClean="0"/>
+                    </a:p>
+                  </a:txBody>
+                  <a:tcPr/>
+                </a:tc>
+                <a:tc>
+                  <a:txBody>
+                    <a:bodyPr/>
+                    <a:lstStyle/>
+                    <a:p>
+                      <a:pPr algn="ctr"/>
+                      <a:r>
+                        <a:rPr lang="es-AR" dirty="0" smtClean="0"/>
+                        <a:t>Media</a:t>
+                      </a:r>
+                      <a:endParaRPr lang="es-AR" dirty="0"/>
+                    </a:p>
+                  </a:txBody>
+                  <a:tcPr/>
+                </a:tc>
+              </a:tr>
+              <a:tr h="483600">
+                <a:tc>
+                  <a:txBody>
+                    <a:bodyPr/>
+                    <a:lstStyle/>
+                    <a:p>
+                      <a:pPr marL="0" marR="0" lvl="0" indent="0" algn="l" defTabSz="914400" rtl="0" eaLnBrk="1" fontAlgn="auto" latinLnBrk="0" hangingPunct="1">
+                        <a:lnSpc>
+                          <a:spcPct val="100000"/>
+                        </a:lnSpc>
+                        <a:spcBef>
+                          <a:spcPts val="0"/>
+                        </a:spcBef>
+                        <a:spcAft>
+                          <a:spcPts val="0"/>
+                        </a:spcAft>
+                        <a:buClrTx/>
+                        <a:buSzTx/>
+                        <a:buFontTx/>
+                        <a:buNone/>
+                        <a:tabLst/>
+                        <a:defRPr/>
+                      </a:pPr>
+                      <a:r>
+                        <a:rPr lang="es-AR" dirty="0" smtClean="0"/>
+                        <a:t>Continuar Plan de Pruebas.</a:t>
+                      </a:r>
+                      <a:endParaRPr lang="es-AR" dirty="0" smtClean="0"/>
+                    </a:p>
+                  </a:txBody>
+                  <a:tcPr/>
+                </a:tc>
+                <a:tc>
+                  <a:txBody>
+                    <a:bodyPr/>
+                    <a:lstStyle/>
+                    <a:p>
+                      <a:pPr marL="0" marR="0" lvl="0" indent="0" algn="ctr" defTabSz="914400" rtl="0" eaLnBrk="1" fontAlgn="auto" latinLnBrk="0" hangingPunct="1">
+                        <a:lnSpc>
+                          <a:spcPct val="100000"/>
+                        </a:lnSpc>
+                        <a:spcBef>
+                          <a:spcPts val="0"/>
+                        </a:spcBef>
+                        <a:spcAft>
+                          <a:spcPts val="0"/>
+                        </a:spcAft>
+                        <a:buClrTx/>
+                        <a:buSzTx/>
+                        <a:buFontTx/>
+                        <a:buNone/>
+                        <a:tabLst/>
+                        <a:defRPr/>
+                      </a:pPr>
+                      <a:r>
+                        <a:rPr lang="es-AR" dirty="0" smtClean="0"/>
+                        <a:t>01-Sep</a:t>
+                      </a:r>
+                      <a:endParaRPr lang="es-AR" dirty="0" smtClean="0"/>
+                    </a:p>
+                  </a:txBody>
+                  <a:tcPr/>
+                </a:tc>
+                <a:tc>
+                  <a:txBody>
+                    <a:bodyPr/>
+                    <a:lstStyle/>
+                    <a:p>
+                      <a:pPr marL="0" marR="0" lvl="0" indent="0" algn="ctr" defTabSz="914400" rtl="0" eaLnBrk="1" fontAlgn="auto" latinLnBrk="0" hangingPunct="1">
+                        <a:lnSpc>
+                          <a:spcPct val="100000"/>
+                        </a:lnSpc>
+                        <a:spcBef>
+                          <a:spcPts val="0"/>
+                        </a:spcBef>
+                        <a:spcAft>
+                          <a:spcPts val="0"/>
+                        </a:spcAft>
+                        <a:buClrTx/>
+                        <a:buSzTx/>
+                        <a:buFontTx/>
+                        <a:buNone/>
+                        <a:tabLst/>
+                        <a:defRPr/>
+                      </a:pPr>
+                      <a:r>
+                        <a:rPr lang="es-AR" dirty="0" smtClean="0"/>
+                        <a:t>16-Sep</a:t>
+                      </a:r>
+                      <a:endParaRPr lang="es-AR" dirty="0" smtClean="0"/>
+                    </a:p>
+                  </a:txBody>
+                  <a:tcPr/>
+                </a:tc>
+                <a:tc>
+                  <a:txBody>
+                    <a:bodyPr/>
+                    <a:lstStyle/>
+                    <a:p>
+                      <a:pPr algn="ctr"/>
+                      <a:r>
+                        <a:rPr lang="es-AR" dirty="0" smtClean="0"/>
+                        <a:t>Baja</a:t>
+                      </a:r>
+                      <a:endParaRPr lang="es-AR" dirty="0"/>
+                    </a:p>
+                  </a:txBody>
+                  <a:tcPr/>
+                </a:tc>
+              </a:tr>
+              <a:tr h="483600">
+                <a:tc>
+                  <a:txBody>
+                    <a:bodyPr/>
+                    <a:lstStyle/>
+                    <a:p>
+                      <a:pPr marL="0" marR="0" lvl="0" indent="0" algn="l" defTabSz="914400" rtl="0" eaLnBrk="1" fontAlgn="auto" latinLnBrk="0" hangingPunct="1">
+                        <a:lnSpc>
+                          <a:spcPct val="100000"/>
+                        </a:lnSpc>
+                        <a:spcBef>
+                          <a:spcPts val="0"/>
+                        </a:spcBef>
+                        <a:spcAft>
+                          <a:spcPts val="0"/>
+                        </a:spcAft>
+                        <a:buClrTx/>
+                        <a:buSzTx/>
+                        <a:buFontTx/>
+                        <a:buNone/>
+                        <a:tabLst/>
+                        <a:defRPr/>
+                      </a:pPr>
+                      <a:r>
+                        <a:rPr lang="es-AR" dirty="0" smtClean="0"/>
+                        <a:t>Finalizar CU04 – Buscar</a:t>
+                      </a:r>
+                      <a:r>
+                        <a:rPr lang="es-AR" baseline="0" dirty="0" smtClean="0"/>
+                        <a:t> horario de cursada (APP)</a:t>
+                      </a:r>
+                      <a:endParaRPr lang="es-AR" dirty="0" smtClean="0"/>
+                    </a:p>
+                  </a:txBody>
+                  <a:tcPr/>
+                </a:tc>
+                <a:tc>
+                  <a:txBody>
+                    <a:bodyPr/>
+                    <a:lstStyle/>
+                    <a:p>
+                      <a:pPr marL="0" marR="0" lvl="0" indent="0" algn="ctr" defTabSz="914400" rtl="0" eaLnBrk="1" fontAlgn="auto" latinLnBrk="0" hangingPunct="1">
+                        <a:lnSpc>
+                          <a:spcPct val="100000"/>
+                        </a:lnSpc>
+                        <a:spcBef>
+                          <a:spcPts val="0"/>
+                        </a:spcBef>
+                        <a:spcAft>
+                          <a:spcPts val="0"/>
+                        </a:spcAft>
+                        <a:buClrTx/>
+                        <a:buSzTx/>
+                        <a:buFontTx/>
+                        <a:buNone/>
+                        <a:tabLst/>
+                        <a:defRPr/>
+                      </a:pPr>
+                      <a:r>
+                        <a:rPr lang="es-AR" dirty="0" smtClean="0"/>
+                        <a:t>01-Sep</a:t>
+                      </a:r>
+                    </a:p>
+                  </a:txBody>
+                  <a:tcPr/>
+                </a:tc>
+                <a:tc>
+                  <a:txBody>
+                    <a:bodyPr/>
+                    <a:lstStyle/>
+                    <a:p>
+                      <a:pPr marL="0" marR="0" lvl="0" indent="0" algn="ctr" defTabSz="914400" rtl="0" eaLnBrk="1" fontAlgn="auto" latinLnBrk="0" hangingPunct="1">
+                        <a:lnSpc>
+                          <a:spcPct val="100000"/>
+                        </a:lnSpc>
+                        <a:spcBef>
+                          <a:spcPts val="0"/>
+                        </a:spcBef>
+                        <a:spcAft>
+                          <a:spcPts val="0"/>
+                        </a:spcAft>
+                        <a:buClrTx/>
+                        <a:buSzTx/>
+                        <a:buFontTx/>
+                        <a:buNone/>
+                        <a:tabLst/>
+                        <a:defRPr/>
+                      </a:pPr>
+                      <a:r>
+                        <a:rPr lang="es-AR" dirty="0" smtClean="0"/>
+                        <a:t>16-Sep</a:t>
+                      </a:r>
+                    </a:p>
+                  </a:txBody>
+                  <a:tcPr/>
+                </a:tc>
+                <a:tc>
+                  <a:txBody>
+                    <a:bodyPr/>
+                    <a:lstStyle/>
+                    <a:p>
+                      <a:pPr algn="ctr"/>
+                      <a:r>
+                        <a:rPr lang="es-AR" dirty="0" smtClean="0"/>
+                        <a:t>Alta</a:t>
+                      </a:r>
+                      <a:endParaRPr lang="es-AR" dirty="0"/>
+                    </a:p>
+                  </a:txBody>
+                  <a:tcPr/>
+                </a:tc>
+              </a:tr>
+              <a:tr h="483600">
+                <a:tc>
+                  <a:txBody>
+                    <a:bodyPr/>
+                    <a:lstStyle/>
+                    <a:p>
+                      <a:pPr marL="0" marR="0" lvl="0" indent="0" algn="l" defTabSz="914400" rtl="0" eaLnBrk="1" fontAlgn="auto" latinLnBrk="0" hangingPunct="1">
+                        <a:lnSpc>
+                          <a:spcPct val="100000"/>
+                        </a:lnSpc>
+                        <a:spcBef>
+                          <a:spcPts val="0"/>
+                        </a:spcBef>
+                        <a:spcAft>
+                          <a:spcPts val="0"/>
+                        </a:spcAft>
+                        <a:buClrTx/>
+                        <a:buSzTx/>
+                        <a:buFontTx/>
+                        <a:buNone/>
+                        <a:tabLst/>
+                        <a:defRPr/>
+                      </a:pPr>
+                      <a:r>
+                        <a:rPr lang="es-AR" dirty="0" smtClean="0"/>
+                        <a:t>Implementar</a:t>
+                      </a:r>
+                      <a:r>
+                        <a:rPr lang="es-AR" baseline="0" dirty="0" smtClean="0"/>
+                        <a:t> CU10 – Notificar.</a:t>
+                      </a:r>
+                      <a:endParaRPr lang="es-AR" dirty="0" smtClean="0"/>
+                    </a:p>
+                  </a:txBody>
+                  <a:tcPr/>
+                </a:tc>
+                <a:tc>
+                  <a:txBody>
+                    <a:bodyPr/>
+                    <a:lstStyle/>
+                    <a:p>
+                      <a:pPr marL="0" marR="0" lvl="0" indent="0" algn="ctr" defTabSz="914400" rtl="0" eaLnBrk="1" fontAlgn="auto" latinLnBrk="0" hangingPunct="1">
+                        <a:lnSpc>
+                          <a:spcPct val="100000"/>
+                        </a:lnSpc>
+                        <a:spcBef>
+                          <a:spcPts val="0"/>
+                        </a:spcBef>
+                        <a:spcAft>
+                          <a:spcPts val="0"/>
+                        </a:spcAft>
+                        <a:buClrTx/>
+                        <a:buSzTx/>
+                        <a:buFontTx/>
+                        <a:buNone/>
+                        <a:tabLst/>
+                        <a:defRPr/>
+                      </a:pPr>
+                      <a:r>
+                        <a:rPr lang="es-AR" dirty="0" smtClean="0"/>
+                        <a:t>01-Sep</a:t>
+                      </a:r>
+                      <a:endParaRPr lang="es-AR" dirty="0" smtClean="0"/>
+                    </a:p>
+                  </a:txBody>
+                  <a:tcPr/>
+                </a:tc>
+                <a:tc>
+                  <a:txBody>
+                    <a:bodyPr/>
+                    <a:lstStyle/>
+                    <a:p>
+                      <a:pPr marL="0" marR="0" lvl="0" indent="0" algn="ctr" defTabSz="914400" rtl="0" eaLnBrk="1" fontAlgn="auto" latinLnBrk="0" hangingPunct="1">
+                        <a:lnSpc>
+                          <a:spcPct val="100000"/>
+                        </a:lnSpc>
+                        <a:spcBef>
+                          <a:spcPts val="0"/>
+                        </a:spcBef>
+                        <a:spcAft>
+                          <a:spcPts val="0"/>
+                        </a:spcAft>
+                        <a:buClrTx/>
+                        <a:buSzTx/>
+                        <a:buFontTx/>
+                        <a:buNone/>
+                        <a:tabLst/>
+                        <a:defRPr/>
+                      </a:pPr>
+                      <a:r>
+                        <a:rPr lang="es-AR" dirty="0" smtClean="0"/>
+                        <a:t>16-Sep</a:t>
+                      </a:r>
+                    </a:p>
+                  </a:txBody>
+                  <a:tcPr/>
+                </a:tc>
+                <a:tc>
+                  <a:txBody>
+                    <a:bodyPr/>
+                    <a:lstStyle/>
+                    <a:p>
+                      <a:pPr algn="ctr"/>
+                      <a:r>
+                        <a:rPr lang="es-AR" dirty="0" smtClean="0"/>
+                        <a:t>Alta</a:t>
+                      </a:r>
+                      <a:endParaRPr lang="es-AR" dirty="0"/>
+                    </a:p>
+                  </a:txBody>
+                  <a:tcPr/>
+                </a:tc>
+              </a:tr>
+            </a:tbl>
+          </a:graphicData>
+        </a:graphic>
+      </p:graphicFrame>
+      <p:sp>
+        <p:nvSpPr>
+          <p:cNvPr id="8" name="Marcador de contenido 1"/>
+          <p:cNvSpPr>
+            <a:spLocks noGrp="1"/>
+          </p:cNvSpPr>
+          <p:nvPr>
+            <p:ph idx="1"/>
+          </p:nvPr>
+        </p:nvSpPr>
+        <p:spPr>
+          <a:xfrm>
+            <a:off x="168970" y="1633161"/>
+            <a:ext cx="11847838" cy="509538"/>
+          </a:xfrm>
+        </p:spPr>
+        <p:txBody>
+          <a:bodyPr>
+            <a:normAutofit/>
+          </a:bodyPr>
+          <a:lstStyle/>
+          <a:p>
+            <a:pPr marL="0" indent="0" algn="ctr">
+              <a:spcBef>
+                <a:spcPts val="1200"/>
+              </a:spcBef>
+              <a:spcAft>
+                <a:spcPts val="600"/>
+              </a:spcAft>
+              <a:buNone/>
+            </a:pPr>
+            <a:r>
+              <a:rPr lang="es-AR" dirty="0" smtClean="0"/>
+              <a:t>Quiroga Sandra</a:t>
+            </a:r>
+            <a:endParaRPr lang="es-AR" dirty="0" smtClean="0"/>
+          </a:p>
+        </p:txBody>
+      </p:sp>
+    </p:spTree>
+    <p:extLst>
+      <p:ext uri="{BB962C8B-B14F-4D97-AF65-F5344CB8AC3E}">
+        <p14:creationId xmlns:p14="http://schemas.microsoft.com/office/powerpoint/2010/main" val="1535279991"/>
+      </p:ext>
+    </p:extLst>
+  </p:cSld>
+  <p:clrMapOvr>
+    <a:masterClrMapping/>
+  </p:clrMapOvr>
+  <mc:AlternateContent xmlns:mc="http://schemas.openxmlformats.org/markup-compatibility/2006" xmlns:p14="http://schemas.microsoft.com/office/powerpoint/2010/main">
+    <mc:Choice Requires="p14">
+      <p:transition spd="slow">
+        <p14:reveal/>
+      </p:transition>
+    </mc:Choice>
+    <mc:Fallback xmlns="">
+      <p:transition spd="slow">
+        <p:fade/>
+      </p:transition>
+    </mc:Fallback>
+  </mc:AlternateContent>
+  <p:timing>
+    <p:tnLst>
+      <p:par>
+        <p:cTn id="1" dur="indefinite" restart="never" nodeType="tmRoot"/>
+      </p:par>
+    </p:tnLst>
+  </p:timing>
+</p:sld>
+</file>
+
+<file path=ppt/slides/slide12.xml><?xml version="1.0" encoding="utf-8"?>
+<p:sld xmlns:a="http://schemas.openxmlformats.org/drawingml/2006/main" xmlns:r="http://schemas.openxmlformats.org/officeDocument/2006/relationships" xmlns:p="http://schemas.openxmlformats.org/presentationml/2006/main">
+  <p:cSld>
+    <p:spTree>
+      <p:nvGrpSpPr>
+        <p:cNvPr id="1" name=""/>
+        <p:cNvGrpSpPr/>
+        <p:nvPr/>
+      </p:nvGrpSpPr>
+      <p:grpSpPr>
+        <a:xfrm>
+          <a:off x="0" y="0"/>
+          <a:ext cx="0" cy="0"/>
+          <a:chOff x="0" y="0"/>
+          <a:chExt cx="0" cy="0"/>
+        </a:xfrm>
+      </p:grpSpPr>
+      <p:sp>
+        <p:nvSpPr>
+          <p:cNvPr id="3" name="Título 2"/>
+          <p:cNvSpPr>
+            <a:spLocks noGrp="1"/>
+          </p:cNvSpPr>
+          <p:nvPr>
+            <p:ph type="title"/>
+          </p:nvPr>
+        </p:nvSpPr>
+        <p:spPr/>
+        <p:txBody>
+          <a:bodyPr/>
+          <a:lstStyle/>
+          <a:p>
+            <a:r>
+              <a:rPr lang="es-AR" dirty="0" smtClean="0"/>
+              <a:t>Planificación Iteración 4</a:t>
+            </a:r>
+            <a:endParaRPr lang="es-AR" dirty="0"/>
+          </a:p>
+        </p:txBody>
+      </p:sp>
+      <p:sp>
+        <p:nvSpPr>
+          <p:cNvPr id="4" name="Marcador de pie de página 3"/>
+          <p:cNvSpPr>
+            <a:spLocks noGrp="1"/>
+          </p:cNvSpPr>
+          <p:nvPr>
+            <p:ph type="ftr" sz="quarter" idx="11"/>
+          </p:nvPr>
+        </p:nvSpPr>
+        <p:spPr/>
+        <p:txBody>
+          <a:bodyPr/>
+          <a:lstStyle/>
+          <a:p>
+            <a:r>
+              <a:rPr lang="es-AR" smtClean="0"/>
+              <a:t>OYARZO Mariela – QUIROGA Sandra – MÁRQUEZ EMANUEL</a:t>
+            </a:r>
+            <a:endParaRPr lang="es-AR" dirty="0"/>
+          </a:p>
+        </p:txBody>
+      </p:sp>
+      <p:sp>
+        <p:nvSpPr>
+          <p:cNvPr id="5" name="Marcador de número de diapositiva 4"/>
+          <p:cNvSpPr>
+            <a:spLocks noGrp="1"/>
+          </p:cNvSpPr>
+          <p:nvPr>
+            <p:ph type="sldNum" sz="quarter" idx="12"/>
+          </p:nvPr>
+        </p:nvSpPr>
+        <p:spPr/>
+        <p:txBody>
+          <a:bodyPr/>
+          <a:lstStyle/>
+          <a:p>
+            <a:fld id="{779E3280-5C43-43EF-BE7D-8C553A58A779}" type="slidenum">
+              <a:rPr lang="es-AR" smtClean="0"/>
+              <a:pPr/>
+              <a:t>12</a:t>
+            </a:fld>
+            <a:endParaRPr lang="es-AR" dirty="0"/>
+          </a:p>
+        </p:txBody>
+      </p:sp>
+      <p:graphicFrame>
+        <p:nvGraphicFramePr>
+          <p:cNvPr id="7" name="Tabla 6"/>
+          <p:cNvGraphicFramePr>
+            <a:graphicFrameLocks noGrp="1"/>
+          </p:cNvGraphicFramePr>
+          <p:nvPr>
+            <p:extLst>
+              <p:ext uri="{D42A27DB-BD31-4B8C-83A1-F6EECF244321}">
+                <p14:modId xmlns:p14="http://schemas.microsoft.com/office/powerpoint/2010/main" val="1624063616"/>
+              </p:ext>
+            </p:extLst>
+          </p:nvPr>
+        </p:nvGraphicFramePr>
+        <p:xfrm>
+          <a:off x="491319" y="2004118"/>
+          <a:ext cx="11013743" cy="4352400"/>
+        </p:xfrm>
+        <a:graphic>
+          <a:graphicData uri="http://schemas.openxmlformats.org/drawingml/2006/table">
+            <a:tbl>
+              <a:tblPr firstRow="1" bandRow="1">
+                <a:tableStyleId>{6E25E649-3F16-4E02-A733-19D2CDBF48F0}</a:tableStyleId>
+              </a:tblPr>
+              <a:tblGrid>
+                <a:gridCol w="6453366"/>
+                <a:gridCol w="1491444"/>
+                <a:gridCol w="1204628"/>
+                <a:gridCol w="1864305"/>
+              </a:tblGrid>
+              <a:tr h="483600">
+                <a:tc>
+                  <a:txBody>
+                    <a:bodyPr/>
+                    <a:lstStyle/>
+                    <a:p>
+                      <a:pPr algn="ctr"/>
+                      <a:r>
+                        <a:rPr lang="es-AR" dirty="0" smtClean="0">
+                          <a:solidFill>
+                            <a:schemeClr val="bg1"/>
+                          </a:solidFill>
+                        </a:rPr>
+                        <a:t>Nombre de la tarea</a:t>
+                      </a:r>
+                      <a:endParaRPr lang="es-AR" dirty="0">
+                        <a:solidFill>
+                          <a:schemeClr val="bg1"/>
+                        </a:solidFill>
+                      </a:endParaRPr>
+                    </a:p>
+                  </a:txBody>
+                  <a:tcPr/>
+                </a:tc>
+                <a:tc>
+                  <a:txBody>
+                    <a:bodyPr/>
+                    <a:lstStyle/>
+                    <a:p>
+                      <a:pPr algn="ctr"/>
+                      <a:r>
+                        <a:rPr lang="es-AR" dirty="0" smtClean="0">
+                          <a:solidFill>
+                            <a:schemeClr val="bg1"/>
+                          </a:solidFill>
+                        </a:rPr>
+                        <a:t>Inicio</a:t>
+                      </a:r>
+                      <a:endParaRPr lang="es-AR" dirty="0">
+                        <a:solidFill>
+                          <a:schemeClr val="bg1"/>
+                        </a:solidFill>
+                      </a:endParaRPr>
+                    </a:p>
+                  </a:txBody>
+                  <a:tcPr/>
+                </a:tc>
+                <a:tc>
+                  <a:txBody>
+                    <a:bodyPr/>
+                    <a:lstStyle/>
+                    <a:p>
+                      <a:pPr algn="ctr"/>
+                      <a:r>
+                        <a:rPr lang="es-AR" dirty="0" smtClean="0">
+                          <a:solidFill>
+                            <a:schemeClr val="bg1"/>
+                          </a:solidFill>
+                        </a:rPr>
+                        <a:t>Fin</a:t>
+                      </a:r>
+                      <a:endParaRPr lang="es-AR" dirty="0">
+                        <a:solidFill>
+                          <a:schemeClr val="bg1"/>
+                        </a:solidFill>
+                      </a:endParaRPr>
+                    </a:p>
+                  </a:txBody>
+                  <a:tcPr/>
+                </a:tc>
+                <a:tc>
+                  <a:txBody>
+                    <a:bodyPr/>
+                    <a:lstStyle/>
+                    <a:p>
+                      <a:pPr algn="ctr"/>
+                      <a:r>
+                        <a:rPr lang="es-AR" dirty="0" smtClean="0">
+                          <a:solidFill>
+                            <a:schemeClr val="bg1"/>
+                          </a:solidFill>
+                        </a:rPr>
+                        <a:t>Prioridad</a:t>
+                      </a:r>
+                      <a:endParaRPr lang="es-AR" dirty="0">
+                        <a:solidFill>
+                          <a:schemeClr val="bg1"/>
+                        </a:solidFill>
+                      </a:endParaRPr>
+                    </a:p>
+                  </a:txBody>
+                  <a:tcPr/>
+                </a:tc>
+              </a:tr>
+              <a:tr h="483600">
+                <a:tc>
+                  <a:txBody>
+                    <a:bodyPr/>
+                    <a:lstStyle/>
+                    <a:p>
+                      <a:r>
+                        <a:rPr lang="es-AR" dirty="0" smtClean="0"/>
+                        <a:t>Modificar CU06 – Modificar horario de cursada.</a:t>
+                      </a:r>
+                      <a:endParaRPr lang="es-AR" dirty="0"/>
+                    </a:p>
+                  </a:txBody>
+                  <a:tcPr/>
+                </a:tc>
+                <a:tc>
+                  <a:txBody>
+                    <a:bodyPr/>
+                    <a:lstStyle/>
+                    <a:p>
+                      <a:pPr algn="ctr"/>
+                      <a:r>
+                        <a:rPr lang="es-AR" dirty="0" smtClean="0"/>
+                        <a:t>01-Sep</a:t>
+                      </a:r>
+                      <a:endParaRPr lang="es-AR" dirty="0"/>
+                    </a:p>
+                  </a:txBody>
+                  <a:tcPr/>
+                </a:tc>
+                <a:tc>
+                  <a:txBody>
+                    <a:bodyPr/>
+                    <a:lstStyle/>
+                    <a:p>
+                      <a:pPr algn="ctr"/>
+                      <a:r>
+                        <a:rPr lang="es-AR" dirty="0" smtClean="0"/>
+                        <a:t>16-Sep</a:t>
+                      </a:r>
+                      <a:endParaRPr lang="es-AR" dirty="0"/>
+                    </a:p>
+                  </a:txBody>
+                  <a:tcPr/>
+                </a:tc>
+                <a:tc>
+                  <a:txBody>
+                    <a:bodyPr/>
+                    <a:lstStyle/>
+                    <a:p>
+                      <a:pPr algn="ctr"/>
+                      <a:r>
+                        <a:rPr lang="es-AR" dirty="0" smtClean="0"/>
+                        <a:t>Media</a:t>
+                      </a:r>
+                      <a:endParaRPr lang="es-AR" dirty="0"/>
+                    </a:p>
+                  </a:txBody>
+                  <a:tcPr/>
+                </a:tc>
+              </a:tr>
+              <a:tr h="483600">
+                <a:tc>
+                  <a:txBody>
+                    <a:bodyPr/>
+                    <a:lstStyle/>
+                    <a:p>
+                      <a:r>
+                        <a:rPr lang="es-AR" dirty="0" smtClean="0"/>
+                        <a:t>Modificar CU07 – Modificar mesa de examen.</a:t>
+                      </a:r>
+                      <a:endParaRPr lang="es-AR" dirty="0"/>
+                    </a:p>
+                  </a:txBody>
+                  <a:tcPr/>
+                </a:tc>
+                <a:tc>
+                  <a:txBody>
+                    <a:bodyPr/>
+                    <a:lstStyle/>
+                    <a:p>
+                      <a:pPr marL="0" marR="0" lvl="0" indent="0" algn="ctr" defTabSz="914400" rtl="0" eaLnBrk="1" fontAlgn="auto" latinLnBrk="0" hangingPunct="1">
+                        <a:lnSpc>
+                          <a:spcPct val="100000"/>
+                        </a:lnSpc>
+                        <a:spcBef>
+                          <a:spcPts val="0"/>
+                        </a:spcBef>
+                        <a:spcAft>
+                          <a:spcPts val="0"/>
+                        </a:spcAft>
+                        <a:buClrTx/>
+                        <a:buSzTx/>
+                        <a:buFontTx/>
+                        <a:buNone/>
+                        <a:tabLst/>
+                        <a:defRPr/>
+                      </a:pPr>
+                      <a:r>
+                        <a:rPr lang="es-AR" dirty="0" smtClean="0"/>
+                        <a:t>01-Sep</a:t>
+                      </a:r>
+                      <a:endParaRPr lang="es-AR" dirty="0" smtClean="0"/>
+                    </a:p>
+                  </a:txBody>
+                  <a:tcPr/>
+                </a:tc>
+                <a:tc>
+                  <a:txBody>
+                    <a:bodyPr/>
+                    <a:lstStyle/>
+                    <a:p>
+                      <a:pPr marL="0" marR="0" lvl="0" indent="0" algn="ctr" defTabSz="914400" rtl="0" eaLnBrk="1" fontAlgn="auto" latinLnBrk="0" hangingPunct="1">
+                        <a:lnSpc>
+                          <a:spcPct val="100000"/>
+                        </a:lnSpc>
+                        <a:spcBef>
+                          <a:spcPts val="0"/>
+                        </a:spcBef>
+                        <a:spcAft>
+                          <a:spcPts val="0"/>
+                        </a:spcAft>
+                        <a:buClrTx/>
+                        <a:buSzTx/>
+                        <a:buFontTx/>
+                        <a:buNone/>
+                        <a:tabLst/>
+                        <a:defRPr/>
+                      </a:pPr>
+                      <a:r>
+                        <a:rPr lang="es-AR" dirty="0" smtClean="0"/>
+                        <a:t>16-Sep</a:t>
+                      </a:r>
+                      <a:endParaRPr lang="es-AR" dirty="0" smtClean="0"/>
+                    </a:p>
+                  </a:txBody>
+                  <a:tcPr/>
+                </a:tc>
+                <a:tc>
+                  <a:txBody>
+                    <a:bodyPr/>
+                    <a:lstStyle/>
+                    <a:p>
+                      <a:pPr algn="ctr"/>
+                      <a:r>
+                        <a:rPr lang="es-AR" dirty="0" smtClean="0"/>
+                        <a:t>Media</a:t>
+                      </a:r>
+                      <a:endParaRPr lang="es-AR" dirty="0"/>
+                    </a:p>
+                  </a:txBody>
+                  <a:tcPr/>
+                </a:tc>
+              </a:tr>
+              <a:tr h="483600">
+                <a:tc>
+                  <a:txBody>
+                    <a:bodyPr/>
+                    <a:lstStyle/>
+                    <a:p>
+                      <a:r>
+                        <a:rPr lang="es-AR" dirty="0" smtClean="0"/>
+                        <a:t>Modificar Modelo de Datos.</a:t>
+                      </a:r>
+                      <a:endParaRPr lang="es-AR" dirty="0"/>
+                    </a:p>
+                  </a:txBody>
+                  <a:tcPr/>
+                </a:tc>
+                <a:tc>
+                  <a:txBody>
+                    <a:bodyPr/>
+                    <a:lstStyle/>
+                    <a:p>
+                      <a:pPr marL="0" marR="0" lvl="0" indent="0" algn="ctr" defTabSz="914400" rtl="0" eaLnBrk="1" fontAlgn="auto" latinLnBrk="0" hangingPunct="1">
+                        <a:lnSpc>
+                          <a:spcPct val="100000"/>
+                        </a:lnSpc>
+                        <a:spcBef>
+                          <a:spcPts val="0"/>
+                        </a:spcBef>
+                        <a:spcAft>
+                          <a:spcPts val="0"/>
+                        </a:spcAft>
+                        <a:buClrTx/>
+                        <a:buSzTx/>
+                        <a:buFontTx/>
+                        <a:buNone/>
+                        <a:tabLst/>
+                        <a:defRPr/>
+                      </a:pPr>
+                      <a:r>
+                        <a:rPr lang="es-AR" dirty="0" smtClean="0"/>
+                        <a:t>01-Sep</a:t>
+                      </a:r>
+                      <a:endParaRPr lang="es-AR" dirty="0" smtClean="0"/>
+                    </a:p>
+                  </a:txBody>
+                  <a:tcPr/>
+                </a:tc>
+                <a:tc>
+                  <a:txBody>
+                    <a:bodyPr/>
+                    <a:lstStyle/>
+                    <a:p>
+                      <a:pPr marL="0" marR="0" lvl="0" indent="0" algn="ctr" defTabSz="914400" rtl="0" eaLnBrk="1" fontAlgn="auto" latinLnBrk="0" hangingPunct="1">
+                        <a:lnSpc>
+                          <a:spcPct val="100000"/>
+                        </a:lnSpc>
+                        <a:spcBef>
+                          <a:spcPts val="0"/>
+                        </a:spcBef>
+                        <a:spcAft>
+                          <a:spcPts val="0"/>
+                        </a:spcAft>
+                        <a:buClrTx/>
+                        <a:buSzTx/>
+                        <a:buFontTx/>
+                        <a:buNone/>
+                        <a:tabLst/>
+                        <a:defRPr/>
+                      </a:pPr>
+                      <a:r>
+                        <a:rPr lang="es-AR" dirty="0" smtClean="0"/>
+                        <a:t>16-Sep</a:t>
+                      </a:r>
+                      <a:endParaRPr lang="es-AR" dirty="0" smtClean="0"/>
+                    </a:p>
+                  </a:txBody>
+                  <a:tcPr/>
+                </a:tc>
+                <a:tc>
+                  <a:txBody>
+                    <a:bodyPr/>
+                    <a:lstStyle/>
+                    <a:p>
+                      <a:pPr algn="ctr"/>
+                      <a:r>
+                        <a:rPr lang="es-AR" dirty="0" smtClean="0"/>
+                        <a:t>Media</a:t>
+                      </a:r>
+                      <a:endParaRPr lang="es-AR" dirty="0"/>
+                    </a:p>
+                  </a:txBody>
+                  <a:tcPr/>
+                </a:tc>
+              </a:tr>
+              <a:tr h="483600">
+                <a:tc>
+                  <a:txBody>
+                    <a:bodyPr/>
+                    <a:lstStyle/>
+                    <a:p>
+                      <a:pPr marL="0" marR="0" lvl="0" indent="0" algn="l" defTabSz="914400" rtl="0" eaLnBrk="1" fontAlgn="auto" latinLnBrk="0" hangingPunct="1">
+                        <a:lnSpc>
+                          <a:spcPct val="100000"/>
+                        </a:lnSpc>
+                        <a:spcBef>
+                          <a:spcPts val="0"/>
+                        </a:spcBef>
+                        <a:spcAft>
+                          <a:spcPts val="0"/>
+                        </a:spcAft>
+                        <a:buClrTx/>
+                        <a:buSzTx/>
+                        <a:buFontTx/>
+                        <a:buNone/>
+                        <a:tabLst/>
+                        <a:defRPr/>
+                      </a:pPr>
+                      <a:r>
+                        <a:rPr lang="es-AR" dirty="0" smtClean="0"/>
+                        <a:t>Modificar</a:t>
+                      </a:r>
+                      <a:r>
+                        <a:rPr lang="es-AR" baseline="0" dirty="0" smtClean="0"/>
+                        <a:t> base de datos.</a:t>
+                      </a:r>
+                      <a:endParaRPr lang="es-AR" dirty="0" smtClean="0"/>
+                    </a:p>
+                  </a:txBody>
+                  <a:tcPr/>
+                </a:tc>
+                <a:tc>
+                  <a:txBody>
+                    <a:bodyPr/>
+                    <a:lstStyle/>
+                    <a:p>
+                      <a:pPr marL="0" marR="0" lvl="0" indent="0" algn="ctr" defTabSz="914400" rtl="0" eaLnBrk="1" fontAlgn="auto" latinLnBrk="0" hangingPunct="1">
+                        <a:lnSpc>
+                          <a:spcPct val="100000"/>
+                        </a:lnSpc>
+                        <a:spcBef>
+                          <a:spcPts val="0"/>
+                        </a:spcBef>
+                        <a:spcAft>
+                          <a:spcPts val="0"/>
+                        </a:spcAft>
+                        <a:buClrTx/>
+                        <a:buSzTx/>
+                        <a:buFontTx/>
+                        <a:buNone/>
+                        <a:tabLst/>
+                        <a:defRPr/>
+                      </a:pPr>
+                      <a:r>
+                        <a:rPr lang="es-AR" dirty="0" smtClean="0"/>
+                        <a:t>01-Sep</a:t>
+                      </a:r>
+                      <a:endParaRPr lang="es-AR" dirty="0" smtClean="0"/>
+                    </a:p>
+                  </a:txBody>
+                  <a:tcPr/>
+                </a:tc>
+                <a:tc>
+                  <a:txBody>
+                    <a:bodyPr/>
+                    <a:lstStyle/>
+                    <a:p>
+                      <a:pPr marL="0" marR="0" lvl="0" indent="0" algn="ctr" defTabSz="914400" rtl="0" eaLnBrk="1" fontAlgn="auto" latinLnBrk="0" hangingPunct="1">
+                        <a:lnSpc>
+                          <a:spcPct val="100000"/>
+                        </a:lnSpc>
+                        <a:spcBef>
+                          <a:spcPts val="0"/>
+                        </a:spcBef>
+                        <a:spcAft>
+                          <a:spcPts val="0"/>
+                        </a:spcAft>
+                        <a:buClrTx/>
+                        <a:buSzTx/>
+                        <a:buFontTx/>
+                        <a:buNone/>
+                        <a:tabLst/>
+                        <a:defRPr/>
+                      </a:pPr>
+                      <a:r>
+                        <a:rPr lang="es-AR" dirty="0" smtClean="0"/>
+                        <a:t>16-Sep</a:t>
+                      </a:r>
+                      <a:endParaRPr lang="es-AR" dirty="0" smtClean="0"/>
+                    </a:p>
+                  </a:txBody>
+                  <a:tcPr/>
+                </a:tc>
+                <a:tc>
+                  <a:txBody>
+                    <a:bodyPr/>
+                    <a:lstStyle/>
+                    <a:p>
+                      <a:pPr algn="ctr"/>
+                      <a:r>
+                        <a:rPr lang="es-AR" dirty="0" smtClean="0"/>
+                        <a:t>Media</a:t>
+                      </a:r>
+                      <a:endParaRPr lang="es-AR" dirty="0"/>
+                    </a:p>
+                  </a:txBody>
+                  <a:tcPr/>
+                </a:tc>
+              </a:tr>
+              <a:tr h="483600">
+                <a:tc>
+                  <a:txBody>
+                    <a:bodyPr/>
+                    <a:lstStyle/>
+                    <a:p>
+                      <a:pPr marL="0" marR="0" lvl="0" indent="0" algn="l" defTabSz="914400" rtl="0" eaLnBrk="1" fontAlgn="auto" latinLnBrk="0" hangingPunct="1">
+                        <a:lnSpc>
+                          <a:spcPct val="100000"/>
+                        </a:lnSpc>
+                        <a:spcBef>
+                          <a:spcPts val="0"/>
+                        </a:spcBef>
+                        <a:spcAft>
+                          <a:spcPts val="0"/>
+                        </a:spcAft>
+                        <a:buClrTx/>
+                        <a:buSzTx/>
+                        <a:buFontTx/>
+                        <a:buNone/>
+                        <a:tabLst/>
+                        <a:defRPr/>
+                      </a:pPr>
+                      <a:r>
+                        <a:rPr lang="es-AR" dirty="0" smtClean="0"/>
+                        <a:t>Continuar Modelo</a:t>
+                      </a:r>
+                      <a:r>
+                        <a:rPr lang="es-AR" baseline="0" dirty="0" smtClean="0"/>
+                        <a:t> de Diseño.</a:t>
+                      </a:r>
+                      <a:endParaRPr lang="es-AR" dirty="0" smtClean="0"/>
+                    </a:p>
+                  </a:txBody>
+                  <a:tcPr/>
+                </a:tc>
+                <a:tc>
+                  <a:txBody>
+                    <a:bodyPr/>
+                    <a:lstStyle/>
+                    <a:p>
+                      <a:pPr marL="0" marR="0" lvl="0" indent="0" algn="ctr" defTabSz="914400" rtl="0" eaLnBrk="1" fontAlgn="auto" latinLnBrk="0" hangingPunct="1">
+                        <a:lnSpc>
+                          <a:spcPct val="100000"/>
+                        </a:lnSpc>
+                        <a:spcBef>
+                          <a:spcPts val="0"/>
+                        </a:spcBef>
+                        <a:spcAft>
+                          <a:spcPts val="0"/>
+                        </a:spcAft>
+                        <a:buClrTx/>
+                        <a:buSzTx/>
+                        <a:buFontTx/>
+                        <a:buNone/>
+                        <a:tabLst/>
+                        <a:defRPr/>
+                      </a:pPr>
+                      <a:r>
+                        <a:rPr lang="es-AR" dirty="0" smtClean="0"/>
+                        <a:t>01-Sep</a:t>
+                      </a:r>
+                    </a:p>
+                  </a:txBody>
+                  <a:tcPr/>
+                </a:tc>
+                <a:tc>
+                  <a:txBody>
+                    <a:bodyPr/>
+                    <a:lstStyle/>
+                    <a:p>
+                      <a:pPr marL="0" marR="0" lvl="0" indent="0" algn="ctr" defTabSz="914400" rtl="0" eaLnBrk="1" fontAlgn="auto" latinLnBrk="0" hangingPunct="1">
+                        <a:lnSpc>
+                          <a:spcPct val="100000"/>
+                        </a:lnSpc>
+                        <a:spcBef>
+                          <a:spcPts val="0"/>
+                        </a:spcBef>
+                        <a:spcAft>
+                          <a:spcPts val="0"/>
+                        </a:spcAft>
+                        <a:buClrTx/>
+                        <a:buSzTx/>
+                        <a:buFontTx/>
+                        <a:buNone/>
+                        <a:tabLst/>
+                        <a:defRPr/>
+                      </a:pPr>
+                      <a:r>
+                        <a:rPr lang="es-AR" dirty="0" smtClean="0"/>
+                        <a:t>16-Sep</a:t>
+                      </a:r>
+                    </a:p>
+                  </a:txBody>
+                  <a:tcPr/>
+                </a:tc>
+                <a:tc>
+                  <a:txBody>
+                    <a:bodyPr/>
+                    <a:lstStyle/>
+                    <a:p>
+                      <a:pPr algn="ctr"/>
+                      <a:r>
+                        <a:rPr lang="es-AR" dirty="0" smtClean="0"/>
+                        <a:t>Media</a:t>
+                      </a:r>
+                      <a:endParaRPr lang="es-AR" dirty="0"/>
+                    </a:p>
+                  </a:txBody>
+                  <a:tcPr/>
+                </a:tc>
+              </a:tr>
+              <a:tr h="483600">
+                <a:tc>
+                  <a:txBody>
+                    <a:bodyPr/>
+                    <a:lstStyle/>
+                    <a:p>
+                      <a:pPr marL="0" marR="0" lvl="0" indent="0" algn="l" defTabSz="914400" rtl="0" eaLnBrk="1" fontAlgn="auto" latinLnBrk="0" hangingPunct="1">
+                        <a:lnSpc>
+                          <a:spcPct val="100000"/>
+                        </a:lnSpc>
+                        <a:spcBef>
+                          <a:spcPts val="0"/>
+                        </a:spcBef>
+                        <a:spcAft>
+                          <a:spcPts val="0"/>
+                        </a:spcAft>
+                        <a:buClrTx/>
+                        <a:buSzTx/>
+                        <a:buFontTx/>
+                        <a:buNone/>
+                        <a:tabLst/>
+                        <a:defRPr/>
+                      </a:pPr>
+                      <a:r>
+                        <a:rPr lang="es-AR" dirty="0" smtClean="0"/>
+                        <a:t>Implementar modificación</a:t>
+                      </a:r>
+                      <a:r>
+                        <a:rPr lang="es-AR" baseline="0" dirty="0" smtClean="0"/>
+                        <a:t> CU06 – Modificar horario de cursada.</a:t>
+                      </a:r>
+                      <a:endParaRPr lang="es-AR" dirty="0" smtClean="0"/>
+                    </a:p>
+                  </a:txBody>
+                  <a:tcPr/>
+                </a:tc>
+                <a:tc>
+                  <a:txBody>
+                    <a:bodyPr/>
+                    <a:lstStyle/>
+                    <a:p>
+                      <a:pPr marL="0" marR="0" lvl="0" indent="0" algn="ctr" defTabSz="914400" rtl="0" eaLnBrk="1" fontAlgn="auto" latinLnBrk="0" hangingPunct="1">
+                        <a:lnSpc>
+                          <a:spcPct val="100000"/>
+                        </a:lnSpc>
+                        <a:spcBef>
+                          <a:spcPts val="0"/>
+                        </a:spcBef>
+                        <a:spcAft>
+                          <a:spcPts val="0"/>
+                        </a:spcAft>
+                        <a:buClrTx/>
+                        <a:buSzTx/>
+                        <a:buFontTx/>
+                        <a:buNone/>
+                        <a:tabLst/>
+                        <a:defRPr/>
+                      </a:pPr>
+                      <a:r>
+                        <a:rPr lang="es-AR" dirty="0" smtClean="0"/>
+                        <a:t>01-Sep</a:t>
+                      </a:r>
+                      <a:endParaRPr lang="es-AR" dirty="0" smtClean="0"/>
+                    </a:p>
+                  </a:txBody>
+                  <a:tcPr/>
+                </a:tc>
+                <a:tc>
+                  <a:txBody>
+                    <a:bodyPr/>
+                    <a:lstStyle/>
+                    <a:p>
+                      <a:pPr marL="0" marR="0" lvl="0" indent="0" algn="ctr" defTabSz="914400" rtl="0" eaLnBrk="1" fontAlgn="auto" latinLnBrk="0" hangingPunct="1">
+                        <a:lnSpc>
+                          <a:spcPct val="100000"/>
+                        </a:lnSpc>
+                        <a:spcBef>
+                          <a:spcPts val="0"/>
+                        </a:spcBef>
+                        <a:spcAft>
+                          <a:spcPts val="0"/>
+                        </a:spcAft>
+                        <a:buClrTx/>
+                        <a:buSzTx/>
+                        <a:buFontTx/>
+                        <a:buNone/>
+                        <a:tabLst/>
+                        <a:defRPr/>
+                      </a:pPr>
+                      <a:r>
+                        <a:rPr lang="es-AR" dirty="0" smtClean="0"/>
+                        <a:t>16-Sep</a:t>
+                      </a:r>
+                    </a:p>
+                  </a:txBody>
+                  <a:tcPr/>
+                </a:tc>
+                <a:tc>
+                  <a:txBody>
+                    <a:bodyPr/>
+                    <a:lstStyle/>
+                    <a:p>
+                      <a:pPr algn="ctr"/>
+                      <a:r>
+                        <a:rPr lang="es-AR" dirty="0" smtClean="0"/>
+                        <a:t>Alta</a:t>
+                      </a:r>
+                      <a:endParaRPr lang="es-AR" dirty="0"/>
+                    </a:p>
+                  </a:txBody>
+                  <a:tcPr/>
+                </a:tc>
+              </a:tr>
+              <a:tr h="483600">
+                <a:tc>
+                  <a:txBody>
+                    <a:bodyPr/>
+                    <a:lstStyle/>
+                    <a:p>
+                      <a:pPr marL="0" marR="0" lvl="0" indent="0" algn="l" defTabSz="914400" rtl="0" eaLnBrk="1" fontAlgn="auto" latinLnBrk="0" hangingPunct="1">
+                        <a:lnSpc>
+                          <a:spcPct val="100000"/>
+                        </a:lnSpc>
+                        <a:spcBef>
+                          <a:spcPts val="0"/>
+                        </a:spcBef>
+                        <a:spcAft>
+                          <a:spcPts val="0"/>
+                        </a:spcAft>
+                        <a:buClrTx/>
+                        <a:buSzTx/>
+                        <a:buFontTx/>
+                        <a:buNone/>
+                        <a:tabLst/>
+                        <a:defRPr/>
+                      </a:pPr>
+                      <a:r>
+                        <a:rPr lang="es-AR" dirty="0" smtClean="0"/>
+                        <a:t>Implementar modificación CU07 – Modificar mesa</a:t>
+                      </a:r>
+                      <a:r>
+                        <a:rPr lang="es-AR" baseline="0" dirty="0" smtClean="0"/>
+                        <a:t> de examen.</a:t>
+                      </a:r>
+                      <a:endParaRPr lang="es-AR" dirty="0" smtClean="0"/>
+                    </a:p>
+                  </a:txBody>
+                  <a:tcPr/>
+                </a:tc>
+                <a:tc>
+                  <a:txBody>
+                    <a:bodyPr/>
+                    <a:lstStyle/>
+                    <a:p>
+                      <a:pPr marL="0" marR="0" lvl="0" indent="0" algn="ctr" defTabSz="914400" rtl="0" eaLnBrk="1" fontAlgn="auto" latinLnBrk="0" hangingPunct="1">
+                        <a:lnSpc>
+                          <a:spcPct val="100000"/>
+                        </a:lnSpc>
+                        <a:spcBef>
+                          <a:spcPts val="0"/>
+                        </a:spcBef>
+                        <a:spcAft>
+                          <a:spcPts val="0"/>
+                        </a:spcAft>
+                        <a:buClrTx/>
+                        <a:buSzTx/>
+                        <a:buFontTx/>
+                        <a:buNone/>
+                        <a:tabLst/>
+                        <a:defRPr/>
+                      </a:pPr>
+                      <a:r>
+                        <a:rPr lang="es-AR" dirty="0" smtClean="0"/>
+                        <a:t>01-Sep</a:t>
+                      </a:r>
+                    </a:p>
+                  </a:txBody>
+                  <a:tcPr/>
+                </a:tc>
+                <a:tc>
+                  <a:txBody>
+                    <a:bodyPr/>
+                    <a:lstStyle/>
+                    <a:p>
+                      <a:pPr marL="0" marR="0" lvl="0" indent="0" algn="ctr" defTabSz="914400" rtl="0" eaLnBrk="1" fontAlgn="auto" latinLnBrk="0" hangingPunct="1">
+                        <a:lnSpc>
+                          <a:spcPct val="100000"/>
+                        </a:lnSpc>
+                        <a:spcBef>
+                          <a:spcPts val="0"/>
+                        </a:spcBef>
+                        <a:spcAft>
+                          <a:spcPts val="0"/>
+                        </a:spcAft>
+                        <a:buClrTx/>
+                        <a:buSzTx/>
+                        <a:buFontTx/>
+                        <a:buNone/>
+                        <a:tabLst/>
+                        <a:defRPr/>
+                      </a:pPr>
+                      <a:r>
+                        <a:rPr lang="es-AR" dirty="0" smtClean="0"/>
+                        <a:t>16-Sep</a:t>
+                      </a:r>
+                    </a:p>
+                  </a:txBody>
+                  <a:tcPr/>
+                </a:tc>
+                <a:tc>
+                  <a:txBody>
+                    <a:bodyPr/>
+                    <a:lstStyle/>
+                    <a:p>
+                      <a:pPr algn="ctr"/>
+                      <a:r>
+                        <a:rPr lang="es-AR" dirty="0" smtClean="0"/>
+                        <a:t>Alta</a:t>
+                      </a:r>
+                      <a:endParaRPr lang="es-AR" dirty="0"/>
+                    </a:p>
+                  </a:txBody>
+                  <a:tcPr/>
+                </a:tc>
+              </a:tr>
+              <a:tr h="483600">
+                <a:tc>
+                  <a:txBody>
+                    <a:bodyPr/>
+                    <a:lstStyle/>
+                    <a:p>
+                      <a:pPr marL="0" marR="0" lvl="0" indent="0" algn="l" defTabSz="914400" rtl="0" eaLnBrk="1" fontAlgn="auto" latinLnBrk="0" hangingPunct="1">
+                        <a:lnSpc>
+                          <a:spcPct val="100000"/>
+                        </a:lnSpc>
+                        <a:spcBef>
+                          <a:spcPts val="0"/>
+                        </a:spcBef>
+                        <a:spcAft>
+                          <a:spcPts val="0"/>
+                        </a:spcAft>
+                        <a:buClrTx/>
+                        <a:buSzTx/>
+                        <a:buFontTx/>
+                        <a:buNone/>
+                        <a:tabLst/>
+                        <a:defRPr/>
+                      </a:pPr>
+                      <a:r>
+                        <a:rPr lang="es-AR" dirty="0" smtClean="0"/>
+                        <a:t>Planificar nueva iteración.</a:t>
+                      </a:r>
+                      <a:endParaRPr lang="es-AR" dirty="0" smtClean="0"/>
+                    </a:p>
+                  </a:txBody>
+                  <a:tcPr/>
+                </a:tc>
+                <a:tc>
+                  <a:txBody>
+                    <a:bodyPr/>
+                    <a:lstStyle/>
+                    <a:p>
+                      <a:pPr marL="0" marR="0" lvl="0" indent="0" algn="ctr" defTabSz="914400" rtl="0" eaLnBrk="1" fontAlgn="auto" latinLnBrk="0" hangingPunct="1">
+                        <a:lnSpc>
+                          <a:spcPct val="100000"/>
+                        </a:lnSpc>
+                        <a:spcBef>
+                          <a:spcPts val="0"/>
+                        </a:spcBef>
+                        <a:spcAft>
+                          <a:spcPts val="0"/>
+                        </a:spcAft>
+                        <a:buClrTx/>
+                        <a:buSzTx/>
+                        <a:buFontTx/>
+                        <a:buNone/>
+                        <a:tabLst/>
+                        <a:defRPr/>
+                      </a:pPr>
+                      <a:r>
+                        <a:rPr lang="es-AR" dirty="0" smtClean="0"/>
+                        <a:t>15-Sep</a:t>
+                      </a:r>
+                      <a:endParaRPr lang="es-AR" dirty="0" smtClean="0"/>
+                    </a:p>
+                  </a:txBody>
+                  <a:tcPr/>
+                </a:tc>
+                <a:tc>
+                  <a:txBody>
+                    <a:bodyPr/>
+                    <a:lstStyle/>
+                    <a:p>
+                      <a:pPr marL="0" marR="0" lvl="0" indent="0" algn="ctr" defTabSz="914400" rtl="0" eaLnBrk="1" fontAlgn="auto" latinLnBrk="0" hangingPunct="1">
+                        <a:lnSpc>
+                          <a:spcPct val="100000"/>
+                        </a:lnSpc>
+                        <a:spcBef>
+                          <a:spcPts val="0"/>
+                        </a:spcBef>
+                        <a:spcAft>
+                          <a:spcPts val="0"/>
+                        </a:spcAft>
+                        <a:buClrTx/>
+                        <a:buSzTx/>
+                        <a:buFontTx/>
+                        <a:buNone/>
+                        <a:tabLst/>
+                        <a:defRPr/>
+                      </a:pPr>
+                      <a:r>
+                        <a:rPr lang="es-AR" dirty="0" smtClean="0"/>
+                        <a:t>16-Sep</a:t>
+                      </a:r>
+                    </a:p>
+                  </a:txBody>
+                  <a:tcPr/>
+                </a:tc>
+                <a:tc>
+                  <a:txBody>
+                    <a:bodyPr/>
+                    <a:lstStyle/>
+                    <a:p>
+                      <a:pPr algn="ctr"/>
+                      <a:r>
+                        <a:rPr lang="es-AR" dirty="0" smtClean="0"/>
+                        <a:t>Baja</a:t>
+                      </a:r>
+                      <a:endParaRPr lang="es-AR" dirty="0"/>
+                    </a:p>
+                  </a:txBody>
+                  <a:tcPr/>
+                </a:tc>
+              </a:tr>
+            </a:tbl>
+          </a:graphicData>
+        </a:graphic>
+      </p:graphicFrame>
+      <p:sp>
+        <p:nvSpPr>
+          <p:cNvPr id="8" name="Marcador de contenido 1"/>
+          <p:cNvSpPr>
+            <a:spLocks noGrp="1"/>
+          </p:cNvSpPr>
+          <p:nvPr>
+            <p:ph idx="1"/>
+          </p:nvPr>
+        </p:nvSpPr>
+        <p:spPr>
+          <a:xfrm>
+            <a:off x="74272" y="1401149"/>
+            <a:ext cx="11847838" cy="509538"/>
+          </a:xfrm>
+        </p:spPr>
+        <p:txBody>
+          <a:bodyPr>
+            <a:normAutofit/>
+          </a:bodyPr>
+          <a:lstStyle/>
+          <a:p>
+            <a:pPr marL="0" indent="0" algn="ctr">
+              <a:spcBef>
+                <a:spcPts val="1200"/>
+              </a:spcBef>
+              <a:spcAft>
+                <a:spcPts val="600"/>
+              </a:spcAft>
+              <a:buNone/>
+            </a:pPr>
+            <a:r>
+              <a:rPr lang="es-AR" dirty="0" smtClean="0"/>
+              <a:t>Márquez Emanuel</a:t>
+            </a:r>
+            <a:endParaRPr lang="es-AR" dirty="0" smtClean="0"/>
+          </a:p>
+        </p:txBody>
+      </p:sp>
+    </p:spTree>
+    <p:extLst>
+      <p:ext uri="{BB962C8B-B14F-4D97-AF65-F5344CB8AC3E}">
+        <p14:creationId xmlns:p14="http://schemas.microsoft.com/office/powerpoint/2010/main" val="1484177780"/>
+      </p:ext>
+    </p:extLst>
+  </p:cSld>
+  <p:clrMapOvr>
+    <a:masterClrMapping/>
+  </p:clrMapOvr>
+  <mc:AlternateContent xmlns:mc="http://schemas.openxmlformats.org/markup-compatibility/2006" xmlns:p14="http://schemas.microsoft.com/office/powerpoint/2010/main">
+    <mc:Choice Requires="p14">
+      <p:transition spd="slow">
+        <p14:reveal/>
+      </p:transition>
+    </mc:Choice>
+    <mc:Fallback xmlns="">
+      <p:transition spd="slow">
+        <p:fade/>
+      </p:transition>
+    </mc:Fallback>
+  </mc:AlternateContent>
+  <p:timing>
+    <p:tnLst>
+      <p:par>
+        <p:cTn id="1" dur="indefinite" restart="never" nodeType="tmRoot"/>
+      </p:par>
+    </p:tnLst>
+  </p:timing>
+</p:sld>
+</file>
+
+<file path=ppt/slides/slide13.xml><?xml version="1.0" encoding="utf-8"?>
+<p:sld xmlns:a="http://schemas.openxmlformats.org/drawingml/2006/main" xmlns:r="http://schemas.openxmlformats.org/officeDocument/2006/relationships" xmlns:p="http://schemas.openxmlformats.org/presentationml/2006/main">
+  <p:cSld>
+    <p:spTree>
+      <p:nvGrpSpPr>
+        <p:cNvPr id="1" name=""/>
+        <p:cNvGrpSpPr/>
+        <p:nvPr/>
+      </p:nvGrpSpPr>
+      <p:grpSpPr>
+        <a:xfrm>
+          <a:off x="0" y="0"/>
+          <a:ext cx="0" cy="0"/>
+          <a:chOff x="0" y="0"/>
+          <a:chExt cx="0" cy="0"/>
+        </a:xfrm>
+      </p:grpSpPr>
+      <p:sp>
+        <p:nvSpPr>
+          <p:cNvPr id="3" name="Título 2"/>
+          <p:cNvSpPr>
+            <a:spLocks noGrp="1"/>
+          </p:cNvSpPr>
+          <p:nvPr>
+            <p:ph type="title"/>
+          </p:nvPr>
+        </p:nvSpPr>
+        <p:spPr/>
+        <p:txBody>
+          <a:bodyPr/>
+          <a:lstStyle/>
+          <a:p>
+            <a:r>
+              <a:rPr lang="es-AR" dirty="0" smtClean="0"/>
+              <a:t>Notificaciones y Favoritos</a:t>
+            </a:r>
+            <a:endParaRPr lang="es-AR" dirty="0"/>
+          </a:p>
+        </p:txBody>
+      </p:sp>
+      <p:sp>
+        <p:nvSpPr>
+          <p:cNvPr id="4" name="Marcador de pie de página 3"/>
+          <p:cNvSpPr>
+            <a:spLocks noGrp="1"/>
+          </p:cNvSpPr>
+          <p:nvPr>
+            <p:ph type="ftr" sz="quarter" idx="11"/>
+          </p:nvPr>
+        </p:nvSpPr>
+        <p:spPr/>
+        <p:txBody>
+          <a:bodyPr/>
+          <a:lstStyle/>
+          <a:p>
+            <a:r>
+              <a:rPr lang="es-AR" smtClean="0"/>
+              <a:t>OYARZO Mariela – QUIROGA Sandra – MÁRQUEZ EMANUEL</a:t>
+            </a:r>
+            <a:endParaRPr lang="es-AR" dirty="0"/>
+          </a:p>
+        </p:txBody>
+      </p:sp>
+      <p:sp>
+        <p:nvSpPr>
+          <p:cNvPr id="5" name="Marcador de número de diapositiva 4"/>
+          <p:cNvSpPr>
+            <a:spLocks noGrp="1"/>
+          </p:cNvSpPr>
+          <p:nvPr>
+            <p:ph type="sldNum" sz="quarter" idx="12"/>
+          </p:nvPr>
+        </p:nvSpPr>
+        <p:spPr/>
+        <p:txBody>
+          <a:bodyPr/>
+          <a:lstStyle/>
+          <a:p>
+            <a:fld id="{779E3280-5C43-43EF-BE7D-8C553A58A779}" type="slidenum">
+              <a:rPr lang="es-AR" smtClean="0"/>
+              <a:pPr/>
+              <a:t>13</a:t>
+            </a:fld>
+            <a:endParaRPr lang="es-AR" dirty="0"/>
+          </a:p>
+        </p:txBody>
+      </p:sp>
+      <p:sp>
+        <p:nvSpPr>
+          <p:cNvPr id="8" name="Marcador de contenido 1"/>
+          <p:cNvSpPr>
+            <a:spLocks noGrp="1"/>
+          </p:cNvSpPr>
+          <p:nvPr>
+            <p:ph idx="1"/>
+          </p:nvPr>
+        </p:nvSpPr>
+        <p:spPr>
+          <a:xfrm>
+            <a:off x="74272" y="1401148"/>
+            <a:ext cx="11847838" cy="5074555"/>
+          </a:xfrm>
+        </p:spPr>
+        <p:txBody>
+          <a:bodyPr>
+            <a:normAutofit/>
+          </a:bodyPr>
+          <a:lstStyle/>
+          <a:p>
+            <a:pPr marL="0" indent="0" algn="l">
+              <a:spcBef>
+                <a:spcPts val="1200"/>
+              </a:spcBef>
+              <a:spcAft>
+                <a:spcPts val="600"/>
+              </a:spcAft>
+              <a:buNone/>
+            </a:pPr>
+            <a:r>
+              <a:rPr lang="es-AR" dirty="0" smtClean="0"/>
+              <a:t>Sobre las notificaciones y favoritos en la APP se acordó junto con el equipo de catedra (durante 2017):</a:t>
+            </a:r>
+          </a:p>
+          <a:p>
+            <a:pPr algn="l">
+              <a:spcBef>
+                <a:spcPts val="1200"/>
+              </a:spcBef>
+              <a:spcAft>
+                <a:spcPts val="600"/>
+              </a:spcAft>
+            </a:pPr>
+            <a:r>
+              <a:rPr lang="es-AR" dirty="0" smtClean="0"/>
+              <a:t>Dar la opción de tener favoritos para evitar nuevas búsquedas. Esto es para horarios de cursada como para mesas de examen.</a:t>
+            </a:r>
+          </a:p>
+          <a:p>
+            <a:pPr algn="l">
+              <a:spcBef>
+                <a:spcPts val="1200"/>
+              </a:spcBef>
+              <a:spcAft>
+                <a:spcPts val="600"/>
+              </a:spcAft>
+            </a:pPr>
+            <a:r>
+              <a:rPr lang="es-AR" dirty="0" smtClean="0"/>
+              <a:t>No mostrar notificaciones en la aplicación (como </a:t>
+            </a:r>
+            <a:r>
+              <a:rPr lang="es-AR" dirty="0" err="1" smtClean="0"/>
+              <a:t>whatsapp</a:t>
+            </a:r>
+            <a:r>
+              <a:rPr lang="es-AR" dirty="0" smtClean="0"/>
+              <a:t>) debido a la complejidad.</a:t>
+            </a:r>
+          </a:p>
+          <a:p>
+            <a:pPr algn="l">
+              <a:spcBef>
+                <a:spcPts val="1200"/>
+              </a:spcBef>
+              <a:spcAft>
+                <a:spcPts val="600"/>
+              </a:spcAft>
+            </a:pPr>
+            <a:r>
+              <a:rPr lang="es-AR" dirty="0" smtClean="0"/>
+              <a:t>Realizar notificaciones a correos electrónicos.</a:t>
+            </a:r>
+            <a:endParaRPr lang="es-AR" dirty="0" smtClean="0"/>
+          </a:p>
+        </p:txBody>
+      </p:sp>
+    </p:spTree>
+    <p:extLst>
+      <p:ext uri="{BB962C8B-B14F-4D97-AF65-F5344CB8AC3E}">
+        <p14:creationId xmlns:p14="http://schemas.microsoft.com/office/powerpoint/2010/main" val="4207353226"/>
+      </p:ext>
+    </p:extLst>
+  </p:cSld>
+  <p:clrMapOvr>
+    <a:masterClrMapping/>
+  </p:clrMapOvr>
+  <mc:AlternateContent xmlns:mc="http://schemas.openxmlformats.org/markup-compatibility/2006" xmlns:p14="http://schemas.microsoft.com/office/powerpoint/2010/main">
+    <mc:Choice Requires="p14">
+      <p:transition spd="slow">
+        <p14:reveal/>
+      </p:transition>
+    </mc:Choice>
+    <mc:Fallback xmlns="">
+      <p:transition spd="slow">
+        <p:fade/>
+      </p:transition>
+    </mc:Fallback>
+  </mc:AlternateContent>
+  <p:timing>
+    <p:tnLst>
+      <p:par>
+        <p:cTn id="1" dur="indefinite" restart="never" nodeType="tmRoot"/>
+      </p:par>
+    </p:tnLst>
+  </p:timing>
+</p:sld>
+</file>
+
+<file path=ppt/slides/slide14.xml><?xml version="1.0" encoding="utf-8"?>
+<p:sld xmlns:a="http://schemas.openxmlformats.org/drawingml/2006/main" xmlns:r="http://schemas.openxmlformats.org/officeDocument/2006/relationships" xmlns:p="http://schemas.openxmlformats.org/presentationml/2006/main">
+  <p:cSld>
+    <p:spTree>
+      <p:nvGrpSpPr>
+        <p:cNvPr id="1" name=""/>
+        <p:cNvGrpSpPr/>
+        <p:nvPr/>
+      </p:nvGrpSpPr>
+      <p:grpSpPr>
+        <a:xfrm>
+          <a:off x="0" y="0"/>
+          <a:ext cx="0" cy="0"/>
+          <a:chOff x="0" y="0"/>
+          <a:chExt cx="0" cy="0"/>
+        </a:xfrm>
+      </p:grpSpPr>
+      <p:sp>
+        <p:nvSpPr>
+          <p:cNvPr id="3" name="Título 2"/>
+          <p:cNvSpPr>
+            <a:spLocks noGrp="1"/>
+          </p:cNvSpPr>
+          <p:nvPr>
+            <p:ph type="title"/>
+          </p:nvPr>
+        </p:nvSpPr>
+        <p:spPr/>
+        <p:txBody>
+          <a:bodyPr/>
+          <a:lstStyle/>
+          <a:p>
+            <a:r>
+              <a:rPr lang="es-AR" dirty="0" smtClean="0"/>
+              <a:t>Notificaciones y Favoritos</a:t>
+            </a:r>
+            <a:endParaRPr lang="es-AR" dirty="0"/>
+          </a:p>
+        </p:txBody>
+      </p:sp>
+      <p:sp>
+        <p:nvSpPr>
+          <p:cNvPr id="4" name="Marcador de pie de página 3"/>
+          <p:cNvSpPr>
+            <a:spLocks noGrp="1"/>
+          </p:cNvSpPr>
+          <p:nvPr>
+            <p:ph type="ftr" sz="quarter" idx="11"/>
+          </p:nvPr>
+        </p:nvSpPr>
+        <p:spPr/>
+        <p:txBody>
+          <a:bodyPr/>
+          <a:lstStyle/>
+          <a:p>
+            <a:r>
+              <a:rPr lang="es-AR" smtClean="0"/>
+              <a:t>OYARZO Mariela – QUIROGA Sandra – MÁRQUEZ EMANUEL</a:t>
+            </a:r>
+            <a:endParaRPr lang="es-AR" dirty="0"/>
+          </a:p>
+        </p:txBody>
+      </p:sp>
+      <p:sp>
+        <p:nvSpPr>
+          <p:cNvPr id="5" name="Marcador de número de diapositiva 4"/>
+          <p:cNvSpPr>
+            <a:spLocks noGrp="1"/>
+          </p:cNvSpPr>
+          <p:nvPr>
+            <p:ph type="sldNum" sz="quarter" idx="12"/>
+          </p:nvPr>
+        </p:nvSpPr>
+        <p:spPr/>
+        <p:txBody>
+          <a:bodyPr/>
+          <a:lstStyle/>
+          <a:p>
+            <a:fld id="{779E3280-5C43-43EF-BE7D-8C553A58A779}" type="slidenum">
+              <a:rPr lang="es-AR" smtClean="0"/>
+              <a:pPr/>
+              <a:t>14</a:t>
+            </a:fld>
+            <a:endParaRPr lang="es-AR" dirty="0"/>
+          </a:p>
+        </p:txBody>
+      </p:sp>
+      <p:sp>
+        <p:nvSpPr>
+          <p:cNvPr id="8" name="Marcador de contenido 1"/>
+          <p:cNvSpPr>
+            <a:spLocks noGrp="1"/>
+          </p:cNvSpPr>
+          <p:nvPr>
+            <p:ph idx="1"/>
+          </p:nvPr>
+        </p:nvSpPr>
+        <p:spPr>
+          <a:xfrm>
+            <a:off x="163772" y="1401148"/>
+            <a:ext cx="11758337" cy="5074555"/>
+          </a:xfrm>
+        </p:spPr>
+        <p:txBody>
+          <a:bodyPr>
+            <a:normAutofit/>
+          </a:bodyPr>
+          <a:lstStyle/>
+          <a:p>
+            <a:pPr marL="0" indent="0" algn="l">
+              <a:spcBef>
+                <a:spcPts val="1200"/>
+              </a:spcBef>
+              <a:spcAft>
+                <a:spcPts val="600"/>
+              </a:spcAft>
+              <a:buNone/>
+            </a:pPr>
+            <a:r>
+              <a:rPr lang="es-AR" dirty="0" smtClean="0"/>
+              <a:t>El grupo de desarrollo presenta una solución:</a:t>
+            </a:r>
+          </a:p>
+          <a:p>
+            <a:pPr marL="0" indent="0" algn="l">
+              <a:spcBef>
+                <a:spcPts val="1200"/>
+              </a:spcBef>
+              <a:spcAft>
+                <a:spcPts val="600"/>
+              </a:spcAft>
+              <a:buNone/>
+            </a:pPr>
+            <a:endParaRPr lang="es-AR" dirty="0" smtClean="0"/>
+          </a:p>
+          <a:p>
+            <a:pPr algn="l">
+              <a:spcBef>
+                <a:spcPts val="1200"/>
+              </a:spcBef>
+              <a:spcAft>
+                <a:spcPts val="600"/>
+              </a:spcAft>
+            </a:pPr>
+            <a:r>
+              <a:rPr lang="es-AR" dirty="0" smtClean="0"/>
+              <a:t>Permitir el ingreso de un correo electrónico.</a:t>
+            </a:r>
+          </a:p>
+          <a:p>
+            <a:pPr algn="l">
+              <a:spcBef>
+                <a:spcPts val="1200"/>
+              </a:spcBef>
+              <a:spcAft>
+                <a:spcPts val="600"/>
+              </a:spcAft>
+            </a:pPr>
+            <a:r>
+              <a:rPr lang="es-AR" dirty="0" smtClean="0"/>
+              <a:t>Tener la opción de almacenar favoritos solo a aquellos usuarios que presenten un correo electrónico. Las notificaciones se hacen sobre los favoritos almacenados al correo indicado.</a:t>
+            </a:r>
+          </a:p>
+          <a:p>
+            <a:pPr algn="l">
+              <a:spcBef>
+                <a:spcPts val="1200"/>
+              </a:spcBef>
+              <a:spcAft>
+                <a:spcPts val="600"/>
+              </a:spcAft>
+            </a:pPr>
+            <a:r>
+              <a:rPr lang="es-AR" dirty="0" smtClean="0"/>
+              <a:t>Limitar la cantidad de favoritos para evitar usuarios maliciosos.</a:t>
+            </a:r>
+          </a:p>
+          <a:p>
+            <a:pPr algn="l">
+              <a:spcBef>
+                <a:spcPts val="1200"/>
+              </a:spcBef>
+              <a:spcAft>
+                <a:spcPts val="600"/>
+              </a:spcAft>
+            </a:pPr>
+            <a:endParaRPr lang="es-AR" dirty="0"/>
+          </a:p>
+          <a:p>
+            <a:pPr marL="0" indent="0" algn="l">
+              <a:spcBef>
+                <a:spcPts val="1200"/>
+              </a:spcBef>
+              <a:spcAft>
+                <a:spcPts val="600"/>
+              </a:spcAft>
+              <a:buNone/>
+            </a:pPr>
+            <a:r>
+              <a:rPr lang="es-AR" i="1" dirty="0" smtClean="0"/>
+              <a:t>Se presenta el video del prototipo.</a:t>
+            </a:r>
+            <a:endParaRPr lang="es-AR" i="1" dirty="0"/>
+          </a:p>
+          <a:p>
+            <a:pPr marL="0" indent="0" algn="l">
+              <a:spcBef>
+                <a:spcPts val="1200"/>
+              </a:spcBef>
+              <a:spcAft>
+                <a:spcPts val="600"/>
+              </a:spcAft>
+              <a:buNone/>
+            </a:pPr>
+            <a:endParaRPr lang="es-AR" dirty="0" smtClean="0"/>
+          </a:p>
+        </p:txBody>
+      </p:sp>
+    </p:spTree>
+    <p:extLst>
+      <p:ext uri="{BB962C8B-B14F-4D97-AF65-F5344CB8AC3E}">
+        <p14:creationId xmlns:p14="http://schemas.microsoft.com/office/powerpoint/2010/main" val="1788742800"/>
+      </p:ext>
+    </p:extLst>
+  </p:cSld>
+  <p:clrMapOvr>
+    <a:masterClrMapping/>
+  </p:clrMapOvr>
+  <mc:AlternateContent xmlns:mc="http://schemas.openxmlformats.org/markup-compatibility/2006" xmlns:p14="http://schemas.microsoft.com/office/powerpoint/2010/main">
+    <mc:Choice Requires="p14">
+      <p:transition spd="slow">
+        <p14:reveal/>
+      </p:transition>
+    </mc:Choice>
+    <mc:Fallback xmlns="">
+      <p:transition spd="slow">
+        <p:fade/>
+      </p:transition>
+    </mc:Fallback>
+  </mc:AlternateContent>
+  <p:timing>
+    <p:tnLst>
+      <p:par>
+        <p:cTn id="1" dur="indefinite" restart="never" nodeType="tmRoot"/>
+      </p:par>
+    </p:tnLst>
+  </p:timing>
+</p:sld>
+</file>
+
+<file path=ppt/slides/slide15.xml><?xml version="1.0" encoding="utf-8"?>
+<p:sld xmlns:a="http://schemas.openxmlformats.org/drawingml/2006/main" xmlns:r="http://schemas.openxmlformats.org/officeDocument/2006/relationships" xmlns:p="http://schemas.openxmlformats.org/presentationml/2006/main">
+  <p:cSld>
+    <p:spTree>
+      <p:nvGrpSpPr>
+        <p:cNvPr id="1" name=""/>
+        <p:cNvGrpSpPr/>
+        <p:nvPr/>
+      </p:nvGrpSpPr>
+      <p:grpSpPr>
+        <a:xfrm>
+          <a:off x="0" y="0"/>
+          <a:ext cx="0" cy="0"/>
+          <a:chOff x="0" y="0"/>
+          <a:chExt cx="0" cy="0"/>
+        </a:xfrm>
+      </p:grpSpPr>
+      <p:sp>
+        <p:nvSpPr>
+          <p:cNvPr id="3" name="Título 2"/>
+          <p:cNvSpPr>
+            <a:spLocks noGrp="1"/>
+          </p:cNvSpPr>
+          <p:nvPr>
+            <p:ph type="title"/>
+          </p:nvPr>
+        </p:nvSpPr>
+        <p:spPr/>
+        <p:txBody>
+          <a:bodyPr/>
+          <a:lstStyle/>
+          <a:p>
+            <a:r>
+              <a:rPr lang="es-AR" dirty="0" smtClean="0"/>
+              <a:t>Fin de presentación</a:t>
+            </a:r>
+            <a:endParaRPr lang="es-AR" dirty="0"/>
+          </a:p>
+        </p:txBody>
+      </p:sp>
+      <p:sp>
+        <p:nvSpPr>
+          <p:cNvPr id="4" name="Marcador de pie de página 3"/>
+          <p:cNvSpPr>
+            <a:spLocks noGrp="1"/>
+          </p:cNvSpPr>
+          <p:nvPr>
+            <p:ph type="ftr" sz="quarter" idx="11"/>
+          </p:nvPr>
+        </p:nvSpPr>
+        <p:spPr/>
+        <p:txBody>
+          <a:bodyPr/>
+          <a:lstStyle/>
+          <a:p>
+            <a:r>
+              <a:rPr lang="es-AR" smtClean="0"/>
+              <a:t>OYARZO Mariela – QUIROGA Sandra – MÁRQUEZ EMANUEL</a:t>
+            </a:r>
+            <a:endParaRPr lang="es-AR" dirty="0"/>
+          </a:p>
+        </p:txBody>
+      </p:sp>
+      <p:sp>
+        <p:nvSpPr>
+          <p:cNvPr id="5" name="Marcador de número de diapositiva 4"/>
+          <p:cNvSpPr>
+            <a:spLocks noGrp="1"/>
+          </p:cNvSpPr>
+          <p:nvPr>
+            <p:ph type="sldNum" sz="quarter" idx="12"/>
+          </p:nvPr>
+        </p:nvSpPr>
+        <p:spPr/>
+        <p:txBody>
+          <a:bodyPr/>
+          <a:lstStyle/>
+          <a:p>
+            <a:fld id="{779E3280-5C43-43EF-BE7D-8C553A58A779}" type="slidenum">
+              <a:rPr lang="es-AR" smtClean="0"/>
+              <a:pPr/>
+              <a:t>15</a:t>
+            </a:fld>
+            <a:endParaRPr lang="es-AR" dirty="0"/>
+          </a:p>
+        </p:txBody>
+      </p:sp>
+      <p:pic>
+        <p:nvPicPr>
+          <p:cNvPr id="7" name="Imagen 6"/>
+          <p:cNvPicPr>
+            <a:picLocks noChangeAspect="1"/>
+          </p:cNvPicPr>
+          <p:nvPr/>
+        </p:nvPicPr>
+        <p:blipFill>
+          <a:blip r:embed="rId2" cstate="print">
+            <a:extLst>
+              <a:ext uri="{28A0092B-C50C-407E-A947-70E740481C1C}">
+                <a14:useLocalDpi xmlns:a14="http://schemas.microsoft.com/office/drawing/2010/main" val="0"/>
+              </a:ext>
+            </a:extLst>
+          </a:blip>
+          <a:stretch>
+            <a:fillRect/>
+          </a:stretch>
+        </p:blipFill>
+        <p:spPr>
+          <a:xfrm>
+            <a:off x="4130722" y="2141611"/>
+            <a:ext cx="4021540" cy="3619386"/>
+          </a:xfrm>
+          <a:prstGeom prst="rect">
+            <a:avLst/>
+          </a:prstGeom>
+        </p:spPr>
+      </p:pic>
+    </p:spTree>
+    <p:extLst>
+      <p:ext uri="{BB962C8B-B14F-4D97-AF65-F5344CB8AC3E}">
+        <p14:creationId xmlns:p14="http://schemas.microsoft.com/office/powerpoint/2010/main" val="2777136503"/>
+      </p:ext>
+    </p:extLst>
+  </p:cSld>
+  <p:clrMapOvr>
+    <a:masterClrMapping/>
+  </p:clrMapOvr>
+  <mc:AlternateContent xmlns:mc="http://schemas.openxmlformats.org/markup-compatibility/2006" xmlns:p14="http://schemas.microsoft.com/office/powerpoint/2010/main">
+    <mc:Choice Requires="p14">
+      <p:transition spd="slow">
+        <p14:reveal/>
+      </p:transition>
+    </mc:Choice>
+    <mc:Fallback xmlns="">
+      <p:transition spd="slow">
+        <p:fade/>
+      </p:transition>
+    </mc:Fallback>
+  </mc:AlternateContent>
+  <p:timing>
+    <p:tnLst>
+      <p:par>
+        <p:cTn id="1" dur="indefinite" restart="never" nodeType="tmRoot"/>
+      </p:par>
+    </p:tnLst>
+  </p:timing>
+</p:sld>
+</file>
+
 <file path=ppt/slides/slide2.xml><?xml version="1.0" encoding="utf-8"?>
 <p:sld xmlns:a="http://schemas.openxmlformats.org/drawingml/2006/main" xmlns:r="http://schemas.openxmlformats.org/officeDocument/2006/relationships" xmlns:p="http://schemas.openxmlformats.org/presentationml/2006/main">
   <p:cSld>
@@ -7457,6 +10919,15 @@
             </a:r>
           </a:p>
           <a:p>
+            <a:pPr marL="0" indent="0">
+              <a:spcAft>
+                <a:spcPts val="600"/>
+              </a:spcAft>
+              <a:buNone/>
+            </a:pPr>
+            <a:endParaRPr lang="es-ES" dirty="0" smtClean="0"/>
+          </a:p>
+          <a:p>
             <a:pPr marL="514350" indent="-514350">
               <a:spcBef>
                 <a:spcPts val="600"/>
@@ -7469,7 +10940,7 @@
             </a:pPr>
             <a:r>
               <a:rPr lang="es-ES" dirty="0" smtClean="0"/>
-              <a:t>Descripción general del proyecto.</a:t>
+              <a:t>Objetivo de la presentación.</a:t>
             </a:r>
           </a:p>
           <a:p>
@@ -7485,7 +10956,7 @@
             </a:pPr>
             <a:r>
               <a:rPr lang="es-ES" dirty="0" smtClean="0"/>
-              <a:t>Estado del proyecto.</a:t>
+              <a:t>Descripción general del proyecto.</a:t>
             </a:r>
           </a:p>
           <a:p>
@@ -7501,11 +10972,7 @@
             </a:pPr>
             <a:r>
               <a:rPr lang="es-ES" dirty="0" smtClean="0"/>
-              <a:t>Planificación</a:t>
-            </a:r>
-            <a:r>
-              <a:rPr lang="es-ES" dirty="0" smtClean="0"/>
-              <a:t>.</a:t>
+              <a:t>Estado actual del proyecto.</a:t>
             </a:r>
           </a:p>
           <a:p>
@@ -7521,9 +10988,40 @@
             </a:pPr>
             <a:r>
               <a:rPr lang="es-ES" dirty="0" smtClean="0"/>
+              <a:t>Planificación de la nueva iteración.</a:t>
+            </a:r>
+          </a:p>
+          <a:p>
+            <a:pPr marL="514350" indent="-514350">
+              <a:spcBef>
+                <a:spcPts val="600"/>
+              </a:spcBef>
+              <a:spcAft>
+                <a:spcPts val="600"/>
+              </a:spcAft>
+              <a:buFont typeface="+mj-lt"/>
+              <a:buAutoNum type="arabicPeriod"/>
+            </a:pPr>
+            <a:r>
+              <a:rPr lang="es-ES" dirty="0" smtClean="0"/>
               <a:t>Consultas sobre notificaciones y favoritos.</a:t>
             </a:r>
-            <a:endParaRPr lang="es-ES" dirty="0" smtClean="0"/>
+          </a:p>
+          <a:p>
+            <a:pPr marL="514350" indent="-514350">
+              <a:spcBef>
+                <a:spcPts val="600"/>
+              </a:spcBef>
+              <a:spcAft>
+                <a:spcPts val="600"/>
+              </a:spcAft>
+              <a:buFont typeface="+mj-lt"/>
+              <a:buAutoNum type="arabicPeriod"/>
+            </a:pPr>
+            <a:r>
+              <a:rPr lang="es-ES" dirty="0" smtClean="0"/>
+              <a:t>Presentación video de ejemplo sobre APP.</a:t>
+            </a:r>
           </a:p>
           <a:p>
             <a:pPr marL="0" indent="0">
@@ -7677,42 +11175,13 @@
             <a:pPr marL="0" indent="0">
               <a:buNone/>
             </a:pPr>
-            <a:endParaRPr lang="es-ES" dirty="0" smtClean="0"/>
-          </a:p>
-          <a:p>
-            <a:pPr marL="0" indent="0">
-              <a:buNone/>
-            </a:pPr>
+            <a:r>
+              <a:rPr lang="es-ES" b="1" dirty="0" smtClean="0"/>
+              <a:t>Reunión del 17-Ago-18</a:t>
+            </a:r>
             <a:r>
               <a:rPr lang="es-ES" dirty="0" smtClean="0"/>
-              <a:t>“El </a:t>
-            </a:r>
-            <a:r>
-              <a:rPr lang="es-ES" dirty="0"/>
-              <a:t>producto a desarrollar, en líneas generales, permitirá realizar la carga de horarios de cursada y mesas de examen haciendo uso de las planillas de calculo que poseen actualmente los empleados de Secretaria Académica de la UNPA-UARG. Esta tarea debe hacerse accediendo al sistema a través de su sitio web e identificándose mediante un correo institucional</a:t>
-            </a:r>
-            <a:r>
-              <a:rPr lang="es-ES" dirty="0" smtClean="0"/>
-              <a:t>.</a:t>
-            </a:r>
-          </a:p>
-          <a:p>
-            <a:pPr marL="0" indent="0">
-              <a:buNone/>
-            </a:pPr>
-            <a:endParaRPr lang="es-AR" dirty="0"/>
-          </a:p>
-          <a:p>
-            <a:pPr marL="0" indent="0">
-              <a:buNone/>
-            </a:pPr>
-            <a:r>
-              <a:rPr lang="es-ES" dirty="0"/>
-              <a:t>También se permite a usuarios públicos que accedan desde una aplicación móvil consultar los horarios de cursada y mesas de examen que han sido previamente cargados por Secretaría Académica</a:t>
-            </a:r>
-            <a:r>
-              <a:rPr lang="es-ES" dirty="0" smtClean="0"/>
-              <a:t>.” [ERS]</a:t>
+              <a:t>: El grupo de desarrollo tomó la decisión de realizar una reunión con el objetivo de reanudar el proyecto Tempus. Durante la misma se decidió:</a:t>
             </a:r>
           </a:p>
           <a:p>
@@ -7722,17 +11191,49 @@
             <a:endParaRPr lang="es-ES" dirty="0" smtClean="0"/>
           </a:p>
           <a:p>
+            <a:r>
+              <a:rPr lang="es-ES" dirty="0" smtClean="0"/>
+              <a:t>Comprometerse con la finalización del trabajo.</a:t>
+            </a:r>
+          </a:p>
+          <a:p>
+            <a:r>
+              <a:rPr lang="es-ES" dirty="0" smtClean="0"/>
+              <a:t>Repasar la documentación actual disponible en el repositorio (</a:t>
+            </a:r>
+            <a:r>
+              <a:rPr lang="es-ES" dirty="0" err="1" smtClean="0"/>
+              <a:t>Github</a:t>
+            </a:r>
+            <a:r>
+              <a:rPr lang="es-ES" dirty="0" smtClean="0"/>
+              <a:t>).</a:t>
+            </a:r>
+          </a:p>
+          <a:p>
+            <a:r>
+              <a:rPr lang="es-ES" dirty="0" smtClean="0"/>
+              <a:t>Determinar el estado de la documentación.</a:t>
+            </a:r>
+          </a:p>
+          <a:p>
+            <a:r>
+              <a:rPr lang="es-ES" dirty="0" smtClean="0"/>
+              <a:t>Planificar nueva iteración.</a:t>
+            </a:r>
+          </a:p>
+          <a:p>
+            <a:r>
+              <a:rPr lang="es-ES" dirty="0" smtClean="0"/>
+              <a:t>Realizar presentación al equipo de catedra.</a:t>
+            </a:r>
+          </a:p>
+          <a:p>
             <a:pPr marL="0" indent="0">
               <a:buNone/>
             </a:pPr>
             <a:endParaRPr lang="es-ES" dirty="0" smtClean="0"/>
           </a:p>
-          <a:p>
-            <a:pPr marL="0" indent="0">
-              <a:buNone/>
-            </a:pPr>
-            <a:endParaRPr lang="es-ES" dirty="0" smtClean="0"/>
-          </a:p>
         </p:txBody>
       </p:sp>
       <p:sp>
@@ -7752,7 +11253,7 @@
           <a:p>
             <a:r>
               <a:rPr lang="es-AR" dirty="0" smtClean="0"/>
-              <a:t>Descripción general</a:t>
+              <a:t>Objetivo de la presentación</a:t>
             </a:r>
             <a:endParaRPr lang="es-AR" dirty="0"/>
           </a:p>
@@ -7808,7 +11309,7 @@
     </p:spTree>
     <p:extLst>
       <p:ext uri="{BB962C8B-B14F-4D97-AF65-F5344CB8AC3E}">
-        <p14:creationId xmlns:p14="http://schemas.microsoft.com/office/powerpoint/2010/main" val="2976960991"/>
+        <p14:creationId xmlns:p14="http://schemas.microsoft.com/office/powerpoint/2010/main" val="614728282"/>
       </p:ext>
     </p:extLst>
   </p:cSld>
@@ -7856,22 +11357,103 @@
       </p:grpSpPr>
       <p:sp>
         <p:nvSpPr>
-          <p:cNvPr id="3" name="2 Título"/>
-          <p:cNvSpPr>
-            <a:spLocks noGrp="1"/>
-          </p:cNvSpPr>
-          <p:nvPr>
-            <p:ph type="title"/>
-          </p:nvPr>
-        </p:nvSpPr>
-        <p:spPr/>
+          <p:cNvPr id="2" name="1 Marcador de contenido"/>
+          <p:cNvSpPr>
+            <a:spLocks noGrp="1"/>
+          </p:cNvSpPr>
+          <p:nvPr>
+            <p:ph idx="1"/>
+          </p:nvPr>
+        </p:nvSpPr>
+        <p:spPr>
+          <a:xfrm>
+            <a:off x="165101" y="1438234"/>
+            <a:ext cx="11855577" cy="5037470"/>
+          </a:xfrm>
+        </p:spPr>
         <p:txBody>
           <a:bodyPr/>
           <a:lstStyle/>
           <a:p>
+            <a:pPr marL="0" indent="0">
+              <a:buNone/>
+            </a:pPr>
+            <a:endParaRPr lang="es-ES" dirty="0" smtClean="0"/>
+          </a:p>
+          <a:p>
+            <a:pPr marL="0" indent="0">
+              <a:buNone/>
+            </a:pPr>
+            <a:r>
+              <a:rPr lang="es-ES" dirty="0" smtClean="0"/>
+              <a:t>“El </a:t>
+            </a:r>
+            <a:r>
+              <a:rPr lang="es-ES" dirty="0"/>
+              <a:t>producto a desarrollar, en líneas generales, permitirá realizar la carga de horarios de cursada y mesas de examen haciendo uso de las planillas de calculo que poseen actualmente los empleados de Secretaria Académica de la UNPA-UARG. Esta tarea debe hacerse accediendo al sistema a través de su sitio web e identificándose mediante un correo institucional</a:t>
+            </a:r>
+            <a:r>
+              <a:rPr lang="es-ES" dirty="0" smtClean="0"/>
+              <a:t>.</a:t>
+            </a:r>
+          </a:p>
+          <a:p>
+            <a:pPr marL="0" indent="0">
+              <a:buNone/>
+            </a:pPr>
+            <a:endParaRPr lang="es-AR" dirty="0"/>
+          </a:p>
+          <a:p>
+            <a:pPr marL="0" indent="0">
+              <a:buNone/>
+            </a:pPr>
+            <a:r>
+              <a:rPr lang="es-ES" dirty="0"/>
+              <a:t>También se permite a usuarios públicos que accedan desde una aplicación móvil consultar los horarios de cursada y mesas de examen que han sido previamente cargados por Secretaría Académica</a:t>
+            </a:r>
+            <a:r>
+              <a:rPr lang="es-ES" dirty="0" smtClean="0"/>
+              <a:t>.” [ERS]</a:t>
+            </a:r>
+          </a:p>
+          <a:p>
+            <a:pPr marL="0" indent="0">
+              <a:buNone/>
+            </a:pPr>
+            <a:endParaRPr lang="es-ES" dirty="0" smtClean="0"/>
+          </a:p>
+          <a:p>
+            <a:pPr marL="0" indent="0">
+              <a:buNone/>
+            </a:pPr>
+            <a:endParaRPr lang="es-ES" dirty="0" smtClean="0"/>
+          </a:p>
+          <a:p>
+            <a:pPr marL="0" indent="0">
+              <a:buNone/>
+            </a:pPr>
+            <a:endParaRPr lang="es-ES" dirty="0" smtClean="0"/>
+          </a:p>
+        </p:txBody>
+      </p:sp>
+      <p:sp>
+        <p:nvSpPr>
+          <p:cNvPr id="3" name="2 Título"/>
+          <p:cNvSpPr>
+            <a:spLocks noGrp="1"/>
+          </p:cNvSpPr>
+          <p:nvPr>
+            <p:ph type="title"/>
+          </p:nvPr>
+        </p:nvSpPr>
+        <p:spPr/>
+        <p:txBody>
+          <a:bodyPr/>
+          <a:lstStyle/>
+          <a:p>
             <a:r>
               <a:rPr lang="es-AR" dirty="0" smtClean="0"/>
-              <a:t>Estado del proyecto</a:t>
+              <a:t>Descripción general</a:t>
             </a:r>
             <a:endParaRPr lang="es-AR" dirty="0"/>
           </a:p>
@@ -7924,425 +11506,10 @@
           </a:p>
         </p:txBody>
       </p:sp>
-      <p:graphicFrame>
-        <p:nvGraphicFramePr>
-          <p:cNvPr id="6" name="Tabla 5"/>
-          <p:cNvGraphicFramePr>
-            <a:graphicFrameLocks noGrp="1"/>
-          </p:cNvGraphicFramePr>
-          <p:nvPr>
-            <p:extLst>
-              <p:ext uri="{D42A27DB-BD31-4B8C-83A1-F6EECF244321}">
-                <p14:modId xmlns:p14="http://schemas.microsoft.com/office/powerpoint/2010/main" val="2453149494"/>
-              </p:ext>
-            </p:extLst>
-          </p:nvPr>
-        </p:nvGraphicFramePr>
-        <p:xfrm>
-          <a:off x="943480" y="1843273"/>
-          <a:ext cx="10396024" cy="4164552"/>
-        </p:xfrm>
-        <a:graphic>
-          <a:graphicData uri="http://schemas.openxmlformats.org/drawingml/2006/table">
-            <a:tbl>
-              <a:tblPr firstRow="1" bandRow="1">
-                <a:tableStyleId>{6E25E649-3F16-4E02-A733-19D2CDBF48F0}</a:tableStyleId>
-              </a:tblPr>
-              <a:tblGrid>
-                <a:gridCol w="4614202"/>
-                <a:gridCol w="5781822"/>
-              </a:tblGrid>
-              <a:tr h="520569">
-                <a:tc>
-                  <a:txBody>
-                    <a:bodyPr/>
-                    <a:lstStyle/>
-                    <a:p>
-                      <a:pPr algn="ctr"/>
-                      <a:r>
-                        <a:rPr lang="es-AR" sz="2200" dirty="0" smtClean="0">
-                          <a:solidFill>
-                            <a:schemeClr val="bg1"/>
-                          </a:solidFill>
-                        </a:rPr>
-                        <a:t>Información</a:t>
-                      </a:r>
-                      <a:endParaRPr lang="es-AR" sz="2200" dirty="0">
-                        <a:solidFill>
-                          <a:schemeClr val="bg1"/>
-                        </a:solidFill>
-                      </a:endParaRPr>
-                    </a:p>
-                  </a:txBody>
-                  <a:tcPr marL="109930" marR="109930" marT="54965" marB="54965"/>
-                </a:tc>
-                <a:tc>
-                  <a:txBody>
-                    <a:bodyPr/>
-                    <a:lstStyle/>
-                    <a:p>
-                      <a:pPr algn="ctr"/>
-                      <a:r>
-                        <a:rPr lang="es-AR" sz="2200" dirty="0" smtClean="0">
-                          <a:solidFill>
-                            <a:schemeClr val="bg1"/>
-                          </a:solidFill>
-                        </a:rPr>
-                        <a:t>Detalle</a:t>
-                      </a:r>
-                      <a:endParaRPr lang="es-AR" sz="2200" dirty="0">
-                        <a:solidFill>
-                          <a:schemeClr val="bg1"/>
-                        </a:solidFill>
-                      </a:endParaRPr>
-                    </a:p>
-                  </a:txBody>
-                  <a:tcPr marL="109930" marR="109930" marT="54965" marB="54965"/>
-                </a:tc>
-              </a:tr>
-              <a:tr h="520569">
-                <a:tc>
-                  <a:txBody>
-                    <a:bodyPr/>
-                    <a:lstStyle/>
-                    <a:p>
-                      <a:r>
-                        <a:rPr lang="es-AR" sz="2200" dirty="0" smtClean="0"/>
-                        <a:t>Estimación inicial</a:t>
-                      </a:r>
-                      <a:endParaRPr lang="es-AR" sz="2200" dirty="0"/>
-                    </a:p>
-                  </a:txBody>
-                  <a:tcPr marL="109930" marR="109930" marT="54965" marB="54965"/>
-                </a:tc>
-                <a:tc>
-                  <a:txBody>
-                    <a:bodyPr/>
-                    <a:lstStyle/>
-                    <a:p>
-                      <a:pPr algn="l"/>
-                      <a:r>
-                        <a:rPr lang="es-AR" sz="2200" dirty="0" smtClean="0"/>
-                        <a:t>1</a:t>
-                      </a:r>
-                      <a:r>
-                        <a:rPr lang="es-AR" sz="2200" baseline="0" dirty="0" smtClean="0"/>
-                        <a:t> año y 3 meses</a:t>
-                      </a:r>
-                      <a:endParaRPr lang="es-AR" sz="2200" dirty="0"/>
-                    </a:p>
-                  </a:txBody>
-                  <a:tcPr marL="109930" marR="109930" marT="54965" marB="54965"/>
-                </a:tc>
-              </a:tr>
-              <a:tr h="520569">
-                <a:tc>
-                  <a:txBody>
-                    <a:bodyPr/>
-                    <a:lstStyle/>
-                    <a:p>
-                      <a:r>
-                        <a:rPr lang="es-AR" sz="2200" dirty="0" smtClean="0"/>
-                        <a:t>Tiempo</a:t>
-                      </a:r>
-                      <a:r>
-                        <a:rPr lang="es-AR" sz="2200" baseline="0" dirty="0" smtClean="0"/>
-                        <a:t> trabajado</a:t>
-                      </a:r>
-                      <a:endParaRPr lang="es-AR" sz="2200" dirty="0"/>
-                    </a:p>
-                  </a:txBody>
-                  <a:tcPr marL="109930" marR="109930" marT="54965" marB="54965"/>
-                </a:tc>
-                <a:tc>
-                  <a:txBody>
-                    <a:bodyPr/>
-                    <a:lstStyle/>
-                    <a:p>
-                      <a:pPr algn="l"/>
-                      <a:r>
-                        <a:rPr lang="es-AR" sz="2200" dirty="0" smtClean="0"/>
-                        <a:t>3 meses y 1 semana (18-Ago-17</a:t>
-                      </a:r>
-                      <a:r>
-                        <a:rPr lang="es-AR" sz="2200" baseline="0" dirty="0" smtClean="0"/>
-                        <a:t> al 24-Nov-17</a:t>
-                      </a:r>
-                      <a:r>
-                        <a:rPr lang="es-AR" sz="2200" dirty="0" smtClean="0"/>
-                        <a:t>)</a:t>
-                      </a:r>
-                      <a:endParaRPr lang="es-AR" sz="2200" dirty="0"/>
-                    </a:p>
-                  </a:txBody>
-                  <a:tcPr marL="109930" marR="109930" marT="54965" marB="54965"/>
-                </a:tc>
-              </a:tr>
-              <a:tr h="520569">
-                <a:tc>
-                  <a:txBody>
-                    <a:bodyPr/>
-                    <a:lstStyle/>
-                    <a:p>
-                      <a:r>
-                        <a:rPr lang="es-AR" sz="2200" dirty="0" smtClean="0"/>
-                        <a:t>Ultima presentación</a:t>
-                      </a:r>
-                      <a:endParaRPr lang="es-AR" sz="2200" dirty="0"/>
-                    </a:p>
-                  </a:txBody>
-                  <a:tcPr marL="109930" marR="109930" marT="54965" marB="54965"/>
-                </a:tc>
-                <a:tc>
-                  <a:txBody>
-                    <a:bodyPr/>
-                    <a:lstStyle/>
-                    <a:p>
-                      <a:pPr algn="l"/>
-                      <a:r>
-                        <a:rPr lang="es-AR" sz="2200" dirty="0" smtClean="0"/>
-                        <a:t>24-Nov-17</a:t>
-                      </a:r>
-                      <a:endParaRPr lang="es-AR" sz="2200" dirty="0"/>
-                    </a:p>
-                  </a:txBody>
-                  <a:tcPr marL="109930" marR="109930" marT="54965" marB="54965"/>
-                </a:tc>
-              </a:tr>
-              <a:tr h="520569">
-                <a:tc>
-                  <a:txBody>
-                    <a:bodyPr/>
-                    <a:lstStyle/>
-                    <a:p>
-                      <a:r>
-                        <a:rPr lang="es-AR" sz="2200" dirty="0" smtClean="0"/>
-                        <a:t>Fase</a:t>
-                      </a:r>
-                      <a:endParaRPr lang="es-AR" sz="2200" dirty="0"/>
-                    </a:p>
-                  </a:txBody>
-                  <a:tcPr marL="109930" marR="109930" marT="54965" marB="54965"/>
-                </a:tc>
-                <a:tc>
-                  <a:txBody>
-                    <a:bodyPr/>
-                    <a:lstStyle/>
-                    <a:p>
-                      <a:pPr marL="0" marR="0" lvl="0" indent="0" algn="l" defTabSz="914400" rtl="0" eaLnBrk="1" fontAlgn="auto" latinLnBrk="0" hangingPunct="1">
-                        <a:lnSpc>
-                          <a:spcPct val="100000"/>
-                        </a:lnSpc>
-                        <a:spcBef>
-                          <a:spcPts val="0"/>
-                        </a:spcBef>
-                        <a:spcAft>
-                          <a:spcPts val="0"/>
-                        </a:spcAft>
-                        <a:buClrTx/>
-                        <a:buSzTx/>
-                        <a:buFontTx/>
-                        <a:buNone/>
-                        <a:tabLst/>
-                        <a:defRPr/>
-                      </a:pPr>
-                      <a:r>
-                        <a:rPr lang="es-AR" sz="2200" dirty="0" smtClean="0"/>
-                        <a:t>Construcción</a:t>
-                      </a:r>
-                    </a:p>
-                  </a:txBody>
-                  <a:tcPr marL="109930" marR="109930" marT="54965" marB="54965"/>
-                </a:tc>
-              </a:tr>
-              <a:tr h="520569">
-                <a:tc>
-                  <a:txBody>
-                    <a:bodyPr/>
-                    <a:lstStyle/>
-                    <a:p>
-                      <a:r>
-                        <a:rPr lang="es-AR" sz="2200" dirty="0" smtClean="0"/>
-                        <a:t>Iteración</a:t>
-                      </a:r>
-                      <a:endParaRPr lang="es-AR" sz="2200" dirty="0"/>
-                    </a:p>
-                  </a:txBody>
-                  <a:tcPr marL="109930" marR="109930" marT="54965" marB="54965"/>
-                </a:tc>
-                <a:tc>
-                  <a:txBody>
-                    <a:bodyPr/>
-                    <a:lstStyle/>
-                    <a:p>
-                      <a:pPr marL="0" marR="0" lvl="0" indent="0" algn="l" defTabSz="914400" rtl="0" eaLnBrk="1" fontAlgn="auto" latinLnBrk="0" hangingPunct="1">
-                        <a:lnSpc>
-                          <a:spcPct val="100000"/>
-                        </a:lnSpc>
-                        <a:spcBef>
-                          <a:spcPts val="0"/>
-                        </a:spcBef>
-                        <a:spcAft>
-                          <a:spcPts val="0"/>
-                        </a:spcAft>
-                        <a:buClrTx/>
-                        <a:buSzTx/>
-                        <a:buFontTx/>
-                        <a:buNone/>
-                        <a:tabLst/>
-                        <a:defRPr/>
-                      </a:pPr>
-                      <a:r>
-                        <a:rPr lang="es-AR" sz="2200" dirty="0" smtClean="0"/>
-                        <a:t>N°</a:t>
-                      </a:r>
-                      <a:r>
-                        <a:rPr lang="es-AR" sz="2200" baseline="0" dirty="0" smtClean="0"/>
-                        <a:t> 3 (14-Nov-17 al 23-Nov-17)</a:t>
-                      </a:r>
-                      <a:endParaRPr lang="es-AR" sz="2200" dirty="0" smtClean="0"/>
-                    </a:p>
-                  </a:txBody>
-                  <a:tcPr marL="109930" marR="109930" marT="54965" marB="54965"/>
-                </a:tc>
-              </a:tr>
-              <a:tr h="520569">
-                <a:tc>
-                  <a:txBody>
-                    <a:bodyPr/>
-                    <a:lstStyle/>
-                    <a:p>
-                      <a:pPr marL="0" marR="0" lvl="0" indent="0" algn="l" defTabSz="914400" rtl="0" eaLnBrk="1" fontAlgn="auto" latinLnBrk="0" hangingPunct="1">
-                        <a:lnSpc>
-                          <a:spcPct val="100000"/>
-                        </a:lnSpc>
-                        <a:spcBef>
-                          <a:spcPts val="0"/>
-                        </a:spcBef>
-                        <a:spcAft>
-                          <a:spcPts val="0"/>
-                        </a:spcAft>
-                        <a:buClrTx/>
-                        <a:buSzTx/>
-                        <a:buFontTx/>
-                        <a:buNone/>
-                        <a:tabLst/>
-                        <a:defRPr/>
-                      </a:pPr>
-                      <a:r>
-                        <a:rPr lang="es-AR" sz="2200" dirty="0" smtClean="0"/>
-                        <a:t>Ultima revisión del repositorio</a:t>
-                      </a:r>
-                    </a:p>
-                  </a:txBody>
-                  <a:tcPr marL="109930" marR="109930" marT="54965" marB="54965"/>
-                </a:tc>
-                <a:tc>
-                  <a:txBody>
-                    <a:bodyPr/>
-                    <a:lstStyle/>
-                    <a:p>
-                      <a:pPr marL="0" marR="0" lvl="0" indent="0" algn="l" defTabSz="914400" rtl="0" eaLnBrk="1" fontAlgn="auto" latinLnBrk="0" hangingPunct="1">
-                        <a:lnSpc>
-                          <a:spcPct val="100000"/>
-                        </a:lnSpc>
-                        <a:spcBef>
-                          <a:spcPts val="0"/>
-                        </a:spcBef>
-                        <a:spcAft>
-                          <a:spcPts val="0"/>
-                        </a:spcAft>
-                        <a:buClrTx/>
-                        <a:buSzTx/>
-                        <a:buFontTx/>
-                        <a:buNone/>
-                        <a:tabLst/>
-                        <a:defRPr/>
-                      </a:pPr>
-                      <a:r>
-                        <a:rPr lang="es-AR" sz="2200" dirty="0" smtClean="0"/>
-                        <a:t>365</a:t>
-                      </a:r>
-                      <a:r>
-                        <a:rPr lang="es-AR" sz="2200" baseline="0" dirty="0" smtClean="0"/>
-                        <a:t> (26-Nov-17)</a:t>
-                      </a:r>
-                      <a:endParaRPr lang="es-AR" sz="2200" dirty="0" smtClean="0"/>
-                    </a:p>
-                  </a:txBody>
-                  <a:tcPr marL="109930" marR="109930" marT="54965" marB="54965"/>
-                </a:tc>
-              </a:tr>
-              <a:tr h="520569">
-                <a:tc>
-                  <a:txBody>
-                    <a:bodyPr/>
-                    <a:lstStyle/>
-                    <a:p>
-                      <a:pPr marL="0" marR="0" lvl="0" indent="0" algn="l" defTabSz="914400" rtl="0" eaLnBrk="1" fontAlgn="auto" latinLnBrk="0" hangingPunct="1">
-                        <a:lnSpc>
-                          <a:spcPct val="100000"/>
-                        </a:lnSpc>
-                        <a:spcBef>
-                          <a:spcPts val="0"/>
-                        </a:spcBef>
-                        <a:spcAft>
-                          <a:spcPts val="0"/>
-                        </a:spcAft>
-                        <a:buClrTx/>
-                        <a:buSzTx/>
-                        <a:buFontTx/>
-                        <a:buNone/>
-                        <a:tabLst/>
-                        <a:defRPr/>
-                      </a:pPr>
-                      <a:r>
-                        <a:rPr lang="es-AR" sz="2200" dirty="0" smtClean="0"/>
-                        <a:t>Reanudación del proyecto</a:t>
-                      </a:r>
-                    </a:p>
-                  </a:txBody>
-                  <a:tcPr marL="109930" marR="109930" marT="54965" marB="54965"/>
-                </a:tc>
-                <a:tc>
-                  <a:txBody>
-                    <a:bodyPr/>
-                    <a:lstStyle/>
-                    <a:p>
-                      <a:pPr marL="0" marR="0" lvl="0" indent="0" algn="l" defTabSz="914400" rtl="0" eaLnBrk="1" fontAlgn="auto" latinLnBrk="0" hangingPunct="1">
-                        <a:lnSpc>
-                          <a:spcPct val="100000"/>
-                        </a:lnSpc>
-                        <a:spcBef>
-                          <a:spcPts val="0"/>
-                        </a:spcBef>
-                        <a:spcAft>
-                          <a:spcPts val="0"/>
-                        </a:spcAft>
-                        <a:buClrTx/>
-                        <a:buSzTx/>
-                        <a:buFontTx/>
-                        <a:buNone/>
-                        <a:tabLst/>
-                        <a:defRPr/>
-                      </a:pPr>
-                      <a:r>
-                        <a:rPr lang="es-AR" sz="2200" dirty="0" smtClean="0"/>
-                        <a:t>17-Ago-18</a:t>
-                      </a:r>
-                    </a:p>
-                  </a:txBody>
-                  <a:tcPr marL="109930" marR="109930" marT="54965" marB="54965"/>
-                </a:tc>
-              </a:tr>
-            </a:tbl>
-          </a:graphicData>
-        </a:graphic>
-      </p:graphicFrame>
     </p:spTree>
     <p:extLst>
       <p:ext uri="{BB962C8B-B14F-4D97-AF65-F5344CB8AC3E}">
-        <p14:creationId xmlns:p14="http://schemas.microsoft.com/office/powerpoint/2010/main" val="4120856557"/>
+        <p14:creationId xmlns:p14="http://schemas.microsoft.com/office/powerpoint/2010/main" val="2976960991"/>
       </p:ext>
     </p:extLst>
   </p:cSld>
@@ -8409,59 +11576,67 @@
           <a:lstStyle/>
           <a:p>
             <a:pPr marL="0" indent="0">
-              <a:buNone/>
-            </a:pPr>
-            <a:r>
-              <a:rPr lang="es-ES" dirty="0" smtClean="0"/>
-              <a:t>Reunión del 17-Ago-18:</a:t>
-            </a:r>
-          </a:p>
-          <a:p>
-            <a:pPr marL="0" indent="0">
-              <a:buNone/>
-            </a:pPr>
-            <a:r>
-              <a:rPr lang="es-ES" dirty="0" smtClean="0"/>
-              <a:t>Se tomó la decisión de realizar una reunión con el objetivo de reanudar el proyecto Tempus. Durante la misma se decidió:</a:t>
-            </a:r>
-          </a:p>
-          <a:p>
-            <a:pPr marL="0" indent="0">
+              <a:spcBef>
+                <a:spcPts val="1200"/>
+              </a:spcBef>
+              <a:spcAft>
+                <a:spcPts val="1200"/>
+              </a:spcAft>
               <a:buNone/>
             </a:pPr>
             <a:endParaRPr lang="es-ES" dirty="0" smtClean="0"/>
           </a:p>
           <a:p>
+            <a:pPr marL="0" indent="0">
+              <a:spcBef>
+                <a:spcPts val="1200"/>
+              </a:spcBef>
+              <a:spcAft>
+                <a:spcPts val="1200"/>
+              </a:spcAft>
+              <a:buNone/>
+            </a:pPr>
             <a:r>
               <a:rPr lang="es-ES" dirty="0" smtClean="0"/>
-              <a:t>Repasar la documentación actual disponible en el repositorio.</a:t>
-            </a:r>
-          </a:p>
-          <a:p>
-            <a:r>
-              <a:rPr lang="es-ES" dirty="0" smtClean="0"/>
-              <a:t>Determinar </a:t>
-            </a:r>
-            <a:r>
-              <a:rPr lang="es-ES" dirty="0" smtClean="0"/>
-              <a:t>el estado </a:t>
-            </a:r>
-            <a:r>
-              <a:rPr lang="es-ES" dirty="0" smtClean="0"/>
-              <a:t>de la documentación.</a:t>
-            </a:r>
-          </a:p>
-          <a:p>
-            <a:r>
-              <a:rPr lang="es-ES" dirty="0" smtClean="0"/>
-              <a:t>Planificar nueva interacción.</a:t>
-            </a:r>
-          </a:p>
-          <a:p>
-            <a:r>
-              <a:rPr lang="es-ES" dirty="0" smtClean="0"/>
-              <a:t>Realizar presentación al equipo de catedra.</a:t>
-            </a:r>
+              <a:t>En forma resumida:</a:t>
+            </a:r>
+          </a:p>
+          <a:p>
+            <a:r>
+              <a:rPr lang="es-AR" dirty="0" smtClean="0"/>
+              <a:t>Cargar archivo con horarios de cursada (Cada cuatrimestre).</a:t>
+            </a:r>
+          </a:p>
+          <a:p>
+            <a:r>
+              <a:rPr lang="es-AR" dirty="0" smtClean="0"/>
+              <a:t>Cargar archivo con mesas de examen (Cada turno).</a:t>
+            </a:r>
+          </a:p>
+          <a:p>
+            <a:r>
+              <a:rPr lang="es-AR" dirty="0" smtClean="0"/>
+              <a:t>Generar informes.</a:t>
+            </a:r>
+          </a:p>
+          <a:p>
+            <a:r>
+              <a:rPr lang="es-AR" dirty="0" smtClean="0"/>
+              <a:t>Consultar horarios de cursada (APP).</a:t>
+            </a:r>
+          </a:p>
+          <a:p>
+            <a:r>
+              <a:rPr lang="es-AR" dirty="0" smtClean="0"/>
+              <a:t>Consultar mesas de examen (APP).</a:t>
+            </a:r>
+          </a:p>
+          <a:p>
+            <a:r>
+              <a:rPr lang="es-AR" dirty="0" smtClean="0"/>
+              <a:t>Recibir notificaciones sobre horarios de cursada y mesas de examen (APP).</a:t>
+            </a:r>
+            <a:endParaRPr lang="es-ES" dirty="0" smtClean="0"/>
           </a:p>
           <a:p>
             <a:pPr marL="0" indent="0">
@@ -8469,6 +11644,18 @@
             </a:pPr>
             <a:endParaRPr lang="es-ES" dirty="0" smtClean="0"/>
           </a:p>
+          <a:p>
+            <a:pPr marL="0" indent="0">
+              <a:buNone/>
+            </a:pPr>
+            <a:endParaRPr lang="es-ES" dirty="0" smtClean="0"/>
+          </a:p>
+          <a:p>
+            <a:pPr marL="0" indent="0">
+              <a:buNone/>
+            </a:pPr>
+            <a:endParaRPr lang="es-ES" dirty="0" smtClean="0"/>
+          </a:p>
         </p:txBody>
       </p:sp>
       <p:sp>
@@ -8488,7 +11675,7 @@
           <a:p>
             <a:r>
               <a:rPr lang="es-AR" dirty="0" smtClean="0"/>
-              <a:t>Estado del proyecto</a:t>
+              <a:t>Descripción general</a:t>
             </a:r>
             <a:endParaRPr lang="es-AR" dirty="0"/>
           </a:p>
@@ -8544,7 +11731,7 @@
     </p:spTree>
     <p:extLst>
       <p:ext uri="{BB962C8B-B14F-4D97-AF65-F5344CB8AC3E}">
-        <p14:creationId xmlns:p14="http://schemas.microsoft.com/office/powerpoint/2010/main" val="614728282"/>
+        <p14:creationId xmlns:p14="http://schemas.microsoft.com/office/powerpoint/2010/main" val="1180761512"/>
       </p:ext>
     </p:extLst>
   </p:cSld>
@@ -8662,21 +11849,21 @@
       </p:sp>
       <p:graphicFrame>
         <p:nvGraphicFramePr>
-          <p:cNvPr id="2" name="Tabla 1"/>
+          <p:cNvPr id="6" name="Tabla 5"/>
           <p:cNvGraphicFramePr>
             <a:graphicFrameLocks noGrp="1"/>
           </p:cNvGraphicFramePr>
           <p:nvPr>
             <p:extLst>
               <p:ext uri="{D42A27DB-BD31-4B8C-83A1-F6EECF244321}">
-                <p14:modId xmlns:p14="http://schemas.microsoft.com/office/powerpoint/2010/main" val="3862357346"/>
+                <p14:modId xmlns:p14="http://schemas.microsoft.com/office/powerpoint/2010/main" val="208644761"/>
               </p:ext>
             </p:extLst>
           </p:nvPr>
         </p:nvGraphicFramePr>
         <p:xfrm>
-          <a:off x="2077492" y="2208637"/>
-          <a:ext cx="8127999" cy="2595880"/>
+          <a:off x="875241" y="1733269"/>
+          <a:ext cx="10396024" cy="4476465"/>
         </p:xfrm>
         <a:graphic>
           <a:graphicData uri="http://schemas.openxmlformats.org/drawingml/2006/table">
@@ -8685,11 +11872,10 @@
                 <a:tableStyleId>{6E25E649-3F16-4E02-A733-19D2CDBF48F0}</a:tableStyleId>
               </a:tblPr>
               <a:tblGrid>
-                <a:gridCol w="2709333"/>
-                <a:gridCol w="2709333"/>
-                <a:gridCol w="2709333"/>
+                <a:gridCol w="4447386"/>
+                <a:gridCol w="5948638"/>
               </a:tblGrid>
-              <a:tr h="370840">
+              <a:tr h="497385">
                 <a:tc>
                   <a:txBody>
                     <a:bodyPr/>
@@ -8697,21 +11883,21 @@
                     <a:p>
                       <a:pPr algn="ctr"/>
                       <a:r>
-                        <a:rPr lang="es-AR" dirty="0" smtClean="0">
+                        <a:rPr lang="es-AR" sz="2200" dirty="0" smtClean="0">
                           <a:solidFill>
-                            <a:sysClr val="windowText" lastClr="000000"/>
+                            <a:schemeClr val="bg1"/>
                           </a:solidFill>
                         </a:rPr>
-                        <a:t>Etapa</a:t>
-                      </a:r>
-                      <a:endParaRPr lang="es-AR" dirty="0">
+                        <a:t>Información</a:t>
+                      </a:r>
+                      <a:endParaRPr lang="es-AR" sz="2200" dirty="0">
                         <a:solidFill>
-                          <a:sysClr val="windowText" lastClr="000000"/>
+                          <a:schemeClr val="bg1"/>
                         </a:solidFill>
                       </a:endParaRPr>
                     </a:p>
                   </a:txBody>
-                  <a:tcPr/>
+                  <a:tcPr marL="109930" marR="109930" marT="54965" marB="54965"/>
                 </a:tc>
                 <a:tc>
                   <a:txBody>
@@ -8720,479 +11906,425 @@
                     <a:p>
                       <a:pPr algn="ctr"/>
                       <a:r>
-                        <a:rPr lang="es-AR" dirty="0" smtClean="0">
+                        <a:rPr lang="es-AR" sz="2200" dirty="0" smtClean="0">
                           <a:solidFill>
-                            <a:sysClr val="windowText" lastClr="000000"/>
+                            <a:schemeClr val="bg1"/>
                           </a:solidFill>
                         </a:rPr>
-                        <a:t>Porcentaje</a:t>
-                      </a:r>
-                      <a:endParaRPr lang="es-AR" dirty="0">
+                        <a:t>Detalle</a:t>
+                      </a:r>
+                      <a:endParaRPr lang="es-AR" sz="2200" dirty="0">
                         <a:solidFill>
-                          <a:sysClr val="windowText" lastClr="000000"/>
+                          <a:schemeClr val="bg1"/>
                         </a:solidFill>
                       </a:endParaRPr>
                     </a:p>
                   </a:txBody>
-                  <a:tcPr/>
+                  <a:tcPr marL="109930" marR="109930" marT="54965" marB="54965"/>
+                </a:tc>
+              </a:tr>
+              <a:tr h="497385">
+                <a:tc>
+                  <a:txBody>
+                    <a:bodyPr/>
+                    <a:lstStyle/>
+                    <a:p>
+                      <a:r>
+                        <a:rPr lang="es-AR" sz="2200" dirty="0" smtClean="0"/>
+                        <a:t>Estimación inicial</a:t>
+                      </a:r>
+                      <a:endParaRPr lang="es-AR" sz="2200" dirty="0"/>
+                    </a:p>
+                  </a:txBody>
+                  <a:tcPr marL="109930" marR="109930" marT="54965" marB="54965"/>
                 </a:tc>
                 <a:tc>
                   <a:txBody>
                     <a:bodyPr/>
                     <a:lstStyle/>
                     <a:p>
-                      <a:pPr algn="ctr"/>
-                      <a:r>
-                        <a:rPr lang="es-AR" dirty="0" smtClean="0">
-                          <a:solidFill>
-                            <a:sysClr val="windowText" lastClr="000000"/>
-                          </a:solidFill>
-                        </a:rPr>
-                        <a:t>Tiempo</a:t>
-                      </a:r>
-                      <a:endParaRPr lang="es-AR" dirty="0">
-                        <a:solidFill>
-                          <a:sysClr val="windowText" lastClr="000000"/>
-                        </a:solidFill>
-                      </a:endParaRPr>
+                      <a:pPr algn="l"/>
+                      <a:r>
+                        <a:rPr lang="es-AR" sz="2200" dirty="0" smtClean="0"/>
+                        <a:t>1</a:t>
+                      </a:r>
+                      <a:r>
+                        <a:rPr lang="es-AR" sz="2200" baseline="0" dirty="0" smtClean="0"/>
+                        <a:t> año y 3 meses</a:t>
+                      </a:r>
+                      <a:endParaRPr lang="es-AR" sz="2200" dirty="0"/>
                     </a:p>
                   </a:txBody>
-                  <a:tcPr/>
+                  <a:tcPr marL="109930" marR="109930" marT="54965" marB="54965"/>
                 </a:tc>
               </a:tr>
-              <a:tr h="370840">
+              <a:tr h="497385">
                 <a:tc>
                   <a:txBody>
                     <a:bodyPr/>
                     <a:lstStyle/>
                     <a:p>
                       <a:r>
-                        <a:rPr lang="es-AR" b="1" dirty="0" smtClean="0">
-                          <a:solidFill>
-                            <a:schemeClr val="accent4"/>
-                          </a:solidFill>
-                        </a:rPr>
-                        <a:t>Análisis</a:t>
-                      </a:r>
-                      <a:endParaRPr lang="es-AR" b="1" dirty="0">
-                        <a:solidFill>
-                          <a:schemeClr val="accent4"/>
-                        </a:solidFill>
-                      </a:endParaRPr>
+                        <a:rPr lang="es-AR" sz="2200" dirty="0" smtClean="0"/>
+                        <a:t>Tiempo</a:t>
+                      </a:r>
+                      <a:r>
+                        <a:rPr lang="es-AR" sz="2200" baseline="0" dirty="0" smtClean="0"/>
+                        <a:t> trabajado</a:t>
+                      </a:r>
+                      <a:endParaRPr lang="es-AR" sz="2200" dirty="0"/>
                     </a:p>
                   </a:txBody>
-                  <a:tcPr/>
+                  <a:tcPr marL="109930" marR="109930" marT="54965" marB="54965"/>
                 </a:tc>
                 <a:tc>
                   <a:txBody>
                     <a:bodyPr/>
                     <a:lstStyle/>
                     <a:p>
-                      <a:pPr algn="ctr"/>
-                      <a:r>
-                        <a:rPr lang="es-AR" b="1" dirty="0" smtClean="0">
-                          <a:solidFill>
-                            <a:schemeClr val="accent4"/>
-                          </a:solidFill>
-                        </a:rPr>
-                        <a:t>10%</a:t>
-                      </a:r>
-                      <a:endParaRPr lang="es-AR" b="1" dirty="0">
-                        <a:solidFill>
-                          <a:schemeClr val="accent4"/>
-                        </a:solidFill>
-                      </a:endParaRPr>
+                      <a:pPr algn="l"/>
+                      <a:r>
+                        <a:rPr lang="es-AR" sz="2200" dirty="0" smtClean="0"/>
+                        <a:t>3 meses y 1 semana (18-Ago-17</a:t>
+                      </a:r>
+                      <a:r>
+                        <a:rPr lang="es-AR" sz="2200" baseline="0" dirty="0" smtClean="0"/>
+                        <a:t> al 24-Nov-17</a:t>
+                      </a:r>
+                      <a:r>
+                        <a:rPr lang="es-AR" sz="2200" dirty="0" smtClean="0"/>
+                        <a:t>)</a:t>
+                      </a:r>
+                      <a:endParaRPr lang="es-AR" sz="2200" dirty="0"/>
                     </a:p>
                   </a:txBody>
-                  <a:tcPr/>
+                  <a:tcPr marL="109930" marR="109930" marT="54965" marB="54965"/>
+                </a:tc>
+              </a:tr>
+              <a:tr h="497385">
+                <a:tc>
+                  <a:txBody>
+                    <a:bodyPr/>
+                    <a:lstStyle/>
+                    <a:p>
+                      <a:pPr marL="0" marR="0" lvl="0" indent="0" algn="l" defTabSz="914400" rtl="0" eaLnBrk="1" fontAlgn="auto" latinLnBrk="0" hangingPunct="1">
+                        <a:lnSpc>
+                          <a:spcPct val="100000"/>
+                        </a:lnSpc>
+                        <a:spcBef>
+                          <a:spcPts val="0"/>
+                        </a:spcBef>
+                        <a:spcAft>
+                          <a:spcPts val="0"/>
+                        </a:spcAft>
+                        <a:buClrTx/>
+                        <a:buSzTx/>
+                        <a:buFontTx/>
+                        <a:buNone/>
+                        <a:tabLst/>
+                        <a:defRPr/>
+                      </a:pPr>
+                      <a:r>
+                        <a:rPr lang="es-AR" sz="2200" dirty="0" smtClean="0"/>
+                        <a:t>Ultima estimación (N°</a:t>
+                      </a:r>
+                      <a:r>
+                        <a:rPr lang="es-AR" sz="2200" baseline="0" dirty="0" smtClean="0"/>
+                        <a:t> 4</a:t>
+                      </a:r>
+                      <a:r>
+                        <a:rPr lang="es-AR" sz="2200" dirty="0" smtClean="0"/>
+                        <a:t>)</a:t>
+                      </a:r>
+                    </a:p>
+                  </a:txBody>
+                  <a:tcPr marL="109930" marR="109930" marT="54965" marB="54965"/>
                 </a:tc>
                 <a:tc>
                   <a:txBody>
                     <a:bodyPr/>
                     <a:lstStyle/>
                     <a:p>
-                      <a:pPr algn="ctr"/>
-                      <a:r>
-                        <a:rPr lang="es-AR" b="1" dirty="0" smtClean="0">
-                          <a:solidFill>
-                            <a:schemeClr val="accent4"/>
-                          </a:solidFill>
-                        </a:rPr>
-                        <a:t>157,25</a:t>
-                      </a:r>
-                      <a:endParaRPr lang="es-AR" b="1" dirty="0">
-                        <a:solidFill>
-                          <a:schemeClr val="accent4"/>
-                        </a:solidFill>
-                      </a:endParaRPr>
+                      <a:pPr algn="l"/>
+                      <a:r>
+                        <a:rPr lang="es-AR" sz="2200" dirty="0" smtClean="0"/>
+                        <a:t>4 meses</a:t>
+                      </a:r>
+                      <a:r>
+                        <a:rPr lang="es-AR" sz="2200" baseline="0" dirty="0" smtClean="0"/>
+                        <a:t> y 3 semanas</a:t>
+                      </a:r>
+                      <a:endParaRPr lang="es-AR" sz="2200" dirty="0"/>
                     </a:p>
                   </a:txBody>
-                  <a:tcPr/>
+                  <a:tcPr marL="109930" marR="109930" marT="54965" marB="54965"/>
                 </a:tc>
               </a:tr>
-              <a:tr h="370840">
+              <a:tr h="497385">
                 <a:tc>
                   <a:txBody>
                     <a:bodyPr/>
                     <a:lstStyle/>
                     <a:p>
                       <a:r>
-                        <a:rPr lang="es-AR" b="1" dirty="0" smtClean="0">
-                          <a:solidFill>
-                            <a:schemeClr val="accent4"/>
-                          </a:solidFill>
-                        </a:rPr>
-                        <a:t>Diseño</a:t>
-                      </a:r>
-                      <a:endParaRPr lang="es-AR" b="1" dirty="0">
-                        <a:solidFill>
-                          <a:schemeClr val="accent4"/>
-                        </a:solidFill>
-                      </a:endParaRPr>
+                        <a:rPr lang="es-AR" sz="2200" dirty="0" smtClean="0"/>
+                        <a:t>Ultima presentación</a:t>
+                      </a:r>
+                      <a:endParaRPr lang="es-AR" sz="2200" dirty="0"/>
                     </a:p>
                   </a:txBody>
-                  <a:tcPr/>
+                  <a:tcPr marL="109930" marR="109930" marT="54965" marB="54965"/>
                 </a:tc>
                 <a:tc>
                   <a:txBody>
                     <a:bodyPr/>
                     <a:lstStyle/>
                     <a:p>
-                      <a:pPr algn="ctr"/>
-                      <a:r>
-                        <a:rPr lang="es-AR" b="1" dirty="0" smtClean="0">
-                          <a:solidFill>
-                            <a:schemeClr val="accent4"/>
-                          </a:solidFill>
-                        </a:rPr>
-                        <a:t>20%</a:t>
-                      </a:r>
-                      <a:endParaRPr lang="es-AR" b="1" dirty="0">
-                        <a:solidFill>
-                          <a:schemeClr val="accent4"/>
-                        </a:solidFill>
-                      </a:endParaRPr>
+                      <a:pPr algn="l"/>
+                      <a:r>
+                        <a:rPr lang="es-AR" sz="2200" dirty="0" smtClean="0"/>
+                        <a:t>24-Nov-17</a:t>
+                      </a:r>
+                      <a:endParaRPr lang="es-AR" sz="2200" dirty="0"/>
                     </a:p>
                   </a:txBody>
-                  <a:tcPr/>
+                  <a:tcPr marL="109930" marR="109930" marT="54965" marB="54965"/>
+                </a:tc>
+              </a:tr>
+              <a:tr h="497385">
+                <a:tc>
+                  <a:txBody>
+                    <a:bodyPr/>
+                    <a:lstStyle/>
+                    <a:p>
+                      <a:r>
+                        <a:rPr lang="es-AR" sz="2200" dirty="0" smtClean="0"/>
+                        <a:t>Fase</a:t>
+                      </a:r>
+                      <a:endParaRPr lang="es-AR" sz="2200" dirty="0"/>
+                    </a:p>
+                  </a:txBody>
+                  <a:tcPr marL="109930" marR="109930" marT="54965" marB="54965"/>
                 </a:tc>
                 <a:tc>
                   <a:txBody>
                     <a:bodyPr/>
                     <a:lstStyle/>
                     <a:p>
-                      <a:pPr algn="ctr"/>
-                      <a:r>
-                        <a:rPr lang="es-AR" b="1" dirty="0" smtClean="0">
-                          <a:solidFill>
-                            <a:schemeClr val="accent4"/>
-                          </a:solidFill>
-                        </a:rPr>
-                        <a:t>314,5</a:t>
-                      </a:r>
-                      <a:endParaRPr lang="es-AR" b="1" dirty="0">
-                        <a:solidFill>
-                          <a:schemeClr val="accent4"/>
-                        </a:solidFill>
-                      </a:endParaRPr>
+                      <a:pPr marL="0" marR="0" lvl="0" indent="0" algn="l" defTabSz="914400" rtl="0" eaLnBrk="1" fontAlgn="auto" latinLnBrk="0" hangingPunct="1">
+                        <a:lnSpc>
+                          <a:spcPct val="100000"/>
+                        </a:lnSpc>
+                        <a:spcBef>
+                          <a:spcPts val="0"/>
+                        </a:spcBef>
+                        <a:spcAft>
+                          <a:spcPts val="0"/>
+                        </a:spcAft>
+                        <a:buClrTx/>
+                        <a:buSzTx/>
+                        <a:buFontTx/>
+                        <a:buNone/>
+                        <a:tabLst/>
+                        <a:defRPr/>
+                      </a:pPr>
+                      <a:r>
+                        <a:rPr lang="es-AR" sz="2200" dirty="0" smtClean="0"/>
+                        <a:t>Construcción</a:t>
+                      </a:r>
                     </a:p>
                   </a:txBody>
-                  <a:tcPr/>
+                  <a:tcPr marL="109930" marR="109930" marT="54965" marB="54965"/>
                 </a:tc>
               </a:tr>
-              <a:tr h="370840">
+              <a:tr h="497385">
                 <a:tc>
                   <a:txBody>
                     <a:bodyPr/>
                     <a:lstStyle/>
                     <a:p>
                       <a:r>
-                        <a:rPr lang="es-AR" dirty="0" smtClean="0"/>
-                        <a:t>Programación</a:t>
-                      </a:r>
-                      <a:endParaRPr lang="es-AR" dirty="0"/>
+                        <a:rPr lang="es-AR" sz="2200" dirty="0" smtClean="0"/>
+                        <a:t>Iteración</a:t>
+                      </a:r>
+                      <a:endParaRPr lang="es-AR" sz="2200" dirty="0"/>
                     </a:p>
                   </a:txBody>
-                  <a:tcPr/>
+                  <a:tcPr marL="109930" marR="109930" marT="54965" marB="54965"/>
                 </a:tc>
                 <a:tc>
                   <a:txBody>
                     <a:bodyPr/>
                     <a:lstStyle/>
                     <a:p>
-                      <a:pPr algn="ctr"/>
-                      <a:r>
-                        <a:rPr lang="es-AR" dirty="0" smtClean="0"/>
-                        <a:t>40%</a:t>
-                      </a:r>
-                      <a:endParaRPr lang="es-AR" dirty="0"/>
+                      <a:pPr marL="0" marR="0" lvl="0" indent="0" algn="l" defTabSz="914400" rtl="0" eaLnBrk="1" fontAlgn="auto" latinLnBrk="0" hangingPunct="1">
+                        <a:lnSpc>
+                          <a:spcPct val="100000"/>
+                        </a:lnSpc>
+                        <a:spcBef>
+                          <a:spcPts val="0"/>
+                        </a:spcBef>
+                        <a:spcAft>
+                          <a:spcPts val="0"/>
+                        </a:spcAft>
+                        <a:buClrTx/>
+                        <a:buSzTx/>
+                        <a:buFontTx/>
+                        <a:buNone/>
+                        <a:tabLst/>
+                        <a:defRPr/>
+                      </a:pPr>
+                      <a:r>
+                        <a:rPr lang="es-AR" sz="2200" dirty="0" smtClean="0"/>
+                        <a:t>N°</a:t>
+                      </a:r>
+                      <a:r>
+                        <a:rPr lang="es-AR" sz="2200" baseline="0" dirty="0" smtClean="0"/>
+                        <a:t> 3 (14-Nov-17 al 23-Nov-17)</a:t>
+                      </a:r>
+                      <a:endParaRPr lang="es-AR" sz="2200" dirty="0" smtClean="0"/>
                     </a:p>
                   </a:txBody>
-                  <a:tcPr/>
+                  <a:tcPr marL="109930" marR="109930" marT="54965" marB="54965"/>
+                </a:tc>
+              </a:tr>
+              <a:tr h="497385">
+                <a:tc>
+                  <a:txBody>
+                    <a:bodyPr/>
+                    <a:lstStyle/>
+                    <a:p>
+                      <a:pPr marL="0" marR="0" lvl="0" indent="0" algn="l" defTabSz="914400" rtl="0" eaLnBrk="1" fontAlgn="auto" latinLnBrk="0" hangingPunct="1">
+                        <a:lnSpc>
+                          <a:spcPct val="100000"/>
+                        </a:lnSpc>
+                        <a:spcBef>
+                          <a:spcPts val="0"/>
+                        </a:spcBef>
+                        <a:spcAft>
+                          <a:spcPts val="0"/>
+                        </a:spcAft>
+                        <a:buClrTx/>
+                        <a:buSzTx/>
+                        <a:buFontTx/>
+                        <a:buNone/>
+                        <a:tabLst/>
+                        <a:defRPr/>
+                      </a:pPr>
+                      <a:r>
+                        <a:rPr lang="es-AR" sz="2200" dirty="0" smtClean="0"/>
+                        <a:t>Ultima revisión del repositorio</a:t>
+                      </a:r>
+                    </a:p>
+                  </a:txBody>
+                  <a:tcPr marL="109930" marR="109930" marT="54965" marB="54965"/>
                 </a:tc>
                 <a:tc>
                   <a:txBody>
                     <a:bodyPr/>
                     <a:lstStyle/>
                     <a:p>
-                      <a:pPr algn="ctr"/>
-                      <a:r>
-                        <a:rPr lang="es-AR" dirty="0" smtClean="0"/>
-                        <a:t>629</a:t>
-                      </a:r>
-                      <a:endParaRPr lang="es-AR" dirty="0"/>
+                      <a:pPr marL="0" marR="0" lvl="0" indent="0" algn="l" defTabSz="914400" rtl="0" eaLnBrk="1" fontAlgn="auto" latinLnBrk="0" hangingPunct="1">
+                        <a:lnSpc>
+                          <a:spcPct val="100000"/>
+                        </a:lnSpc>
+                        <a:spcBef>
+                          <a:spcPts val="0"/>
+                        </a:spcBef>
+                        <a:spcAft>
+                          <a:spcPts val="0"/>
+                        </a:spcAft>
+                        <a:buClrTx/>
+                        <a:buSzTx/>
+                        <a:buFontTx/>
+                        <a:buNone/>
+                        <a:tabLst/>
+                        <a:defRPr/>
+                      </a:pPr>
+                      <a:r>
+                        <a:rPr lang="es-AR" sz="2200" dirty="0" smtClean="0"/>
+                        <a:t>365</a:t>
+                      </a:r>
+                      <a:r>
+                        <a:rPr lang="es-AR" sz="2200" baseline="0" dirty="0" smtClean="0"/>
+                        <a:t> (26-Nov-17)</a:t>
+                      </a:r>
+                      <a:endParaRPr lang="es-AR" sz="2200" dirty="0" smtClean="0"/>
                     </a:p>
                   </a:txBody>
-                  <a:tcPr/>
+                  <a:tcPr marL="109930" marR="109930" marT="54965" marB="54965"/>
                 </a:tc>
               </a:tr>
-              <a:tr h="370840">
+              <a:tr h="497385">
                 <a:tc>
                   <a:txBody>
                     <a:bodyPr/>
                     <a:lstStyle/>
                     <a:p>
-                      <a:r>
-                        <a:rPr lang="es-AR" dirty="0" smtClean="0"/>
-                        <a:t>Pruebas</a:t>
-                      </a:r>
-                      <a:endParaRPr lang="es-AR" dirty="0"/>
+                      <a:pPr marL="0" marR="0" lvl="0" indent="0" algn="l" defTabSz="914400" rtl="0" eaLnBrk="1" fontAlgn="auto" latinLnBrk="0" hangingPunct="1">
+                        <a:lnSpc>
+                          <a:spcPct val="100000"/>
+                        </a:lnSpc>
+                        <a:spcBef>
+                          <a:spcPts val="0"/>
+                        </a:spcBef>
+                        <a:spcAft>
+                          <a:spcPts val="0"/>
+                        </a:spcAft>
+                        <a:buClrTx/>
+                        <a:buSzTx/>
+                        <a:buFontTx/>
+                        <a:buNone/>
+                        <a:tabLst/>
+                        <a:defRPr/>
+                      </a:pPr>
+                      <a:r>
+                        <a:rPr lang="es-AR" sz="2200" dirty="0" smtClean="0"/>
+                        <a:t>Reanudación del proyecto</a:t>
+                      </a:r>
                     </a:p>
                   </a:txBody>
-                  <a:tcPr/>
+                  <a:tcPr marL="109930" marR="109930" marT="54965" marB="54965"/>
                 </a:tc>
                 <a:tc>
                   <a:txBody>
                     <a:bodyPr/>
                     <a:lstStyle/>
                     <a:p>
-                      <a:pPr algn="ctr"/>
-                      <a:r>
-                        <a:rPr lang="es-AR" dirty="0" smtClean="0"/>
-                        <a:t>15%</a:t>
-                      </a:r>
-                      <a:endParaRPr lang="es-AR" dirty="0"/>
+                      <a:pPr marL="0" marR="0" lvl="0" indent="0" algn="l" defTabSz="914400" rtl="0" eaLnBrk="1" fontAlgn="auto" latinLnBrk="0" hangingPunct="1">
+                        <a:lnSpc>
+                          <a:spcPct val="100000"/>
+                        </a:lnSpc>
+                        <a:spcBef>
+                          <a:spcPts val="0"/>
+                        </a:spcBef>
+                        <a:spcAft>
+                          <a:spcPts val="0"/>
+                        </a:spcAft>
+                        <a:buClrTx/>
+                        <a:buSzTx/>
+                        <a:buFontTx/>
+                        <a:buNone/>
+                        <a:tabLst/>
+                        <a:defRPr/>
+                      </a:pPr>
+                      <a:r>
+                        <a:rPr lang="es-AR" sz="2200" dirty="0" smtClean="0"/>
+                        <a:t>17-Ago-18</a:t>
+                      </a:r>
                     </a:p>
                   </a:txBody>
-                  <a:tcPr/>
-                </a:tc>
-                <a:tc>
-                  <a:txBody>
-                    <a:bodyPr/>
-                    <a:lstStyle/>
-                    <a:p>
-                      <a:pPr algn="ctr"/>
-                      <a:r>
-                        <a:rPr lang="es-AR" dirty="0" smtClean="0"/>
-                        <a:t>235,875</a:t>
-                      </a:r>
-                      <a:endParaRPr lang="es-AR" dirty="0"/>
-                    </a:p>
-                  </a:txBody>
-                  <a:tcPr/>
-                </a:tc>
-              </a:tr>
-              <a:tr h="370840">
-                <a:tc>
-                  <a:txBody>
-                    <a:bodyPr/>
-                    <a:lstStyle/>
-                    <a:p>
-                      <a:r>
-                        <a:rPr lang="es-AR" dirty="0" smtClean="0"/>
-                        <a:t>Otros</a:t>
-                      </a:r>
-                      <a:endParaRPr lang="es-AR" dirty="0"/>
-                    </a:p>
-                  </a:txBody>
-                  <a:tcPr/>
-                </a:tc>
-                <a:tc>
-                  <a:txBody>
-                    <a:bodyPr/>
-                    <a:lstStyle/>
-                    <a:p>
-                      <a:pPr algn="ctr"/>
-                      <a:r>
-                        <a:rPr lang="es-AR" dirty="0" smtClean="0"/>
-                        <a:t>15%</a:t>
-                      </a:r>
-                      <a:endParaRPr lang="es-AR" dirty="0"/>
-                    </a:p>
-                  </a:txBody>
-                  <a:tcPr/>
-                </a:tc>
-                <a:tc>
-                  <a:txBody>
-                    <a:bodyPr/>
-                    <a:lstStyle/>
-                    <a:p>
-                      <a:pPr algn="ctr"/>
-                      <a:r>
-                        <a:rPr lang="es-AR" dirty="0" smtClean="0"/>
-                        <a:t>235,875</a:t>
-                      </a:r>
-                      <a:endParaRPr lang="es-AR" dirty="0"/>
-                    </a:p>
-                  </a:txBody>
-                  <a:tcPr/>
-                </a:tc>
-              </a:tr>
-              <a:tr h="370840">
-                <a:tc gridSpan="2">
-                  <a:txBody>
-                    <a:bodyPr/>
-                    <a:lstStyle/>
-                    <a:p>
-                      <a:pPr algn="ctr"/>
-                      <a:r>
-                        <a:rPr lang="es-AR" dirty="0" smtClean="0"/>
-                        <a:t>Total</a:t>
-                      </a:r>
-                      <a:endParaRPr lang="es-AR" b="1" dirty="0"/>
-                    </a:p>
-                  </a:txBody>
-                  <a:tcPr/>
-                </a:tc>
-                <a:tc hMerge="1">
-                  <a:txBody>
-                    <a:bodyPr/>
-                    <a:lstStyle/>
-                    <a:p>
-                      <a:endParaRPr lang="es-AR" dirty="0"/>
-                    </a:p>
-                  </a:txBody>
-                  <a:tcPr/>
-                </a:tc>
-                <a:tc>
-                  <a:txBody>
-                    <a:bodyPr/>
-                    <a:lstStyle/>
-                    <a:p>
-                      <a:pPr algn="ctr"/>
-                      <a:r>
-                        <a:rPr lang="es-AR" dirty="0" smtClean="0"/>
-                        <a:t>1572,5</a:t>
-                      </a:r>
-                      <a:endParaRPr lang="es-AR" dirty="0"/>
-                    </a:p>
-                  </a:txBody>
-                  <a:tcPr/>
+                  <a:tcPr marL="109930" marR="109930" marT="54965" marB="54965"/>
                 </a:tc>
               </a:tr>
             </a:tbl>
           </a:graphicData>
         </a:graphic>
       </p:graphicFrame>
-      <p:sp>
-        <p:nvSpPr>
-          <p:cNvPr id="7" name="CuadroTexto 6"/>
-          <p:cNvSpPr txBox="1"/>
-          <p:nvPr/>
-        </p:nvSpPr>
-        <p:spPr>
-          <a:xfrm>
-            <a:off x="242202" y="1513837"/>
-            <a:ext cx="9969268" cy="523220"/>
-          </a:xfrm>
-          <a:prstGeom prst="rect">
-            <a:avLst/>
-          </a:prstGeom>
-          <a:noFill/>
-        </p:spPr>
-        <p:txBody>
-          <a:bodyPr wrap="none" rtlCol="0">
-            <a:spAutoFit/>
-          </a:bodyPr>
-          <a:lstStyle/>
-          <a:p>
-            <a:r>
-              <a:rPr lang="es-AR" sz="2800" dirty="0" smtClean="0">
-                <a:solidFill>
-                  <a:schemeClr val="bg1">
-                    <a:lumMod val="75000"/>
-                    <a:lumOff val="25000"/>
-                  </a:schemeClr>
-                </a:solidFill>
-              </a:rPr>
-              <a:t>Estimación del trabajo restante (Realizada en Noviembre de 2017):</a:t>
-            </a:r>
-          </a:p>
-        </p:txBody>
-      </p:sp>
-      <p:sp>
-        <p:nvSpPr>
-          <p:cNvPr id="9" name="CuadroTexto 8"/>
-          <p:cNvSpPr txBox="1"/>
-          <p:nvPr/>
-        </p:nvSpPr>
-        <p:spPr>
-          <a:xfrm>
-            <a:off x="3997699" y="5088785"/>
-            <a:ext cx="4287584" cy="523220"/>
-          </a:xfrm>
-          <a:prstGeom prst="rect">
-            <a:avLst/>
-          </a:prstGeom>
-          <a:noFill/>
-        </p:spPr>
-        <p:txBody>
-          <a:bodyPr wrap="none" rtlCol="0">
-            <a:spAutoFit/>
-          </a:bodyPr>
-          <a:lstStyle/>
-          <a:p>
-            <a:r>
-              <a:rPr lang="es-AR" sz="2800" dirty="0" smtClean="0">
-                <a:solidFill>
-                  <a:schemeClr val="bg1">
-                    <a:lumMod val="75000"/>
-                    <a:lumOff val="25000"/>
-                  </a:schemeClr>
-                </a:solidFill>
-              </a:rPr>
-              <a:t>1100.75 / 60 = 18,3 semanas</a:t>
-            </a:r>
-          </a:p>
-        </p:txBody>
-      </p:sp>
-      <p:sp>
-        <p:nvSpPr>
-          <p:cNvPr id="10" name="CuadroTexto 9"/>
-          <p:cNvSpPr txBox="1"/>
-          <p:nvPr/>
-        </p:nvSpPr>
-        <p:spPr>
-          <a:xfrm>
-            <a:off x="5272503" y="5634663"/>
-            <a:ext cx="1737976" cy="523220"/>
-          </a:xfrm>
-          <a:prstGeom prst="rect">
-            <a:avLst/>
-          </a:prstGeom>
-          <a:noFill/>
-        </p:spPr>
-        <p:txBody>
-          <a:bodyPr wrap="none" rtlCol="0">
-            <a:spAutoFit/>
-          </a:bodyPr>
-          <a:lstStyle/>
-          <a:p>
-            <a:r>
-              <a:rPr lang="es-AR" sz="2800" b="1" dirty="0" smtClean="0">
-                <a:solidFill>
-                  <a:schemeClr val="accent4"/>
-                </a:solidFill>
-              </a:rPr>
-              <a:t>4,6 meses</a:t>
-            </a:r>
-          </a:p>
-        </p:txBody>
-      </p:sp>
     </p:spTree>
     <p:extLst>
       <p:ext uri="{BB962C8B-B14F-4D97-AF65-F5344CB8AC3E}">
-        <p14:creationId xmlns:p14="http://schemas.microsoft.com/office/powerpoint/2010/main" val="720002202"/>
+        <p14:creationId xmlns:p14="http://schemas.microsoft.com/office/powerpoint/2010/main" val="4120856557"/>
       </p:ext>
     </p:extLst>
   </p:cSld>
@@ -9255,7 +12387,7 @@
           <a:p>
             <a:r>
               <a:rPr lang="es-AR" dirty="0" smtClean="0"/>
-              <a:t>Planificación</a:t>
+              <a:t>Estado del proyecto</a:t>
             </a:r>
             <a:endParaRPr lang="es-AR" dirty="0"/>
           </a:p>
@@ -9519,11 +12651,7 @@
             </a:pPr>
             <a:r>
               <a:rPr lang="es-AR" dirty="0" smtClean="0"/>
-              <a:t>Documentación </a:t>
-            </a:r>
-            <a:r>
-              <a:rPr lang="es-AR" dirty="0" smtClean="0"/>
-              <a:t>restante:</a:t>
+              <a:t>Documentación restante:</a:t>
             </a:r>
             <a:endParaRPr lang="es-AR" dirty="0"/>
           </a:p>
@@ -9867,10 +12995,10 @@
               <a:buNone/>
             </a:pPr>
             <a:r>
-              <a:rPr lang="es-AR" sz="2400" dirty="0" smtClean="0"/>
+              <a:rPr lang="es-AR" sz="2400" i="1" dirty="0" smtClean="0"/>
               <a:t>Se considera actualizaciones a los documentos actuales ante eventuales modificaciones. Abarca documentos como: Especificaciones de casos de uso, Modelos (De datos, de casos de uso, de diseño) o base de datos.</a:t>
             </a:r>
-            <a:endParaRPr lang="es-AR" sz="2400" dirty="0"/>
+            <a:endParaRPr lang="es-AR" sz="2400" i="1" dirty="0"/>
           </a:p>
         </p:txBody>
       </p:sp>
@@ -9940,7 +13068,7 @@
           <a:p>
             <a:r>
               <a:rPr lang="es-AR" dirty="0" smtClean="0"/>
-              <a:t>Planificación</a:t>
+              <a:t>Estado del proyecto</a:t>
             </a:r>
             <a:endParaRPr lang="es-AR" dirty="0"/>
           </a:p>
@@ -10019,12 +13147,8 @@
               <a:buNone/>
             </a:pPr>
             <a:r>
-              <a:rPr lang="es-AR" smtClean="0"/>
-              <a:t>Implementación </a:t>
-            </a:r>
-            <a:r>
-              <a:rPr lang="es-AR" smtClean="0"/>
-              <a:t>restante:</a:t>
+              <a:rPr lang="es-AR" dirty="0" smtClean="0"/>
+              <a:t>Implementación restante:</a:t>
             </a:r>
             <a:endParaRPr lang="es-AR" dirty="0"/>
           </a:p>
@@ -10467,7 +13591,7 @@
           <a:p>
             <a:r>
               <a:rPr lang="es-AR" dirty="0" smtClean="0"/>
-              <a:t>Fin de presentación</a:t>
+              <a:t>Planificación Iteración 4</a:t>
             </a:r>
             <a:endParaRPr lang="es-AR" dirty="0"/>
           </a:p>
@@ -10520,40 +13644,148 @@
           </a:p>
         </p:txBody>
       </p:sp>
-      <p:pic>
-        <p:nvPicPr>
-          <p:cNvPr id="7" name="Imagen 6"/>
-          <p:cNvPicPr>
-            <a:picLocks noChangeAspect="1"/>
-          </p:cNvPicPr>
-          <p:nvPr/>
-        </p:nvPicPr>
-        <p:blipFill>
-          <a:blip r:embed="rId2" cstate="print">
-            <a:extLst>
-              <a:ext uri="{28A0092B-C50C-407E-A947-70E740481C1C}">
-                <a14:useLocalDpi xmlns:a14="http://schemas.microsoft.com/office/drawing/2010/main" val="0"/>
-              </a:ext>
-            </a:extLst>
-          </a:blip>
-          <a:stretch>
-            <a:fillRect/>
-          </a:stretch>
-        </p:blipFill>
+      <p:sp>
+        <p:nvSpPr>
+          <p:cNvPr id="2" name="Marcador de contenido 1"/>
+          <p:cNvSpPr>
+            <a:spLocks noGrp="1"/>
+          </p:cNvSpPr>
+          <p:nvPr>
+            <p:ph idx="1"/>
+          </p:nvPr>
+        </p:nvSpPr>
         <p:spPr>
           <a:xfrm>
-            <a:off x="4130722" y="2141611"/>
-            <a:ext cx="4021540" cy="3619386"/>
+            <a:off x="163773" y="1401149"/>
+            <a:ext cx="11847838" cy="5074555"/>
           </a:xfrm>
-          <a:prstGeom prst="rect">
-            <a:avLst/>
-          </a:prstGeom>
         </p:spPr>
-      </p:pic>
+        <p:txBody>
+          <a:bodyPr>
+            <a:normAutofit/>
+          </a:bodyPr>
+          <a:lstStyle/>
+          <a:p>
+            <a:pPr marL="0" indent="0">
+              <a:spcBef>
+                <a:spcPts val="1200"/>
+              </a:spcBef>
+              <a:spcAft>
+                <a:spcPts val="600"/>
+              </a:spcAft>
+              <a:buNone/>
+            </a:pPr>
+            <a:endParaRPr lang="es-AR" dirty="0" smtClean="0"/>
+          </a:p>
+          <a:p>
+            <a:pPr marL="0" indent="0">
+              <a:spcBef>
+                <a:spcPts val="1200"/>
+              </a:spcBef>
+              <a:spcAft>
+                <a:spcPts val="600"/>
+              </a:spcAft>
+              <a:buNone/>
+            </a:pPr>
+            <a:r>
+              <a:rPr lang="es-AR" b="1" dirty="0" smtClean="0"/>
+              <a:t>Fase</a:t>
+            </a:r>
+            <a:r>
+              <a:rPr lang="es-AR" dirty="0" smtClean="0"/>
+              <a:t>: Construcción.</a:t>
+            </a:r>
+          </a:p>
+          <a:p>
+            <a:pPr marL="0" indent="0">
+              <a:spcBef>
+                <a:spcPts val="1200"/>
+              </a:spcBef>
+              <a:spcAft>
+                <a:spcPts val="600"/>
+              </a:spcAft>
+              <a:buNone/>
+            </a:pPr>
+            <a:r>
+              <a:rPr lang="es-AR" b="1" dirty="0" smtClean="0"/>
+              <a:t>Iteración</a:t>
+            </a:r>
+            <a:r>
+              <a:rPr lang="es-AR" dirty="0" smtClean="0"/>
+              <a:t>: N° 4.</a:t>
+            </a:r>
+          </a:p>
+          <a:p>
+            <a:pPr marL="0" indent="0">
+              <a:spcBef>
+                <a:spcPts val="1200"/>
+              </a:spcBef>
+              <a:spcAft>
+                <a:spcPts val="600"/>
+              </a:spcAft>
+              <a:buNone/>
+            </a:pPr>
+            <a:r>
+              <a:rPr lang="es-AR" b="1" dirty="0" smtClean="0"/>
+              <a:t>Fecha de inicio</a:t>
+            </a:r>
+            <a:r>
+              <a:rPr lang="es-AR" dirty="0" smtClean="0"/>
+              <a:t>: 01 de Septiembre de 2018.</a:t>
+            </a:r>
+          </a:p>
+          <a:p>
+            <a:pPr marL="0" indent="0">
+              <a:spcBef>
+                <a:spcPts val="1200"/>
+              </a:spcBef>
+              <a:spcAft>
+                <a:spcPts val="600"/>
+              </a:spcAft>
+              <a:buNone/>
+            </a:pPr>
+            <a:r>
+              <a:rPr lang="es-AR" b="1" dirty="0" smtClean="0"/>
+              <a:t>Fecha de fin</a:t>
+            </a:r>
+            <a:r>
+              <a:rPr lang="es-AR" dirty="0" smtClean="0"/>
+              <a:t>: 16 de Septiembre de 2018.</a:t>
+            </a:r>
+          </a:p>
+          <a:p>
+            <a:pPr marL="0" indent="0">
+              <a:buNone/>
+            </a:pPr>
+            <a:endParaRPr lang="es-AR" dirty="0" smtClean="0"/>
+          </a:p>
+          <a:p>
+            <a:pPr marL="0" indent="0">
+              <a:buNone/>
+            </a:pPr>
+            <a:endParaRPr lang="es-AR" sz="2000" dirty="0"/>
+          </a:p>
+          <a:p>
+            <a:pPr marL="0" indent="0">
+              <a:buNone/>
+            </a:pPr>
+            <a:r>
+              <a:rPr lang="es-AR" i="1" dirty="0" smtClean="0"/>
+              <a:t>Las actividades se encuentran sujetas a las conclusiones obtenidas durante esta presentación por lo que puede ser modificada posteriormente. </a:t>
+            </a:r>
+          </a:p>
+          <a:p>
+            <a:pPr marL="0" indent="0">
+              <a:buNone/>
+            </a:pPr>
+            <a:endParaRPr lang="es-AR" dirty="0"/>
+          </a:p>
+        </p:txBody>
+      </p:sp>
     </p:spTree>
     <p:extLst>
       <p:ext uri="{BB962C8B-B14F-4D97-AF65-F5344CB8AC3E}">
-        <p14:creationId xmlns:p14="http://schemas.microsoft.com/office/powerpoint/2010/main" val="2777136503"/>
+        <p14:creationId xmlns:p14="http://schemas.microsoft.com/office/powerpoint/2010/main" val="357477803"/>
       </p:ext>
     </p:extLst>
   </p:cSld>
